--- a/02_Nodes/02_Nodes.pptx
+++ b/02_Nodes/02_Nodes.pptx
@@ -5,10 +5,10 @@
     <p:sldMasterId id="2147483658" r:id="rId1"/>
   </p:sldMasterIdLst>
   <p:notesMasterIdLst>
-    <p:notesMasterId r:id="rId54"/>
+    <p:notesMasterId r:id="rId52"/>
   </p:notesMasterIdLst>
   <p:handoutMasterIdLst>
-    <p:handoutMasterId r:id="rId55"/>
+    <p:handoutMasterId r:id="rId53"/>
   </p:handoutMasterIdLst>
   <p:sldIdLst>
     <p:sldId id="361" r:id="rId2"/>
@@ -30,39 +30,37 @@
     <p:sldId id="372" r:id="rId18"/>
     <p:sldId id="373" r:id="rId19"/>
     <p:sldId id="376" r:id="rId20"/>
-    <p:sldId id="377" r:id="rId21"/>
+    <p:sldId id="504" r:id="rId21"/>
     <p:sldId id="486" r:id="rId22"/>
     <p:sldId id="487" r:id="rId23"/>
     <p:sldId id="488" r:id="rId24"/>
     <p:sldId id="489" r:id="rId25"/>
-    <p:sldId id="492" r:id="rId26"/>
-    <p:sldId id="498" r:id="rId27"/>
-    <p:sldId id="449" r:id="rId28"/>
-    <p:sldId id="450" r:id="rId29"/>
-    <p:sldId id="496" r:id="rId30"/>
-    <p:sldId id="497" r:id="rId31"/>
-    <p:sldId id="499" r:id="rId32"/>
-    <p:sldId id="458" r:id="rId33"/>
-    <p:sldId id="459" r:id="rId34"/>
-    <p:sldId id="460" r:id="rId35"/>
-    <p:sldId id="500" r:id="rId36"/>
-    <p:sldId id="501" r:id="rId37"/>
-    <p:sldId id="448" r:id="rId38"/>
-    <p:sldId id="502" r:id="rId39"/>
-    <p:sldId id="453" r:id="rId40"/>
-    <p:sldId id="455" r:id="rId41"/>
-    <p:sldId id="456" r:id="rId42"/>
-    <p:sldId id="408" r:id="rId43"/>
-    <p:sldId id="436" r:id="rId44"/>
-    <p:sldId id="409" r:id="rId45"/>
-    <p:sldId id="431" r:id="rId46"/>
-    <p:sldId id="412" r:id="rId47"/>
-    <p:sldId id="429" r:id="rId48"/>
-    <p:sldId id="410" r:id="rId49"/>
-    <p:sldId id="422" r:id="rId50"/>
-    <p:sldId id="472" r:id="rId51"/>
-    <p:sldId id="479" r:id="rId52"/>
-    <p:sldId id="480" r:id="rId53"/>
+    <p:sldId id="498" r:id="rId26"/>
+    <p:sldId id="449" r:id="rId27"/>
+    <p:sldId id="450" r:id="rId28"/>
+    <p:sldId id="496" r:id="rId29"/>
+    <p:sldId id="497" r:id="rId30"/>
+    <p:sldId id="499" r:id="rId31"/>
+    <p:sldId id="458" r:id="rId32"/>
+    <p:sldId id="459" r:id="rId33"/>
+    <p:sldId id="460" r:id="rId34"/>
+    <p:sldId id="500" r:id="rId35"/>
+    <p:sldId id="501" r:id="rId36"/>
+    <p:sldId id="448" r:id="rId37"/>
+    <p:sldId id="502" r:id="rId38"/>
+    <p:sldId id="453" r:id="rId39"/>
+    <p:sldId id="455" r:id="rId40"/>
+    <p:sldId id="456" r:id="rId41"/>
+    <p:sldId id="408" r:id="rId42"/>
+    <p:sldId id="436" r:id="rId43"/>
+    <p:sldId id="409" r:id="rId44"/>
+    <p:sldId id="431" r:id="rId45"/>
+    <p:sldId id="412" r:id="rId46"/>
+    <p:sldId id="429" r:id="rId47"/>
+    <p:sldId id="410" r:id="rId48"/>
+    <p:sldId id="422" r:id="rId49"/>
+    <p:sldId id="479" r:id="rId50"/>
+    <p:sldId id="480" r:id="rId51"/>
   </p:sldIdLst>
   <p:sldSz cx="9144000" cy="6858000" type="screen4x3"/>
   <p:notesSz cx="6934200" cy="9220200"/>
@@ -943,26 +941,22 @@
       </p:sp>
       <p:sp>
         <p:nvSpPr>
-          <p:cNvPr id="68612" name="Rectangle 3"/>
+          <p:cNvPr id="5" name="Notes Placeholder 4"/>
           <p:cNvSpPr>
-            <a:spLocks noGrp="1" noChangeArrowheads="1"/>
+            <a:spLocks noGrp="1"/>
           </p:cNvSpPr>
           <p:nvPr>
-            <p:ph type="body" idx="1"/>
+            <p:ph type="body" sz="quarter" idx="10"/>
           </p:nvPr>
         </p:nvSpPr>
-        <p:spPr>
-          <a:noFill/>
-          <a:ln/>
-        </p:spPr>
-        <p:txBody>
-          <a:bodyPr/>
-          <a:lstStyle/>
-          <a:p>
-            <a:pPr eaLnBrk="1" hangingPunct="1"/>
-            <a:endParaRPr lang="en-US" dirty="0" smtClean="0">
-              <a:latin typeface="Arial" charset="0"/>
-            </a:endParaRPr>
+        <p:spPr/>
+        <p:txBody>
+          <a:bodyPr>
+            <a:normAutofit/>
+          </a:bodyPr>
+          <a:lstStyle/>
+          <a:p>
+            <a:endParaRPr lang="en-US"/>
           </a:p>
         </p:txBody>
       </p:sp>
@@ -1102,49 +1096,6 @@
       </p:sp>
       <p:sp>
         <p:nvSpPr>
-          <p:cNvPr id="3" name="Notes Placeholder 2"/>
-          <p:cNvSpPr>
-            <a:spLocks noGrp="1"/>
-          </p:cNvSpPr>
-          <p:nvPr>
-            <p:ph type="body" idx="1"/>
-          </p:nvPr>
-        </p:nvSpPr>
-        <p:spPr/>
-        <p:txBody>
-          <a:bodyPr>
-            <a:normAutofit/>
-          </a:bodyPr>
-          <a:lstStyle/>
-          <a:p>
-            <a:pPr marL="0" marR="0" indent="0" algn="l" defTabSz="914400" rtl="0" eaLnBrk="0" fontAlgn="base" latinLnBrk="0" hangingPunct="0">
-              <a:lnSpc>
-                <a:spcPct val="100000"/>
-              </a:lnSpc>
-              <a:spcBef>
-                <a:spcPct val="30000"/>
-              </a:spcBef>
-              <a:spcAft>
-                <a:spcPct val="0"/>
-              </a:spcAft>
-              <a:buClrTx/>
-              <a:buSzTx/>
-              <a:buFontTx/>
-              <a:buNone/>
-              <a:tabLst/>
-              <a:defRPr/>
-            </a:pPr>
-            <a:endParaRPr lang="en-US" dirty="0" smtClean="0">
-              <a:latin typeface="Arial" charset="0"/>
-            </a:endParaRPr>
-          </a:p>
-          <a:p>
-            <a:endParaRPr lang="en-US" dirty="0"/>
-          </a:p>
-        </p:txBody>
-      </p:sp>
-      <p:sp>
-        <p:nvSpPr>
           <p:cNvPr id="4" name="Slide Number Placeholder 3"/>
           <p:cNvSpPr>
             <a:spLocks noGrp="1"/>
@@ -1168,6 +1119,27 @@
               </a:pPr>
               <a:t>11</a:t>
             </a:fld>
+            <a:endParaRPr lang="en-US"/>
+          </a:p>
+        </p:txBody>
+      </p:sp>
+      <p:sp>
+        <p:nvSpPr>
+          <p:cNvPr id="5" name="Notes Placeholder 4"/>
+          <p:cNvSpPr>
+            <a:spLocks noGrp="1"/>
+          </p:cNvSpPr>
+          <p:nvPr>
+            <p:ph type="body" sz="quarter" idx="11"/>
+          </p:nvPr>
+        </p:nvSpPr>
+        <p:spPr/>
+        <p:txBody>
+          <a:bodyPr>
+            <a:normAutofit/>
+          </a:bodyPr>
+          <a:lstStyle/>
+          <a:p>
             <a:endParaRPr lang="en-US"/>
           </a:p>
         </p:txBody>
@@ -1217,30 +1189,6 @@
       </p:sp>
       <p:sp>
         <p:nvSpPr>
-          <p:cNvPr id="75779" name="Notes Placeholder 2"/>
-          <p:cNvSpPr>
-            <a:spLocks noGrp="1"/>
-          </p:cNvSpPr>
-          <p:nvPr>
-            <p:ph type="body" idx="1"/>
-          </p:nvPr>
-        </p:nvSpPr>
-        <p:spPr>
-          <a:noFill/>
-          <a:ln/>
-        </p:spPr>
-        <p:txBody>
-          <a:bodyPr/>
-          <a:lstStyle/>
-          <a:p>
-            <a:endParaRPr lang="en-US" dirty="0" smtClean="0">
-              <a:latin typeface="Arial" charset="0"/>
-            </a:endParaRPr>
-          </a:p>
-        </p:txBody>
-      </p:sp>
-      <p:sp>
-        <p:nvSpPr>
           <p:cNvPr id="75780" name="Slide Number Placeholder 3"/>
           <p:cNvSpPr>
             <a:spLocks noGrp="1"/>
@@ -1266,6 +1214,27 @@
             <a:endParaRPr lang="en-US" smtClean="0">
               <a:latin typeface="Arial" charset="0"/>
             </a:endParaRPr>
+          </a:p>
+        </p:txBody>
+      </p:sp>
+      <p:sp>
+        <p:nvSpPr>
+          <p:cNvPr id="5" name="Notes Placeholder 4"/>
+          <p:cNvSpPr>
+            <a:spLocks noGrp="1"/>
+          </p:cNvSpPr>
+          <p:nvPr>
+            <p:ph type="body" sz="quarter" idx="10"/>
+          </p:nvPr>
+        </p:nvSpPr>
+        <p:spPr/>
+        <p:txBody>
+          <a:bodyPr>
+            <a:normAutofit/>
+          </a:bodyPr>
+          <a:lstStyle/>
+          <a:p>
+            <a:endParaRPr lang="en-US"/>
           </a:p>
         </p:txBody>
       </p:sp>
@@ -1314,28 +1283,6 @@
       </p:sp>
       <p:sp>
         <p:nvSpPr>
-          <p:cNvPr id="74755" name="Notes Placeholder 2"/>
-          <p:cNvSpPr>
-            <a:spLocks noGrp="1"/>
-          </p:cNvSpPr>
-          <p:nvPr>
-            <p:ph type="body" idx="1"/>
-          </p:nvPr>
-        </p:nvSpPr>
-        <p:spPr>
-          <a:noFill/>
-          <a:ln/>
-        </p:spPr>
-        <p:txBody>
-          <a:bodyPr/>
-          <a:lstStyle/>
-          <a:p>
-            <a:endParaRPr lang="en-US" dirty="0"/>
-          </a:p>
-        </p:txBody>
-      </p:sp>
-      <p:sp>
-        <p:nvSpPr>
           <p:cNvPr id="74756" name="Slide Number Placeholder 3"/>
           <p:cNvSpPr>
             <a:spLocks noGrp="1"/>
@@ -1361,6 +1308,27 @@
             <a:endParaRPr lang="en-US" smtClean="0">
               <a:latin typeface="Arial" charset="0"/>
             </a:endParaRPr>
+          </a:p>
+        </p:txBody>
+      </p:sp>
+      <p:sp>
+        <p:nvSpPr>
+          <p:cNvPr id="5" name="Notes Placeholder 4"/>
+          <p:cNvSpPr>
+            <a:spLocks noGrp="1"/>
+          </p:cNvSpPr>
+          <p:nvPr>
+            <p:ph type="body" sz="quarter" idx="10"/>
+          </p:nvPr>
+        </p:nvSpPr>
+        <p:spPr/>
+        <p:txBody>
+          <a:bodyPr>
+            <a:normAutofit/>
+          </a:bodyPr>
+          <a:lstStyle/>
+          <a:p>
+            <a:endParaRPr lang="en-US"/>
           </a:p>
         </p:txBody>
       </p:sp>
@@ -1409,35 +1377,6 @@
       </p:sp>
       <p:sp>
         <p:nvSpPr>
-          <p:cNvPr id="76803" name="Notes Placeholder 2"/>
-          <p:cNvSpPr>
-            <a:spLocks noGrp="1"/>
-          </p:cNvSpPr>
-          <p:nvPr>
-            <p:ph type="body" idx="1"/>
-          </p:nvPr>
-        </p:nvSpPr>
-        <p:spPr>
-          <a:noFill/>
-          <a:ln/>
-        </p:spPr>
-        <p:txBody>
-          <a:bodyPr/>
-          <a:lstStyle/>
-          <a:p>
-            <a:endParaRPr lang="en-US" dirty="0" smtClean="0">
-              <a:latin typeface="Arial" charset="0"/>
-            </a:endParaRPr>
-          </a:p>
-          <a:p>
-            <a:endParaRPr lang="en-US" dirty="0" smtClean="0">
-              <a:latin typeface="Arial" charset="0"/>
-            </a:endParaRPr>
-          </a:p>
-        </p:txBody>
-      </p:sp>
-      <p:sp>
-        <p:nvSpPr>
           <p:cNvPr id="76804" name="Slide Number Placeholder 3"/>
           <p:cNvSpPr>
             <a:spLocks noGrp="1"/>
@@ -1463,6 +1402,27 @@
             <a:endParaRPr lang="en-US" smtClean="0">
               <a:latin typeface="Arial" charset="0"/>
             </a:endParaRPr>
+          </a:p>
+        </p:txBody>
+      </p:sp>
+      <p:sp>
+        <p:nvSpPr>
+          <p:cNvPr id="5" name="Notes Placeholder 4"/>
+          <p:cNvSpPr>
+            <a:spLocks noGrp="1"/>
+          </p:cNvSpPr>
+          <p:nvPr>
+            <p:ph type="body" sz="quarter" idx="10"/>
+          </p:nvPr>
+        </p:nvSpPr>
+        <p:spPr/>
+        <p:txBody>
+          <a:bodyPr>
+            <a:normAutofit/>
+          </a:bodyPr>
+          <a:lstStyle/>
+          <a:p>
+            <a:endParaRPr lang="en-US"/>
           </a:p>
         </p:txBody>
       </p:sp>
@@ -1525,7 +1485,7 @@
           </a:bodyPr>
           <a:lstStyle/>
           <a:p>
-            <a:endParaRPr lang="en-US"/>
+            <a:endParaRPr lang="en-US" dirty="0"/>
           </a:p>
         </p:txBody>
       </p:sp>
@@ -1602,27 +1562,6 @@
       </p:sp>
       <p:sp>
         <p:nvSpPr>
-          <p:cNvPr id="3" name="Notes Placeholder 2"/>
-          <p:cNvSpPr>
-            <a:spLocks noGrp="1"/>
-          </p:cNvSpPr>
-          <p:nvPr>
-            <p:ph type="body" idx="1"/>
-          </p:nvPr>
-        </p:nvSpPr>
-        <p:spPr/>
-        <p:txBody>
-          <a:bodyPr>
-            <a:normAutofit/>
-          </a:bodyPr>
-          <a:lstStyle/>
-          <a:p>
-            <a:endParaRPr lang="en-US" dirty="0"/>
-          </a:p>
-        </p:txBody>
-      </p:sp>
-      <p:sp>
-        <p:nvSpPr>
           <p:cNvPr id="4" name="Slide Number Placeholder 3"/>
           <p:cNvSpPr>
             <a:spLocks noGrp="1"/>
@@ -1646,6 +1585,27 @@
               </a:pPr>
               <a:t>16</a:t>
             </a:fld>
+            <a:endParaRPr lang="en-US"/>
+          </a:p>
+        </p:txBody>
+      </p:sp>
+      <p:sp>
+        <p:nvSpPr>
+          <p:cNvPr id="5" name="Notes Placeholder 4"/>
+          <p:cNvSpPr>
+            <a:spLocks noGrp="1"/>
+          </p:cNvSpPr>
+          <p:nvPr>
+            <p:ph type="body" sz="quarter" idx="11"/>
+          </p:nvPr>
+        </p:nvSpPr>
+        <p:spPr/>
+        <p:txBody>
+          <a:bodyPr>
+            <a:normAutofit/>
+          </a:bodyPr>
+          <a:lstStyle/>
+          <a:p>
             <a:endParaRPr lang="en-US"/>
           </a:p>
         </p:txBody>
@@ -1694,27 +1654,6 @@
       </p:sp>
       <p:sp>
         <p:nvSpPr>
-          <p:cNvPr id="3" name="Notes Placeholder 2"/>
-          <p:cNvSpPr>
-            <a:spLocks noGrp="1"/>
-          </p:cNvSpPr>
-          <p:nvPr>
-            <p:ph type="body" idx="1"/>
-          </p:nvPr>
-        </p:nvSpPr>
-        <p:spPr/>
-        <p:txBody>
-          <a:bodyPr>
-            <a:normAutofit/>
-          </a:bodyPr>
-          <a:lstStyle/>
-          <a:p>
-            <a:endParaRPr lang="en-US" dirty="0"/>
-          </a:p>
-        </p:txBody>
-      </p:sp>
-      <p:sp>
-        <p:nvSpPr>
           <p:cNvPr id="4" name="Slide Number Placeholder 3"/>
           <p:cNvSpPr>
             <a:spLocks noGrp="1"/>
@@ -1738,6 +1677,27 @@
               </a:pPr>
               <a:t>17</a:t>
             </a:fld>
+            <a:endParaRPr lang="en-US"/>
+          </a:p>
+        </p:txBody>
+      </p:sp>
+      <p:sp>
+        <p:nvSpPr>
+          <p:cNvPr id="5" name="Notes Placeholder 4"/>
+          <p:cNvSpPr>
+            <a:spLocks noGrp="1"/>
+          </p:cNvSpPr>
+          <p:nvPr>
+            <p:ph type="body" sz="quarter" idx="11"/>
+          </p:nvPr>
+        </p:nvSpPr>
+        <p:spPr/>
+        <p:txBody>
+          <a:bodyPr>
+            <a:normAutofit/>
+          </a:bodyPr>
+          <a:lstStyle/>
+          <a:p>
             <a:endParaRPr lang="en-US"/>
           </a:p>
         </p:txBody>
@@ -1786,30 +1746,6 @@
       </p:sp>
       <p:sp>
         <p:nvSpPr>
-          <p:cNvPr id="3" name="Notes Placeholder 2"/>
-          <p:cNvSpPr>
-            <a:spLocks noGrp="1"/>
-          </p:cNvSpPr>
-          <p:nvPr>
-            <p:ph type="body" idx="1"/>
-          </p:nvPr>
-        </p:nvSpPr>
-        <p:spPr/>
-        <p:txBody>
-          <a:bodyPr>
-            <a:normAutofit/>
-          </a:bodyPr>
-          <a:lstStyle/>
-          <a:p>
-            <a:endParaRPr lang="en-US" dirty="0" smtClean="0"/>
-          </a:p>
-          <a:p>
-            <a:endParaRPr lang="en-US" dirty="0"/>
-          </a:p>
-        </p:txBody>
-      </p:sp>
-      <p:sp>
-        <p:nvSpPr>
           <p:cNvPr id="4" name="Slide Number Placeholder 3"/>
           <p:cNvSpPr>
             <a:spLocks noGrp="1"/>
@@ -1833,6 +1769,27 @@
               </a:pPr>
               <a:t>18</a:t>
             </a:fld>
+            <a:endParaRPr lang="en-US"/>
+          </a:p>
+        </p:txBody>
+      </p:sp>
+      <p:sp>
+        <p:nvSpPr>
+          <p:cNvPr id="5" name="Notes Placeholder 4"/>
+          <p:cNvSpPr>
+            <a:spLocks noGrp="1"/>
+          </p:cNvSpPr>
+          <p:nvPr>
+            <p:ph type="body" sz="quarter" idx="11"/>
+          </p:nvPr>
+        </p:nvSpPr>
+        <p:spPr/>
+        <p:txBody>
+          <a:bodyPr>
+            <a:normAutofit/>
+          </a:bodyPr>
+          <a:lstStyle/>
+          <a:p>
             <a:endParaRPr lang="en-US"/>
           </a:p>
         </p:txBody>
@@ -1881,27 +1838,6 @@
       </p:sp>
       <p:sp>
         <p:nvSpPr>
-          <p:cNvPr id="3" name="Notes Placeholder 2"/>
-          <p:cNvSpPr>
-            <a:spLocks noGrp="1"/>
-          </p:cNvSpPr>
-          <p:nvPr>
-            <p:ph type="body" idx="1"/>
-          </p:nvPr>
-        </p:nvSpPr>
-        <p:spPr/>
-        <p:txBody>
-          <a:bodyPr>
-            <a:normAutofit/>
-          </a:bodyPr>
-          <a:lstStyle/>
-          <a:p>
-            <a:endParaRPr lang="en-US"/>
-          </a:p>
-        </p:txBody>
-      </p:sp>
-      <p:sp>
-        <p:nvSpPr>
           <p:cNvPr id="4" name="Slide Number Placeholder 3"/>
           <p:cNvSpPr>
             <a:spLocks noGrp="1"/>
@@ -1925,6 +1861,27 @@
               </a:pPr>
               <a:t>19</a:t>
             </a:fld>
+            <a:endParaRPr lang="en-US"/>
+          </a:p>
+        </p:txBody>
+      </p:sp>
+      <p:sp>
+        <p:nvSpPr>
+          <p:cNvPr id="5" name="Notes Placeholder 4"/>
+          <p:cNvSpPr>
+            <a:spLocks noGrp="1"/>
+          </p:cNvSpPr>
+          <p:nvPr>
+            <p:ph type="body" sz="quarter" idx="11"/>
+          </p:nvPr>
+        </p:nvSpPr>
+        <p:spPr/>
+        <p:txBody>
+          <a:bodyPr>
+            <a:normAutofit/>
+          </a:bodyPr>
+          <a:lstStyle/>
+          <a:p>
             <a:endParaRPr lang="en-US"/>
           </a:p>
         </p:txBody>
@@ -1973,27 +1930,6 @@
       </p:sp>
       <p:sp>
         <p:nvSpPr>
-          <p:cNvPr id="3" name="Notes Placeholder 2"/>
-          <p:cNvSpPr>
-            <a:spLocks noGrp="1"/>
-          </p:cNvSpPr>
-          <p:nvPr>
-            <p:ph type="body" idx="1"/>
-          </p:nvPr>
-        </p:nvSpPr>
-        <p:spPr/>
-        <p:txBody>
-          <a:bodyPr>
-            <a:normAutofit/>
-          </a:bodyPr>
-          <a:lstStyle/>
-          <a:p>
-            <a:endParaRPr lang="en-US" dirty="0"/>
-          </a:p>
-        </p:txBody>
-      </p:sp>
-      <p:sp>
-        <p:nvSpPr>
           <p:cNvPr id="4" name="Slide Number Placeholder 3"/>
           <p:cNvSpPr>
             <a:spLocks noGrp="1"/>
@@ -2017,6 +1953,27 @@
               </a:pPr>
               <a:t>2</a:t>
             </a:fld>
+            <a:endParaRPr lang="en-US"/>
+          </a:p>
+        </p:txBody>
+      </p:sp>
+      <p:sp>
+        <p:nvSpPr>
+          <p:cNvPr id="5" name="Notes Placeholder 4"/>
+          <p:cNvSpPr>
+            <a:spLocks noGrp="1"/>
+          </p:cNvSpPr>
+          <p:nvPr>
+            <p:ph type="body" sz="quarter" idx="11"/>
+          </p:nvPr>
+        </p:nvSpPr>
+        <p:spPr/>
+        <p:txBody>
+          <a:bodyPr>
+            <a:normAutofit/>
+          </a:bodyPr>
+          <a:lstStyle/>
+          <a:p>
             <a:endParaRPr lang="en-US"/>
           </a:p>
         </p:txBody>
@@ -2065,27 +2022,6 @@
       </p:sp>
       <p:sp>
         <p:nvSpPr>
-          <p:cNvPr id="3" name="Notes Placeholder 2"/>
-          <p:cNvSpPr>
-            <a:spLocks noGrp="1"/>
-          </p:cNvSpPr>
-          <p:nvPr>
-            <p:ph type="body" idx="1"/>
-          </p:nvPr>
-        </p:nvSpPr>
-        <p:spPr/>
-        <p:txBody>
-          <a:bodyPr>
-            <a:normAutofit/>
-          </a:bodyPr>
-          <a:lstStyle/>
-          <a:p>
-            <a:endParaRPr lang="en-US" dirty="0"/>
-          </a:p>
-        </p:txBody>
-      </p:sp>
-      <p:sp>
-        <p:nvSpPr>
           <p:cNvPr id="4" name="Slide Number Placeholder 3"/>
           <p:cNvSpPr>
             <a:spLocks noGrp="1"/>
@@ -2109,6 +2045,27 @@
               </a:pPr>
               <a:t>20</a:t>
             </a:fld>
+            <a:endParaRPr lang="en-US"/>
+          </a:p>
+        </p:txBody>
+      </p:sp>
+      <p:sp>
+        <p:nvSpPr>
+          <p:cNvPr id="5" name="Notes Placeholder 4"/>
+          <p:cNvSpPr>
+            <a:spLocks noGrp="1"/>
+          </p:cNvSpPr>
+          <p:nvPr>
+            <p:ph type="body" sz="quarter" idx="11"/>
+          </p:nvPr>
+        </p:nvSpPr>
+        <p:spPr/>
+        <p:txBody>
+          <a:bodyPr>
+            <a:normAutofit/>
+          </a:bodyPr>
+          <a:lstStyle/>
+          <a:p>
             <a:endParaRPr lang="en-US"/>
           </a:p>
         </p:txBody>
@@ -2249,27 +2206,6 @@
       </p:sp>
       <p:sp>
         <p:nvSpPr>
-          <p:cNvPr id="3" name="Notes Placeholder 2"/>
-          <p:cNvSpPr>
-            <a:spLocks noGrp="1"/>
-          </p:cNvSpPr>
-          <p:nvPr>
-            <p:ph type="body" idx="1"/>
-          </p:nvPr>
-        </p:nvSpPr>
-        <p:spPr/>
-        <p:txBody>
-          <a:bodyPr>
-            <a:normAutofit/>
-          </a:bodyPr>
-          <a:lstStyle/>
-          <a:p>
-            <a:endParaRPr lang="en-US" dirty="0"/>
-          </a:p>
-        </p:txBody>
-      </p:sp>
-      <p:sp>
-        <p:nvSpPr>
           <p:cNvPr id="4" name="Slide Number Placeholder 3"/>
           <p:cNvSpPr>
             <a:spLocks noGrp="1"/>
@@ -2293,6 +2229,27 @@
               </a:pPr>
               <a:t>22</a:t>
             </a:fld>
+            <a:endParaRPr lang="en-US"/>
+          </a:p>
+        </p:txBody>
+      </p:sp>
+      <p:sp>
+        <p:nvSpPr>
+          <p:cNvPr id="5" name="Notes Placeholder 4"/>
+          <p:cNvSpPr>
+            <a:spLocks noGrp="1"/>
+          </p:cNvSpPr>
+          <p:nvPr>
+            <p:ph type="body" sz="quarter" idx="11"/>
+          </p:nvPr>
+        </p:nvSpPr>
+        <p:spPr/>
+        <p:txBody>
+          <a:bodyPr>
+            <a:normAutofit/>
+          </a:bodyPr>
+          <a:lstStyle/>
+          <a:p>
             <a:endParaRPr lang="en-US"/>
           </a:p>
         </p:txBody>
@@ -2448,7 +2405,7 @@
           </a:bodyPr>
           <a:lstStyle/>
           <a:p>
-            <a:endParaRPr lang="en-US"/>
+            <a:endParaRPr lang="en-US" dirty="0"/>
           </a:p>
         </p:txBody>
       </p:sp>
@@ -2540,7 +2497,7 @@
           </a:bodyPr>
           <a:lstStyle/>
           <a:p>
-            <a:endParaRPr lang="en-US" dirty="0"/>
+            <a:endParaRPr lang="en-US"/>
           </a:p>
         </p:txBody>
       </p:sp>
@@ -2600,9 +2557,9 @@
       </p:grpSpPr>
       <p:sp>
         <p:nvSpPr>
-          <p:cNvPr id="2" name="Slide Image Placeholder 1"/>
+          <p:cNvPr id="78850" name="Slide Image Placeholder 1"/>
           <p:cNvSpPr>
-            <a:spLocks noGrp="1" noRot="1" noChangeAspect="1"/>
+            <a:spLocks noGrp="1" noRot="1" noChangeAspect="1" noTextEdit="1"/>
           </p:cNvSpPr>
           <p:nvPr>
             <p:ph type="sldImg"/>
@@ -2613,16 +2570,47 @@
             <a:off x="1716088" y="692150"/>
             <a:ext cx="3597275" cy="2698750"/>
           </a:xfrm>
+          <a:ln/>
         </p:spPr>
       </p:sp>
       <p:sp>
         <p:nvSpPr>
-          <p:cNvPr id="3" name="Notes Placeholder 2"/>
+          <p:cNvPr id="78852" name="Slide Number Placeholder 3"/>
           <p:cNvSpPr>
             <a:spLocks noGrp="1"/>
           </p:cNvSpPr>
           <p:nvPr>
-            <p:ph type="body" idx="1"/>
+            <p:ph type="sldNum" sz="quarter" idx="5"/>
+          </p:nvPr>
+        </p:nvSpPr>
+        <p:spPr>
+          <a:noFill/>
+        </p:spPr>
+        <p:txBody>
+          <a:bodyPr/>
+          <a:lstStyle/>
+          <a:p>
+            <a:fld id="{0FB05862-F74B-4F63-AF5C-200BB0E5BFE3}" type="slidenum">
+              <a:rPr lang="en-US" smtClean="0">
+                <a:latin typeface="Arial" charset="0"/>
+              </a:rPr>
+              <a:pPr/>
+              <a:t>26</a:t>
+            </a:fld>
+            <a:endParaRPr lang="en-US" smtClean="0">
+              <a:latin typeface="Arial" charset="0"/>
+            </a:endParaRPr>
+          </a:p>
+        </p:txBody>
+      </p:sp>
+      <p:sp>
+        <p:nvSpPr>
+          <p:cNvPr id="5" name="Notes Placeholder 4"/>
+          <p:cNvSpPr>
+            <a:spLocks noGrp="1"/>
+          </p:cNvSpPr>
+          <p:nvPr>
+            <p:ph type="body" sz="quarter" idx="10"/>
           </p:nvPr>
         </p:nvSpPr>
         <p:spPr/>
@@ -2632,35 +2620,6 @@
           </a:bodyPr>
           <a:lstStyle/>
           <a:p>
-            <a:endParaRPr lang="en-US"/>
-          </a:p>
-        </p:txBody>
-      </p:sp>
-      <p:sp>
-        <p:nvSpPr>
-          <p:cNvPr id="4" name="Slide Number Placeholder 3"/>
-          <p:cNvSpPr>
-            <a:spLocks noGrp="1"/>
-          </p:cNvSpPr>
-          <p:nvPr>
-            <p:ph type="sldNum" sz="quarter" idx="10"/>
-          </p:nvPr>
-        </p:nvSpPr>
-        <p:spPr/>
-        <p:txBody>
-          <a:bodyPr/>
-          <a:lstStyle/>
-          <a:p>
-            <a:pPr>
-              <a:defRPr/>
-            </a:pPr>
-            <a:fld id="{7B1B51F3-3FA6-4804-B313-F9E964683EBB}" type="slidenum">
-              <a:rPr lang="en-US" smtClean="0"/>
-              <a:pPr>
-                <a:defRPr/>
-              </a:pPr>
-              <a:t>26</a:t>
-            </a:fld>
             <a:endParaRPr lang="en-US"/>
           </a:p>
         </p:txBody>
@@ -2692,9 +2651,9 @@
       </p:grpSpPr>
       <p:sp>
         <p:nvSpPr>
-          <p:cNvPr id="78850" name="Slide Image Placeholder 1"/>
+          <p:cNvPr id="2" name="Slide Image Placeholder 1"/>
           <p:cNvSpPr>
-            <a:spLocks noGrp="1" noRot="1" noChangeAspect="1" noTextEdit="1"/>
+            <a:spLocks noGrp="1" noRot="1" noChangeAspect="1"/>
           </p:cNvSpPr>
           <p:nvPr>
             <p:ph type="sldImg"/>
@@ -2705,12 +2664,11 @@
             <a:off x="1716088" y="692150"/>
             <a:ext cx="3597275" cy="2698750"/>
           </a:xfrm>
-          <a:ln/>
         </p:spPr>
       </p:sp>
       <p:sp>
         <p:nvSpPr>
-          <p:cNvPr id="78851" name="Notes Placeholder 2"/>
+          <p:cNvPr id="3" name="Notes Placeholder 2"/>
           <p:cNvSpPr>
             <a:spLocks noGrp="1"/>
           </p:cNvSpPr>
@@ -2718,50 +2676,43 @@
             <p:ph type="body" idx="1"/>
           </p:nvPr>
         </p:nvSpPr>
-        <p:spPr>
-          <a:noFill/>
-          <a:ln/>
-        </p:spPr>
-        <p:txBody>
-          <a:bodyPr/>
-          <a:lstStyle/>
-          <a:p>
-            <a:r>
-              <a:rPr lang="en-US" dirty="0" smtClean="0">
-                <a:latin typeface="Arial" charset="0"/>
-              </a:rPr>
-              <a:t>. </a:t>
-            </a:r>
-          </a:p>
-        </p:txBody>
-      </p:sp>
-      <p:sp>
-        <p:nvSpPr>
-          <p:cNvPr id="78852" name="Slide Number Placeholder 3"/>
+        <p:spPr/>
+        <p:txBody>
+          <a:bodyPr>
+            <a:normAutofit/>
+          </a:bodyPr>
+          <a:lstStyle/>
+          <a:p>
+            <a:endParaRPr lang="en-US" dirty="0"/>
+          </a:p>
+        </p:txBody>
+      </p:sp>
+      <p:sp>
+        <p:nvSpPr>
+          <p:cNvPr id="4" name="Slide Number Placeholder 3"/>
           <p:cNvSpPr>
             <a:spLocks noGrp="1"/>
           </p:cNvSpPr>
           <p:nvPr>
-            <p:ph type="sldNum" sz="quarter" idx="5"/>
+            <p:ph type="sldNum" sz="quarter" idx="10"/>
           </p:nvPr>
         </p:nvSpPr>
-        <p:spPr>
-          <a:noFill/>
-        </p:spPr>
+        <p:spPr/>
         <p:txBody>
           <a:bodyPr/>
           <a:lstStyle/>
           <a:p>
-            <a:fld id="{0FB05862-F74B-4F63-AF5C-200BB0E5BFE3}" type="slidenum">
-              <a:rPr lang="en-US" smtClean="0">
-                <a:latin typeface="Arial" charset="0"/>
-              </a:rPr>
-              <a:pPr/>
+            <a:pPr>
+              <a:defRPr/>
+            </a:pPr>
+            <a:fld id="{7B1B51F3-3FA6-4804-B313-F9E964683EBB}" type="slidenum">
+              <a:rPr lang="en-US" smtClean="0"/>
+              <a:pPr>
+                <a:defRPr/>
+              </a:pPr>
               <a:t>27</a:t>
             </a:fld>
-            <a:endParaRPr lang="en-US" smtClean="0">
-              <a:latin typeface="Arial" charset="0"/>
-            </a:endParaRPr>
+            <a:endParaRPr lang="en-US"/>
           </a:p>
         </p:txBody>
       </p:sp>
@@ -2901,27 +2852,6 @@
       </p:sp>
       <p:sp>
         <p:nvSpPr>
-          <p:cNvPr id="3" name="Notes Placeholder 2"/>
-          <p:cNvSpPr>
-            <a:spLocks noGrp="1"/>
-          </p:cNvSpPr>
-          <p:nvPr>
-            <p:ph type="body" idx="1"/>
-          </p:nvPr>
-        </p:nvSpPr>
-        <p:spPr/>
-        <p:txBody>
-          <a:bodyPr>
-            <a:normAutofit/>
-          </a:bodyPr>
-          <a:lstStyle/>
-          <a:p>
-            <a:endParaRPr lang="en-US" dirty="0"/>
-          </a:p>
-        </p:txBody>
-      </p:sp>
-      <p:sp>
-        <p:nvSpPr>
           <p:cNvPr id="4" name="Slide Number Placeholder 3"/>
           <p:cNvSpPr>
             <a:spLocks noGrp="1"/>
@@ -2945,6 +2875,27 @@
               </a:pPr>
               <a:t>29</a:t>
             </a:fld>
+            <a:endParaRPr lang="en-US"/>
+          </a:p>
+        </p:txBody>
+      </p:sp>
+      <p:sp>
+        <p:nvSpPr>
+          <p:cNvPr id="5" name="Notes Placeholder 4"/>
+          <p:cNvSpPr>
+            <a:spLocks noGrp="1"/>
+          </p:cNvSpPr>
+          <p:nvPr>
+            <p:ph type="body" sz="quarter" idx="11"/>
+          </p:nvPr>
+        </p:nvSpPr>
+        <p:spPr/>
+        <p:txBody>
+          <a:bodyPr>
+            <a:normAutofit/>
+          </a:bodyPr>
+          <a:lstStyle/>
+          <a:p>
             <a:endParaRPr lang="en-US"/>
           </a:p>
         </p:txBody>
@@ -2994,30 +2945,6 @@
       </p:sp>
       <p:sp>
         <p:nvSpPr>
-          <p:cNvPr id="69635" name="Notes Placeholder 2"/>
-          <p:cNvSpPr>
-            <a:spLocks noGrp="1"/>
-          </p:cNvSpPr>
-          <p:nvPr>
-            <p:ph type="body" idx="1"/>
-          </p:nvPr>
-        </p:nvSpPr>
-        <p:spPr>
-          <a:noFill/>
-          <a:ln/>
-        </p:spPr>
-        <p:txBody>
-          <a:bodyPr/>
-          <a:lstStyle/>
-          <a:p>
-            <a:endParaRPr lang="en-US" dirty="0" smtClean="0">
-              <a:latin typeface="Arial" charset="0"/>
-            </a:endParaRPr>
-          </a:p>
-        </p:txBody>
-      </p:sp>
-      <p:sp>
-        <p:nvSpPr>
           <p:cNvPr id="69636" name="Slide Number Placeholder 3"/>
           <p:cNvSpPr>
             <a:spLocks noGrp="1"/>
@@ -3043,6 +2970,27 @@
             <a:endParaRPr lang="en-US" smtClean="0">
               <a:latin typeface="Arial" charset="0"/>
             </a:endParaRPr>
+          </a:p>
+        </p:txBody>
+      </p:sp>
+      <p:sp>
+        <p:nvSpPr>
+          <p:cNvPr id="5" name="Notes Placeholder 4"/>
+          <p:cNvSpPr>
+            <a:spLocks noGrp="1"/>
+          </p:cNvSpPr>
+          <p:nvPr>
+            <p:ph type="body" sz="quarter" idx="10"/>
+          </p:nvPr>
+        </p:nvSpPr>
+        <p:spPr/>
+        <p:txBody>
+          <a:bodyPr>
+            <a:normAutofit/>
+          </a:bodyPr>
+          <a:lstStyle/>
+          <a:p>
+            <a:endParaRPr lang="en-US"/>
           </a:p>
         </p:txBody>
       </p:sp>
@@ -3105,7 +3053,7 @@
           </a:bodyPr>
           <a:lstStyle/>
           <a:p>
-            <a:endParaRPr lang="en-US" dirty="0"/>
+            <a:endParaRPr lang="en-US"/>
           </a:p>
         </p:txBody>
       </p:sp>
@@ -3165,9 +3113,9 @@
       </p:grpSpPr>
       <p:sp>
         <p:nvSpPr>
-          <p:cNvPr id="2" name="Slide Image Placeholder 1"/>
+          <p:cNvPr id="77826" name="Slide Image Placeholder 1"/>
           <p:cNvSpPr>
-            <a:spLocks noGrp="1" noRot="1" noChangeAspect="1"/>
+            <a:spLocks noGrp="1" noRot="1" noChangeAspect="1" noTextEdit="1"/>
           </p:cNvSpPr>
           <p:nvPr>
             <p:ph type="sldImg"/>
@@ -3178,16 +3126,47 @@
             <a:off x="1716088" y="692150"/>
             <a:ext cx="3597275" cy="2698750"/>
           </a:xfrm>
+          <a:ln/>
         </p:spPr>
       </p:sp>
       <p:sp>
         <p:nvSpPr>
-          <p:cNvPr id="3" name="Notes Placeholder 2"/>
+          <p:cNvPr id="77828" name="Slide Number Placeholder 3"/>
           <p:cNvSpPr>
             <a:spLocks noGrp="1"/>
           </p:cNvSpPr>
           <p:nvPr>
-            <p:ph type="body" idx="1"/>
+            <p:ph type="sldNum" sz="quarter" idx="5"/>
+          </p:nvPr>
+        </p:nvSpPr>
+        <p:spPr>
+          <a:noFill/>
+        </p:spPr>
+        <p:txBody>
+          <a:bodyPr/>
+          <a:lstStyle/>
+          <a:p>
+            <a:fld id="{8ABE215E-FB8B-4F31-BADC-2652312A45D6}" type="slidenum">
+              <a:rPr lang="en-US" smtClean="0">
+                <a:latin typeface="Arial" charset="0"/>
+              </a:rPr>
+              <a:pPr/>
+              <a:t>31</a:t>
+            </a:fld>
+            <a:endParaRPr lang="en-US" smtClean="0">
+              <a:latin typeface="Arial" charset="0"/>
+            </a:endParaRPr>
+          </a:p>
+        </p:txBody>
+      </p:sp>
+      <p:sp>
+        <p:nvSpPr>
+          <p:cNvPr id="5" name="Notes Placeholder 4"/>
+          <p:cNvSpPr>
+            <a:spLocks noGrp="1"/>
+          </p:cNvSpPr>
+          <p:nvPr>
+            <p:ph type="body" sz="quarter" idx="10"/>
           </p:nvPr>
         </p:nvSpPr>
         <p:spPr/>
@@ -3197,35 +3176,6 @@
           </a:bodyPr>
           <a:lstStyle/>
           <a:p>
-            <a:endParaRPr lang="en-US"/>
-          </a:p>
-        </p:txBody>
-      </p:sp>
-      <p:sp>
-        <p:nvSpPr>
-          <p:cNvPr id="4" name="Slide Number Placeholder 3"/>
-          <p:cNvSpPr>
-            <a:spLocks noGrp="1"/>
-          </p:cNvSpPr>
-          <p:nvPr>
-            <p:ph type="sldNum" sz="quarter" idx="10"/>
-          </p:nvPr>
-        </p:nvSpPr>
-        <p:spPr/>
-        <p:txBody>
-          <a:bodyPr/>
-          <a:lstStyle/>
-          <a:p>
-            <a:pPr>
-              <a:defRPr/>
-            </a:pPr>
-            <a:fld id="{7B1B51F3-3FA6-4804-B313-F9E964683EBB}" type="slidenum">
-              <a:rPr lang="en-US" smtClean="0"/>
-              <a:pPr>
-                <a:defRPr/>
-              </a:pPr>
-              <a:t>31</a:t>
-            </a:fld>
             <a:endParaRPr lang="en-US"/>
           </a:p>
         </p:txBody>
@@ -3257,9 +3207,9 @@
       </p:grpSpPr>
       <p:sp>
         <p:nvSpPr>
-          <p:cNvPr id="77826" name="Slide Image Placeholder 1"/>
+          <p:cNvPr id="2" name="Slide Image Placeholder 1"/>
           <p:cNvSpPr>
-            <a:spLocks noGrp="1" noRot="1" noChangeAspect="1" noTextEdit="1"/>
+            <a:spLocks noGrp="1" noRot="1" noChangeAspect="1"/>
           </p:cNvSpPr>
           <p:nvPr>
             <p:ph type="sldImg"/>
@@ -3270,63 +3220,55 @@
             <a:off x="1716088" y="692150"/>
             <a:ext cx="3597275" cy="2698750"/>
           </a:xfrm>
-          <a:ln/>
         </p:spPr>
       </p:sp>
       <p:sp>
         <p:nvSpPr>
-          <p:cNvPr id="77827" name="Notes Placeholder 2"/>
+          <p:cNvPr id="4" name="Slide Number Placeholder 3"/>
           <p:cNvSpPr>
             <a:spLocks noGrp="1"/>
           </p:cNvSpPr>
           <p:nvPr>
-            <p:ph type="body" idx="1"/>
+            <p:ph type="sldNum" sz="quarter" idx="10"/>
           </p:nvPr>
         </p:nvSpPr>
-        <p:spPr>
-          <a:noFill/>
-          <a:ln/>
-        </p:spPr>
+        <p:spPr/>
         <p:txBody>
           <a:bodyPr/>
           <a:lstStyle/>
           <a:p>
-            <a:endParaRPr lang="en-CA" dirty="0" smtClean="0"/>
-          </a:p>
-          <a:p>
-            <a:endParaRPr lang="en-US" dirty="0" smtClean="0">
-              <a:latin typeface="Arial" charset="0"/>
-            </a:endParaRPr>
-          </a:p>
-        </p:txBody>
-      </p:sp>
-      <p:sp>
-        <p:nvSpPr>
-          <p:cNvPr id="77828" name="Slide Number Placeholder 3"/>
+            <a:pPr>
+              <a:defRPr/>
+            </a:pPr>
+            <a:fld id="{7B1B51F3-3FA6-4804-B313-F9E964683EBB}" type="slidenum">
+              <a:rPr lang="en-US" smtClean="0"/>
+              <a:pPr>
+                <a:defRPr/>
+              </a:pPr>
+              <a:t>32</a:t>
+            </a:fld>
+            <a:endParaRPr lang="en-US"/>
+          </a:p>
+        </p:txBody>
+      </p:sp>
+      <p:sp>
+        <p:nvSpPr>
+          <p:cNvPr id="5" name="Notes Placeholder 4"/>
           <p:cNvSpPr>
             <a:spLocks noGrp="1"/>
           </p:cNvSpPr>
           <p:nvPr>
-            <p:ph type="sldNum" sz="quarter" idx="5"/>
+            <p:ph type="body" sz="quarter" idx="11"/>
           </p:nvPr>
         </p:nvSpPr>
-        <p:spPr>
-          <a:noFill/>
-        </p:spPr>
-        <p:txBody>
-          <a:bodyPr/>
-          <a:lstStyle/>
-          <a:p>
-            <a:fld id="{8ABE215E-FB8B-4F31-BADC-2652312A45D6}" type="slidenum">
-              <a:rPr lang="en-US" smtClean="0">
-                <a:latin typeface="Arial" charset="0"/>
-              </a:rPr>
-              <a:pPr/>
-              <a:t>32</a:t>
-            </a:fld>
-            <a:endParaRPr lang="en-US" smtClean="0">
-              <a:latin typeface="Arial" charset="0"/>
-            </a:endParaRPr>
+        <p:spPr/>
+        <p:txBody>
+          <a:bodyPr>
+            <a:normAutofit/>
+          </a:bodyPr>
+          <a:lstStyle/>
+          <a:p>
+            <a:endParaRPr lang="en-US"/>
           </a:p>
         </p:txBody>
       </p:sp>
@@ -3374,27 +3316,6 @@
       </p:sp>
       <p:sp>
         <p:nvSpPr>
-          <p:cNvPr id="3" name="Notes Placeholder 2"/>
-          <p:cNvSpPr>
-            <a:spLocks noGrp="1"/>
-          </p:cNvSpPr>
-          <p:nvPr>
-            <p:ph type="body" idx="1"/>
-          </p:nvPr>
-        </p:nvSpPr>
-        <p:spPr/>
-        <p:txBody>
-          <a:bodyPr>
-            <a:normAutofit/>
-          </a:bodyPr>
-          <a:lstStyle/>
-          <a:p>
-            <a:endParaRPr lang="en-US" dirty="0"/>
-          </a:p>
-        </p:txBody>
-      </p:sp>
-      <p:sp>
-        <p:nvSpPr>
           <p:cNvPr id="4" name="Slide Number Placeholder 3"/>
           <p:cNvSpPr>
             <a:spLocks noGrp="1"/>
@@ -3418,6 +3339,27 @@
               </a:pPr>
               <a:t>33</a:t>
             </a:fld>
+            <a:endParaRPr lang="en-US"/>
+          </a:p>
+        </p:txBody>
+      </p:sp>
+      <p:sp>
+        <p:nvSpPr>
+          <p:cNvPr id="5" name="Notes Placeholder 4"/>
+          <p:cNvSpPr>
+            <a:spLocks noGrp="1"/>
+          </p:cNvSpPr>
+          <p:nvPr>
+            <p:ph type="body" sz="quarter" idx="11"/>
+          </p:nvPr>
+        </p:nvSpPr>
+        <p:spPr/>
+        <p:txBody>
+          <a:bodyPr>
+            <a:normAutofit/>
+          </a:bodyPr>
+          <a:lstStyle/>
+          <a:p>
             <a:endParaRPr lang="en-US"/>
           </a:p>
         </p:txBody>
@@ -3558,27 +3500,6 @@
       </p:sp>
       <p:sp>
         <p:nvSpPr>
-          <p:cNvPr id="3" name="Notes Placeholder 2"/>
-          <p:cNvSpPr>
-            <a:spLocks noGrp="1"/>
-          </p:cNvSpPr>
-          <p:nvPr>
-            <p:ph type="body" idx="1"/>
-          </p:nvPr>
-        </p:nvSpPr>
-        <p:spPr/>
-        <p:txBody>
-          <a:bodyPr>
-            <a:normAutofit/>
-          </a:bodyPr>
-          <a:lstStyle/>
-          <a:p>
-            <a:endParaRPr lang="en-US" dirty="0"/>
-          </a:p>
-        </p:txBody>
-      </p:sp>
-      <p:sp>
-        <p:nvSpPr>
           <p:cNvPr id="4" name="Slide Number Placeholder 3"/>
           <p:cNvSpPr>
             <a:spLocks noGrp="1"/>
@@ -3602,6 +3523,27 @@
               </a:pPr>
               <a:t>35</a:t>
             </a:fld>
+            <a:endParaRPr lang="en-US"/>
+          </a:p>
+        </p:txBody>
+      </p:sp>
+      <p:sp>
+        <p:nvSpPr>
+          <p:cNvPr id="5" name="Notes Placeholder 4"/>
+          <p:cNvSpPr>
+            <a:spLocks noGrp="1"/>
+          </p:cNvSpPr>
+          <p:nvPr>
+            <p:ph type="body" sz="quarter" idx="11"/>
+          </p:nvPr>
+        </p:nvSpPr>
+        <p:spPr/>
+        <p:txBody>
+          <a:bodyPr>
+            <a:normAutofit/>
+          </a:bodyPr>
+          <a:lstStyle/>
+          <a:p>
             <a:endParaRPr lang="en-US"/>
           </a:p>
         </p:txBody>
@@ -3650,27 +3592,6 @@
       </p:sp>
       <p:sp>
         <p:nvSpPr>
-          <p:cNvPr id="3" name="Notes Placeholder 2"/>
-          <p:cNvSpPr>
-            <a:spLocks noGrp="1"/>
-          </p:cNvSpPr>
-          <p:nvPr>
-            <p:ph type="body" idx="1"/>
-          </p:nvPr>
-        </p:nvSpPr>
-        <p:spPr/>
-        <p:txBody>
-          <a:bodyPr>
-            <a:normAutofit/>
-          </a:bodyPr>
-          <a:lstStyle/>
-          <a:p>
-            <a:endParaRPr lang="en-CA" dirty="0" smtClean="0"/>
-          </a:p>
-        </p:txBody>
-      </p:sp>
-      <p:sp>
-        <p:nvSpPr>
           <p:cNvPr id="4" name="Slide Number Placeholder 3"/>
           <p:cNvSpPr>
             <a:spLocks noGrp="1"/>
@@ -3694,6 +3615,27 @@
               </a:pPr>
               <a:t>36</a:t>
             </a:fld>
+            <a:endParaRPr lang="en-US"/>
+          </a:p>
+        </p:txBody>
+      </p:sp>
+      <p:sp>
+        <p:nvSpPr>
+          <p:cNvPr id="5" name="Notes Placeholder 4"/>
+          <p:cNvSpPr>
+            <a:spLocks noGrp="1"/>
+          </p:cNvSpPr>
+          <p:nvPr>
+            <p:ph type="body" sz="quarter" idx="11"/>
+          </p:nvPr>
+        </p:nvSpPr>
+        <p:spPr/>
+        <p:txBody>
+          <a:bodyPr>
+            <a:normAutofit/>
+          </a:bodyPr>
+          <a:lstStyle/>
+          <a:p>
             <a:endParaRPr lang="en-US"/>
           </a:p>
         </p:txBody>
@@ -3757,7 +3699,7 @@
           </a:bodyPr>
           <a:lstStyle/>
           <a:p>
-            <a:endParaRPr lang="en-US" baseline="0" dirty="0" smtClean="0"/>
+            <a:endParaRPr lang="en-US" dirty="0"/>
           </a:p>
         </p:txBody>
       </p:sp>
@@ -3834,27 +3776,6 @@
       </p:sp>
       <p:sp>
         <p:nvSpPr>
-          <p:cNvPr id="3" name="Notes Placeholder 2"/>
-          <p:cNvSpPr>
-            <a:spLocks noGrp="1"/>
-          </p:cNvSpPr>
-          <p:nvPr>
-            <p:ph type="body" idx="1"/>
-          </p:nvPr>
-        </p:nvSpPr>
-        <p:spPr/>
-        <p:txBody>
-          <a:bodyPr>
-            <a:normAutofit/>
-          </a:bodyPr>
-          <a:lstStyle/>
-          <a:p>
-            <a:endParaRPr lang="en-US"/>
-          </a:p>
-        </p:txBody>
-      </p:sp>
-      <p:sp>
-        <p:nvSpPr>
           <p:cNvPr id="4" name="Slide Number Placeholder 3"/>
           <p:cNvSpPr>
             <a:spLocks noGrp="1"/>
@@ -3878,6 +3799,27 @@
               </a:pPr>
               <a:t>38</a:t>
             </a:fld>
+            <a:endParaRPr lang="en-US"/>
+          </a:p>
+        </p:txBody>
+      </p:sp>
+      <p:sp>
+        <p:nvSpPr>
+          <p:cNvPr id="5" name="Notes Placeholder 4"/>
+          <p:cNvSpPr>
+            <a:spLocks noGrp="1"/>
+          </p:cNvSpPr>
+          <p:nvPr>
+            <p:ph type="body" sz="quarter" idx="11"/>
+          </p:nvPr>
+        </p:nvSpPr>
+        <p:spPr/>
+        <p:txBody>
+          <a:bodyPr>
+            <a:normAutofit/>
+          </a:bodyPr>
+          <a:lstStyle/>
+          <a:p>
             <a:endParaRPr lang="en-US"/>
           </a:p>
         </p:txBody>
@@ -3926,27 +3868,6 @@
       </p:sp>
       <p:sp>
         <p:nvSpPr>
-          <p:cNvPr id="3" name="Notes Placeholder 2"/>
-          <p:cNvSpPr>
-            <a:spLocks noGrp="1"/>
-          </p:cNvSpPr>
-          <p:nvPr>
-            <p:ph type="body" idx="1"/>
-          </p:nvPr>
-        </p:nvSpPr>
-        <p:spPr/>
-        <p:txBody>
-          <a:bodyPr>
-            <a:normAutofit/>
-          </a:bodyPr>
-          <a:lstStyle/>
-          <a:p>
-            <a:endParaRPr lang="en-US" dirty="0"/>
-          </a:p>
-        </p:txBody>
-      </p:sp>
-      <p:sp>
-        <p:nvSpPr>
           <p:cNvPr id="4" name="Slide Number Placeholder 3"/>
           <p:cNvSpPr>
             <a:spLocks noGrp="1"/>
@@ -3970,6 +3891,27 @@
               </a:pPr>
               <a:t>39</a:t>
             </a:fld>
+            <a:endParaRPr lang="en-US"/>
+          </a:p>
+        </p:txBody>
+      </p:sp>
+      <p:sp>
+        <p:nvSpPr>
+          <p:cNvPr id="5" name="Notes Placeholder 4"/>
+          <p:cNvSpPr>
+            <a:spLocks noGrp="1"/>
+          </p:cNvSpPr>
+          <p:nvPr>
+            <p:ph type="body" sz="quarter" idx="11"/>
+          </p:nvPr>
+        </p:nvSpPr>
+        <p:spPr/>
+        <p:txBody>
+          <a:bodyPr>
+            <a:normAutofit/>
+          </a:bodyPr>
+          <a:lstStyle/>
+          <a:p>
             <a:endParaRPr lang="en-US"/>
           </a:p>
         </p:txBody>
@@ -4019,44 +3961,6 @@
       </p:sp>
       <p:sp>
         <p:nvSpPr>
-          <p:cNvPr id="70659" name="Notes Placeholder 2"/>
-          <p:cNvSpPr>
-            <a:spLocks noGrp="1"/>
-          </p:cNvSpPr>
-          <p:nvPr>
-            <p:ph type="body" idx="1"/>
-          </p:nvPr>
-        </p:nvSpPr>
-        <p:spPr>
-          <a:noFill/>
-          <a:ln/>
-        </p:spPr>
-        <p:txBody>
-          <a:bodyPr/>
-          <a:lstStyle/>
-          <a:p>
-            <a:pPr marL="228600" indent="-228600">
-              <a:buNone/>
-            </a:pPr>
-            <a:endParaRPr lang="en-US" baseline="0" dirty="0" smtClean="0"/>
-          </a:p>
-          <a:p>
-            <a:pPr marL="228600" indent="-228600">
-              <a:buNone/>
-            </a:pPr>
-            <a:endParaRPr lang="en-US" dirty="0" smtClean="0">
-              <a:latin typeface="Arial" charset="0"/>
-            </a:endParaRPr>
-          </a:p>
-          <a:p>
-            <a:endParaRPr lang="en-US" dirty="0" smtClean="0">
-              <a:latin typeface="Arial" charset="0"/>
-            </a:endParaRPr>
-          </a:p>
-        </p:txBody>
-      </p:sp>
-      <p:sp>
-        <p:nvSpPr>
           <p:cNvPr id="70660" name="Slide Number Placeholder 3"/>
           <p:cNvSpPr>
             <a:spLocks noGrp="1"/>
@@ -4082,6 +3986,27 @@
             <a:endParaRPr lang="en-US" smtClean="0">
               <a:latin typeface="Arial" charset="0"/>
             </a:endParaRPr>
+          </a:p>
+        </p:txBody>
+      </p:sp>
+      <p:sp>
+        <p:nvSpPr>
+          <p:cNvPr id="5" name="Notes Placeholder 4"/>
+          <p:cNvSpPr>
+            <a:spLocks noGrp="1"/>
+          </p:cNvSpPr>
+          <p:nvPr>
+            <p:ph type="body" sz="quarter" idx="10"/>
+          </p:nvPr>
+        </p:nvSpPr>
+        <p:spPr/>
+        <p:txBody>
+          <a:bodyPr>
+            <a:normAutofit/>
+          </a:bodyPr>
+          <a:lstStyle/>
+          <a:p>
+            <a:endParaRPr lang="en-US"/>
           </a:p>
         </p:txBody>
       </p:sp>
@@ -4129,27 +4054,6 @@
       </p:sp>
       <p:sp>
         <p:nvSpPr>
-          <p:cNvPr id="3" name="Notes Placeholder 2"/>
-          <p:cNvSpPr>
-            <a:spLocks noGrp="1"/>
-          </p:cNvSpPr>
-          <p:nvPr>
-            <p:ph type="body" idx="1"/>
-          </p:nvPr>
-        </p:nvSpPr>
-        <p:spPr/>
-        <p:txBody>
-          <a:bodyPr>
-            <a:normAutofit/>
-          </a:bodyPr>
-          <a:lstStyle/>
-          <a:p>
-            <a:endParaRPr lang="en-US" dirty="0"/>
-          </a:p>
-        </p:txBody>
-      </p:sp>
-      <p:sp>
-        <p:nvSpPr>
           <p:cNvPr id="4" name="Slide Number Placeholder 3"/>
           <p:cNvSpPr>
             <a:spLocks noGrp="1"/>
@@ -4173,6 +4077,27 @@
               </a:pPr>
               <a:t>40</a:t>
             </a:fld>
+            <a:endParaRPr lang="en-US"/>
+          </a:p>
+        </p:txBody>
+      </p:sp>
+      <p:sp>
+        <p:nvSpPr>
+          <p:cNvPr id="5" name="Notes Placeholder 4"/>
+          <p:cNvSpPr>
+            <a:spLocks noGrp="1"/>
+          </p:cNvSpPr>
+          <p:nvPr>
+            <p:ph type="body" sz="quarter" idx="11"/>
+          </p:nvPr>
+        </p:nvSpPr>
+        <p:spPr/>
+        <p:txBody>
+          <a:bodyPr>
+            <a:normAutofit/>
+          </a:bodyPr>
+          <a:lstStyle/>
+          <a:p>
             <a:endParaRPr lang="en-US"/>
           </a:p>
         </p:txBody>
@@ -4204,9 +4129,9 @@
       </p:grpSpPr>
       <p:sp>
         <p:nvSpPr>
-          <p:cNvPr id="2" name="Slide Image Placeholder 1"/>
+          <p:cNvPr id="80898" name="Slide Image Placeholder 1"/>
           <p:cNvSpPr>
-            <a:spLocks noGrp="1" noRot="1" noChangeAspect="1"/>
+            <a:spLocks noGrp="1" noRot="1" noChangeAspect="1" noTextEdit="1"/>
           </p:cNvSpPr>
           <p:nvPr>
             <p:ph type="sldImg"/>
@@ -4217,16 +4142,47 @@
             <a:off x="1716088" y="692150"/>
             <a:ext cx="3597275" cy="2698750"/>
           </a:xfrm>
+          <a:ln/>
         </p:spPr>
       </p:sp>
       <p:sp>
         <p:nvSpPr>
-          <p:cNvPr id="3" name="Notes Placeholder 2"/>
+          <p:cNvPr id="80900" name="Slide Number Placeholder 3"/>
           <p:cNvSpPr>
             <a:spLocks noGrp="1"/>
           </p:cNvSpPr>
           <p:nvPr>
-            <p:ph type="body" idx="1"/>
+            <p:ph type="sldNum" sz="quarter" idx="5"/>
+          </p:nvPr>
+        </p:nvSpPr>
+        <p:spPr>
+          <a:noFill/>
+        </p:spPr>
+        <p:txBody>
+          <a:bodyPr/>
+          <a:lstStyle/>
+          <a:p>
+            <a:fld id="{AF7A5070-D9C9-41B7-B2DB-4B597D03DA63}" type="slidenum">
+              <a:rPr lang="en-US" smtClean="0">
+                <a:latin typeface="Arial" charset="0"/>
+              </a:rPr>
+              <a:pPr/>
+              <a:t>41</a:t>
+            </a:fld>
+            <a:endParaRPr lang="en-US" smtClean="0">
+              <a:latin typeface="Arial" charset="0"/>
+            </a:endParaRPr>
+          </a:p>
+        </p:txBody>
+      </p:sp>
+      <p:sp>
+        <p:nvSpPr>
+          <p:cNvPr id="5" name="Notes Placeholder 4"/>
+          <p:cNvSpPr>
+            <a:spLocks noGrp="1"/>
+          </p:cNvSpPr>
+          <p:nvPr>
+            <p:ph type="body" sz="quarter" idx="10"/>
           </p:nvPr>
         </p:nvSpPr>
         <p:spPr/>
@@ -4236,35 +4192,6 @@
           </a:bodyPr>
           <a:lstStyle/>
           <a:p>
-            <a:endParaRPr lang="en-US"/>
-          </a:p>
-        </p:txBody>
-      </p:sp>
-      <p:sp>
-        <p:nvSpPr>
-          <p:cNvPr id="4" name="Slide Number Placeholder 3"/>
-          <p:cNvSpPr>
-            <a:spLocks noGrp="1"/>
-          </p:cNvSpPr>
-          <p:nvPr>
-            <p:ph type="sldNum" sz="quarter" idx="10"/>
-          </p:nvPr>
-        </p:nvSpPr>
-        <p:spPr/>
-        <p:txBody>
-          <a:bodyPr/>
-          <a:lstStyle/>
-          <a:p>
-            <a:pPr>
-              <a:defRPr/>
-            </a:pPr>
-            <a:fld id="{7B1B51F3-3FA6-4804-B313-F9E964683EBB}" type="slidenum">
-              <a:rPr lang="en-US" smtClean="0"/>
-              <a:pPr>
-                <a:defRPr/>
-              </a:pPr>
-              <a:t>41</a:t>
-            </a:fld>
             <a:endParaRPr lang="en-US"/>
           </a:p>
         </p:txBody>
@@ -4296,9 +4223,9 @@
       </p:grpSpPr>
       <p:sp>
         <p:nvSpPr>
-          <p:cNvPr id="80898" name="Slide Image Placeholder 1"/>
+          <p:cNvPr id="2" name="Slide Image Placeholder 1"/>
           <p:cNvSpPr>
-            <a:spLocks noGrp="1" noRot="1" noChangeAspect="1" noTextEdit="1"/>
+            <a:spLocks noGrp="1" noRot="1" noChangeAspect="1"/>
           </p:cNvSpPr>
           <p:nvPr>
             <p:ph type="sldImg"/>
@@ -4309,60 +4236,55 @@
             <a:off x="1716088" y="692150"/>
             <a:ext cx="3597275" cy="2698750"/>
           </a:xfrm>
-          <a:ln/>
         </p:spPr>
       </p:sp>
       <p:sp>
         <p:nvSpPr>
-          <p:cNvPr id="80899" name="Notes Placeholder 2"/>
+          <p:cNvPr id="4" name="Slide Number Placeholder 3"/>
           <p:cNvSpPr>
             <a:spLocks noGrp="1"/>
           </p:cNvSpPr>
           <p:nvPr>
-            <p:ph type="body" idx="1"/>
+            <p:ph type="sldNum" sz="quarter" idx="10"/>
           </p:nvPr>
         </p:nvSpPr>
-        <p:spPr>
-          <a:noFill/>
-          <a:ln/>
-        </p:spPr>
+        <p:spPr/>
         <p:txBody>
           <a:bodyPr/>
           <a:lstStyle/>
           <a:p>
-            <a:endParaRPr lang="en-US" smtClean="0">
-              <a:latin typeface="Arial" charset="0"/>
-            </a:endParaRPr>
-          </a:p>
-        </p:txBody>
-      </p:sp>
-      <p:sp>
-        <p:nvSpPr>
-          <p:cNvPr id="80900" name="Slide Number Placeholder 3"/>
+            <a:pPr>
+              <a:defRPr/>
+            </a:pPr>
+            <a:fld id="{7B1B51F3-3FA6-4804-B313-F9E964683EBB}" type="slidenum">
+              <a:rPr lang="en-US" smtClean="0"/>
+              <a:pPr>
+                <a:defRPr/>
+              </a:pPr>
+              <a:t>42</a:t>
+            </a:fld>
+            <a:endParaRPr lang="en-US"/>
+          </a:p>
+        </p:txBody>
+      </p:sp>
+      <p:sp>
+        <p:nvSpPr>
+          <p:cNvPr id="5" name="Notes Placeholder 4"/>
           <p:cNvSpPr>
             <a:spLocks noGrp="1"/>
           </p:cNvSpPr>
           <p:nvPr>
-            <p:ph type="sldNum" sz="quarter" idx="5"/>
+            <p:ph type="body" sz="quarter" idx="11"/>
           </p:nvPr>
         </p:nvSpPr>
-        <p:spPr>
-          <a:noFill/>
-        </p:spPr>
-        <p:txBody>
-          <a:bodyPr/>
-          <a:lstStyle/>
-          <a:p>
-            <a:fld id="{AF7A5070-D9C9-41B7-B2DB-4B597D03DA63}" type="slidenum">
-              <a:rPr lang="en-US" smtClean="0">
-                <a:latin typeface="Arial" charset="0"/>
-              </a:rPr>
-              <a:pPr/>
-              <a:t>42</a:t>
-            </a:fld>
-            <a:endParaRPr lang="en-US" smtClean="0">
-              <a:latin typeface="Arial" charset="0"/>
-            </a:endParaRPr>
+        <p:spPr/>
+        <p:txBody>
+          <a:bodyPr>
+            <a:normAutofit/>
+          </a:bodyPr>
+          <a:lstStyle/>
+          <a:p>
+            <a:endParaRPr lang="en-US"/>
           </a:p>
         </p:txBody>
       </p:sp>
@@ -4393,9 +4315,9 @@
       </p:grpSpPr>
       <p:sp>
         <p:nvSpPr>
-          <p:cNvPr id="2" name="Slide Image Placeholder 1"/>
+          <p:cNvPr id="81922" name="Slide Image Placeholder 1"/>
           <p:cNvSpPr>
-            <a:spLocks noGrp="1" noRot="1" noChangeAspect="1"/>
+            <a:spLocks noGrp="1" noRot="1" noChangeAspect="1" noTextEdit="1"/>
           </p:cNvSpPr>
           <p:nvPr>
             <p:ph type="sldImg"/>
@@ -4406,11 +4328,12 @@
             <a:off x="1716088" y="692150"/>
             <a:ext cx="3597275" cy="2698750"/>
           </a:xfrm>
+          <a:ln/>
         </p:spPr>
       </p:sp>
       <p:sp>
         <p:nvSpPr>
-          <p:cNvPr id="3" name="Notes Placeholder 2"/>
+          <p:cNvPr id="81923" name="Notes Placeholder 2"/>
           <p:cNvSpPr>
             <a:spLocks noGrp="1"/>
           </p:cNvSpPr>
@@ -4418,43 +4341,47 @@
             <p:ph type="body" idx="1"/>
           </p:nvPr>
         </p:nvSpPr>
-        <p:spPr/>
-        <p:txBody>
-          <a:bodyPr>
-            <a:normAutofit/>
-          </a:bodyPr>
-          <a:lstStyle/>
-          <a:p>
-            <a:endParaRPr lang="en-US" dirty="0"/>
-          </a:p>
-        </p:txBody>
-      </p:sp>
-      <p:sp>
-        <p:nvSpPr>
-          <p:cNvPr id="4" name="Slide Number Placeholder 3"/>
+        <p:spPr>
+          <a:noFill/>
+          <a:ln/>
+        </p:spPr>
+        <p:txBody>
+          <a:bodyPr/>
+          <a:lstStyle/>
+          <a:p>
+            <a:endParaRPr lang="en-US" dirty="0" smtClean="0">
+              <a:latin typeface="Arial" charset="0"/>
+            </a:endParaRPr>
+          </a:p>
+        </p:txBody>
+      </p:sp>
+      <p:sp>
+        <p:nvSpPr>
+          <p:cNvPr id="81924" name="Slide Number Placeholder 3"/>
           <p:cNvSpPr>
             <a:spLocks noGrp="1"/>
           </p:cNvSpPr>
           <p:nvPr>
-            <p:ph type="sldNum" sz="quarter" idx="10"/>
+            <p:ph type="sldNum" sz="quarter" idx="5"/>
           </p:nvPr>
         </p:nvSpPr>
-        <p:spPr/>
+        <p:spPr>
+          <a:noFill/>
+        </p:spPr>
         <p:txBody>
           <a:bodyPr/>
           <a:lstStyle/>
           <a:p>
-            <a:pPr>
-              <a:defRPr/>
-            </a:pPr>
-            <a:fld id="{7B1B51F3-3FA6-4804-B313-F9E964683EBB}" type="slidenum">
-              <a:rPr lang="en-US" smtClean="0"/>
-              <a:pPr>
-                <a:defRPr/>
-              </a:pPr>
+            <a:fld id="{145F46EF-FC41-433C-9B8E-251FD461C7D9}" type="slidenum">
+              <a:rPr lang="en-US" smtClean="0">
+                <a:latin typeface="Arial" charset="0"/>
+              </a:rPr>
+              <a:pPr/>
               <a:t>43</a:t>
             </a:fld>
-            <a:endParaRPr lang="en-US"/>
+            <a:endParaRPr lang="en-US" smtClean="0">
+              <a:latin typeface="Arial" charset="0"/>
+            </a:endParaRPr>
           </a:p>
         </p:txBody>
       </p:sp>
@@ -4485,9 +4412,9 @@
       </p:grpSpPr>
       <p:sp>
         <p:nvSpPr>
-          <p:cNvPr id="81922" name="Slide Image Placeholder 1"/>
+          <p:cNvPr id="2" name="Slide Image Placeholder 1"/>
           <p:cNvSpPr>
-            <a:spLocks noGrp="1" noRot="1" noChangeAspect="1" noTextEdit="1"/>
+            <a:spLocks noGrp="1" noRot="1" noChangeAspect="1"/>
           </p:cNvSpPr>
           <p:nvPr>
             <p:ph type="sldImg"/>
@@ -4498,60 +4425,55 @@
             <a:off x="1716088" y="692150"/>
             <a:ext cx="3597275" cy="2698750"/>
           </a:xfrm>
-          <a:ln/>
         </p:spPr>
       </p:sp>
       <p:sp>
         <p:nvSpPr>
-          <p:cNvPr id="81923" name="Notes Placeholder 2"/>
+          <p:cNvPr id="4" name="Slide Number Placeholder 3"/>
           <p:cNvSpPr>
             <a:spLocks noGrp="1"/>
           </p:cNvSpPr>
           <p:nvPr>
-            <p:ph type="body" idx="1"/>
+            <p:ph type="sldNum" sz="quarter" idx="10"/>
           </p:nvPr>
         </p:nvSpPr>
-        <p:spPr>
-          <a:noFill/>
-          <a:ln/>
-        </p:spPr>
+        <p:spPr/>
         <p:txBody>
           <a:bodyPr/>
           <a:lstStyle/>
           <a:p>
-            <a:endParaRPr lang="en-US" dirty="0" smtClean="0">
-              <a:latin typeface="Arial" charset="0"/>
-            </a:endParaRPr>
-          </a:p>
-        </p:txBody>
-      </p:sp>
-      <p:sp>
-        <p:nvSpPr>
-          <p:cNvPr id="81924" name="Slide Number Placeholder 3"/>
+            <a:pPr>
+              <a:defRPr/>
+            </a:pPr>
+            <a:fld id="{7B1B51F3-3FA6-4804-B313-F9E964683EBB}" type="slidenum">
+              <a:rPr lang="en-US" smtClean="0"/>
+              <a:pPr>
+                <a:defRPr/>
+              </a:pPr>
+              <a:t>44</a:t>
+            </a:fld>
+            <a:endParaRPr lang="en-US"/>
+          </a:p>
+        </p:txBody>
+      </p:sp>
+      <p:sp>
+        <p:nvSpPr>
+          <p:cNvPr id="5" name="Notes Placeholder 4"/>
           <p:cNvSpPr>
             <a:spLocks noGrp="1"/>
           </p:cNvSpPr>
           <p:nvPr>
-            <p:ph type="sldNum" sz="quarter" idx="5"/>
+            <p:ph type="body" sz="quarter" idx="11"/>
           </p:nvPr>
         </p:nvSpPr>
-        <p:spPr>
-          <a:noFill/>
-        </p:spPr>
-        <p:txBody>
-          <a:bodyPr/>
-          <a:lstStyle/>
-          <a:p>
-            <a:fld id="{145F46EF-FC41-433C-9B8E-251FD461C7D9}" type="slidenum">
-              <a:rPr lang="en-US" smtClean="0">
-                <a:latin typeface="Arial" charset="0"/>
-              </a:rPr>
-              <a:pPr/>
-              <a:t>44</a:t>
-            </a:fld>
-            <a:endParaRPr lang="en-US" smtClean="0">
-              <a:latin typeface="Arial" charset="0"/>
-            </a:endParaRPr>
+        <p:spPr/>
+        <p:txBody>
+          <a:bodyPr>
+            <a:normAutofit/>
+          </a:bodyPr>
+          <a:lstStyle/>
+          <a:p>
+            <a:endParaRPr lang="en-US"/>
           </a:p>
         </p:txBody>
       </p:sp>
@@ -4614,7 +4536,7 @@
           </a:bodyPr>
           <a:lstStyle/>
           <a:p>
-            <a:endParaRPr lang="en-US" dirty="0"/>
+            <a:endParaRPr lang="en-US"/>
           </a:p>
         </p:txBody>
       </p:sp>
@@ -4691,27 +4613,6 @@
       </p:sp>
       <p:sp>
         <p:nvSpPr>
-          <p:cNvPr id="3" name="Notes Placeholder 2"/>
-          <p:cNvSpPr>
-            <a:spLocks noGrp="1"/>
-          </p:cNvSpPr>
-          <p:nvPr>
-            <p:ph type="body" idx="1"/>
-          </p:nvPr>
-        </p:nvSpPr>
-        <p:spPr/>
-        <p:txBody>
-          <a:bodyPr>
-            <a:normAutofit/>
-          </a:bodyPr>
-          <a:lstStyle/>
-          <a:p>
-            <a:endParaRPr lang="en-US"/>
-          </a:p>
-        </p:txBody>
-      </p:sp>
-      <p:sp>
-        <p:nvSpPr>
           <p:cNvPr id="4" name="Slide Number Placeholder 3"/>
           <p:cNvSpPr>
             <a:spLocks noGrp="1"/>
@@ -4735,6 +4636,27 @@
               </a:pPr>
               <a:t>46</a:t>
             </a:fld>
+            <a:endParaRPr lang="en-US"/>
+          </a:p>
+        </p:txBody>
+      </p:sp>
+      <p:sp>
+        <p:nvSpPr>
+          <p:cNvPr id="5" name="Notes Placeholder 4"/>
+          <p:cNvSpPr>
+            <a:spLocks noGrp="1"/>
+          </p:cNvSpPr>
+          <p:nvPr>
+            <p:ph type="body" sz="quarter" idx="11"/>
+          </p:nvPr>
+        </p:nvSpPr>
+        <p:spPr/>
+        <p:txBody>
+          <a:bodyPr>
+            <a:normAutofit/>
+          </a:bodyPr>
+          <a:lstStyle/>
+          <a:p>
             <a:endParaRPr lang="en-US"/>
           </a:p>
         </p:txBody>
@@ -4766,9 +4688,9 @@
       </p:grpSpPr>
       <p:sp>
         <p:nvSpPr>
-          <p:cNvPr id="2" name="Slide Image Placeholder 1"/>
+          <p:cNvPr id="82946" name="Slide Image Placeholder 1"/>
           <p:cNvSpPr>
-            <a:spLocks noGrp="1" noRot="1" noChangeAspect="1"/>
+            <a:spLocks noGrp="1" noRot="1" noChangeAspect="1" noTextEdit="1"/>
           </p:cNvSpPr>
           <p:nvPr>
             <p:ph type="sldImg"/>
@@ -4779,16 +4701,47 @@
             <a:off x="1716088" y="692150"/>
             <a:ext cx="3597275" cy="2698750"/>
           </a:xfrm>
+          <a:ln/>
         </p:spPr>
       </p:sp>
       <p:sp>
         <p:nvSpPr>
-          <p:cNvPr id="3" name="Notes Placeholder 2"/>
+          <p:cNvPr id="82948" name="Slide Number Placeholder 3"/>
           <p:cNvSpPr>
             <a:spLocks noGrp="1"/>
           </p:cNvSpPr>
           <p:nvPr>
-            <p:ph type="body" idx="1"/>
+            <p:ph type="sldNum" sz="quarter" idx="5"/>
+          </p:nvPr>
+        </p:nvSpPr>
+        <p:spPr>
+          <a:noFill/>
+        </p:spPr>
+        <p:txBody>
+          <a:bodyPr/>
+          <a:lstStyle/>
+          <a:p>
+            <a:fld id="{3585BBA6-BB63-4968-BEF0-057BCD6B68C9}" type="slidenum">
+              <a:rPr lang="en-US" smtClean="0">
+                <a:latin typeface="Arial" charset="0"/>
+              </a:rPr>
+              <a:pPr/>
+              <a:t>47</a:t>
+            </a:fld>
+            <a:endParaRPr lang="en-US" smtClean="0">
+              <a:latin typeface="Arial" charset="0"/>
+            </a:endParaRPr>
+          </a:p>
+        </p:txBody>
+      </p:sp>
+      <p:sp>
+        <p:nvSpPr>
+          <p:cNvPr id="5" name="Notes Placeholder 4"/>
+          <p:cNvSpPr>
+            <a:spLocks noGrp="1"/>
+          </p:cNvSpPr>
+          <p:nvPr>
+            <p:ph type="body" sz="quarter" idx="10"/>
           </p:nvPr>
         </p:nvSpPr>
         <p:spPr/>
@@ -4798,35 +4751,6 @@
           </a:bodyPr>
           <a:lstStyle/>
           <a:p>
-            <a:endParaRPr lang="en-US" dirty="0"/>
-          </a:p>
-        </p:txBody>
-      </p:sp>
-      <p:sp>
-        <p:nvSpPr>
-          <p:cNvPr id="4" name="Slide Number Placeholder 3"/>
-          <p:cNvSpPr>
-            <a:spLocks noGrp="1"/>
-          </p:cNvSpPr>
-          <p:nvPr>
-            <p:ph type="sldNum" sz="quarter" idx="10"/>
-          </p:nvPr>
-        </p:nvSpPr>
-        <p:spPr/>
-        <p:txBody>
-          <a:bodyPr/>
-          <a:lstStyle/>
-          <a:p>
-            <a:pPr>
-              <a:defRPr/>
-            </a:pPr>
-            <a:fld id="{7B1B51F3-3FA6-4804-B313-F9E964683EBB}" type="slidenum">
-              <a:rPr lang="en-US" smtClean="0"/>
-              <a:pPr>
-                <a:defRPr/>
-              </a:pPr>
-              <a:t>47</a:t>
-            </a:fld>
             <a:endParaRPr lang="en-US"/>
           </a:p>
         </p:txBody>
@@ -4858,7 +4782,7 @@
       </p:grpSpPr>
       <p:sp>
         <p:nvSpPr>
-          <p:cNvPr id="82946" name="Slide Image Placeholder 1"/>
+          <p:cNvPr id="84994" name="Slide Image Placeholder 1"/>
           <p:cNvSpPr>
             <a:spLocks noGrp="1" noRot="1" noChangeAspect="1" noTextEdit="1"/>
           </p:cNvSpPr>
@@ -4876,31 +4800,7 @@
       </p:sp>
       <p:sp>
         <p:nvSpPr>
-          <p:cNvPr id="82947" name="Notes Placeholder 2"/>
-          <p:cNvSpPr>
-            <a:spLocks noGrp="1"/>
-          </p:cNvSpPr>
-          <p:nvPr>
-            <p:ph type="body" idx="1"/>
-          </p:nvPr>
-        </p:nvSpPr>
-        <p:spPr>
-          <a:noFill/>
-          <a:ln/>
-        </p:spPr>
-        <p:txBody>
-          <a:bodyPr/>
-          <a:lstStyle/>
-          <a:p>
-            <a:endParaRPr lang="en-US" dirty="0" smtClean="0">
-              <a:latin typeface="Arial" charset="0"/>
-            </a:endParaRPr>
-          </a:p>
-        </p:txBody>
-      </p:sp>
-      <p:sp>
-        <p:nvSpPr>
-          <p:cNvPr id="82948" name="Slide Number Placeholder 3"/>
+          <p:cNvPr id="84996" name="Slide Number Placeholder 3"/>
           <p:cNvSpPr>
             <a:spLocks noGrp="1"/>
           </p:cNvSpPr>
@@ -4915,7 +4815,7 @@
           <a:bodyPr/>
           <a:lstStyle/>
           <a:p>
-            <a:fld id="{3585BBA6-BB63-4968-BEF0-057BCD6B68C9}" type="slidenum">
+            <a:fld id="{5AD8503A-A638-4819-88B5-C735DA1F37C8}" type="slidenum">
               <a:rPr lang="en-US" smtClean="0">
                 <a:latin typeface="Arial" charset="0"/>
               </a:rPr>
@@ -4925,6 +4825,27 @@
             <a:endParaRPr lang="en-US" smtClean="0">
               <a:latin typeface="Arial" charset="0"/>
             </a:endParaRPr>
+          </a:p>
+        </p:txBody>
+      </p:sp>
+      <p:sp>
+        <p:nvSpPr>
+          <p:cNvPr id="5" name="Notes Placeholder 4"/>
+          <p:cNvSpPr>
+            <a:spLocks noGrp="1"/>
+          </p:cNvSpPr>
+          <p:nvPr>
+            <p:ph type="body" sz="quarter" idx="10"/>
+          </p:nvPr>
+        </p:nvSpPr>
+        <p:spPr/>
+        <p:txBody>
+          <a:bodyPr>
+            <a:normAutofit/>
+          </a:bodyPr>
+          <a:lstStyle/>
+          <a:p>
+            <a:endParaRPr lang="en-US"/>
           </a:p>
         </p:txBody>
       </p:sp>
@@ -4955,9 +4876,9 @@
       </p:grpSpPr>
       <p:sp>
         <p:nvSpPr>
-          <p:cNvPr id="84994" name="Slide Image Placeholder 1"/>
+          <p:cNvPr id="2" name="Slide Image Placeholder 1"/>
           <p:cNvSpPr>
-            <a:spLocks noGrp="1" noRot="1" noChangeAspect="1" noTextEdit="1"/>
+            <a:spLocks noGrp="1" noRot="1" noChangeAspect="1"/>
           </p:cNvSpPr>
           <p:nvPr>
             <p:ph type="sldImg"/>
@@ -4968,12 +4889,11 @@
             <a:off x="1716088" y="692150"/>
             <a:ext cx="3597275" cy="2698750"/>
           </a:xfrm>
-          <a:ln/>
         </p:spPr>
       </p:sp>
       <p:sp>
         <p:nvSpPr>
-          <p:cNvPr id="84995" name="Notes Placeholder 2"/>
+          <p:cNvPr id="3" name="Notes Placeholder 2"/>
           <p:cNvSpPr>
             <a:spLocks noGrp="1"/>
           </p:cNvSpPr>
@@ -4981,50 +4901,43 @@
             <p:ph type="body" idx="1"/>
           </p:nvPr>
         </p:nvSpPr>
-        <p:spPr>
-          <a:noFill/>
-          <a:ln/>
-        </p:spPr>
-        <p:txBody>
-          <a:bodyPr/>
-          <a:lstStyle/>
-          <a:p>
-            <a:r>
-              <a:rPr lang="en-US" b="1" dirty="0" smtClean="0">
-                <a:latin typeface="Arial" charset="0"/>
-              </a:rPr>
-              <a:t> </a:t>
-            </a:r>
-          </a:p>
-        </p:txBody>
-      </p:sp>
-      <p:sp>
-        <p:nvSpPr>
-          <p:cNvPr id="84996" name="Slide Number Placeholder 3"/>
+        <p:spPr/>
+        <p:txBody>
+          <a:bodyPr>
+            <a:normAutofit/>
+          </a:bodyPr>
+          <a:lstStyle/>
+          <a:p>
+            <a:endParaRPr lang="en-US"/>
+          </a:p>
+        </p:txBody>
+      </p:sp>
+      <p:sp>
+        <p:nvSpPr>
+          <p:cNvPr id="4" name="Slide Number Placeholder 3"/>
           <p:cNvSpPr>
             <a:spLocks noGrp="1"/>
           </p:cNvSpPr>
           <p:nvPr>
-            <p:ph type="sldNum" sz="quarter" idx="5"/>
+            <p:ph type="sldNum" sz="quarter" idx="10"/>
           </p:nvPr>
         </p:nvSpPr>
-        <p:spPr>
-          <a:noFill/>
-        </p:spPr>
+        <p:spPr/>
         <p:txBody>
           <a:bodyPr/>
           <a:lstStyle/>
           <a:p>
-            <a:fld id="{5AD8503A-A638-4819-88B5-C735DA1F37C8}" type="slidenum">
-              <a:rPr lang="en-US" smtClean="0">
-                <a:latin typeface="Arial" charset="0"/>
-              </a:rPr>
-              <a:pPr/>
+            <a:pPr>
+              <a:defRPr/>
+            </a:pPr>
+            <a:fld id="{7B1B51F3-3FA6-4804-B313-F9E964683EBB}" type="slidenum">
+              <a:rPr lang="en-US" smtClean="0"/>
+              <a:pPr>
+                <a:defRPr/>
+              </a:pPr>
               <a:t>49</a:t>
             </a:fld>
-            <a:endParaRPr lang="en-US" smtClean="0">
-              <a:latin typeface="Arial" charset="0"/>
-            </a:endParaRPr>
+            <a:endParaRPr lang="en-US"/>
           </a:p>
         </p:txBody>
       </p:sp>
@@ -5072,47 +4985,6 @@
       </p:sp>
       <p:sp>
         <p:nvSpPr>
-          <p:cNvPr id="3" name="Notes Placeholder 2"/>
-          <p:cNvSpPr>
-            <a:spLocks noGrp="1"/>
-          </p:cNvSpPr>
-          <p:nvPr>
-            <p:ph type="body" idx="1"/>
-          </p:nvPr>
-        </p:nvSpPr>
-        <p:spPr/>
-        <p:txBody>
-          <a:bodyPr>
-            <a:normAutofit/>
-          </a:bodyPr>
-          <a:lstStyle/>
-          <a:p>
-            <a:pPr marL="0" marR="0" indent="0" algn="l" defTabSz="914400" rtl="0" eaLnBrk="0" fontAlgn="base" latinLnBrk="0" hangingPunct="0">
-              <a:lnSpc>
-                <a:spcPct val="100000"/>
-              </a:lnSpc>
-              <a:spcBef>
-                <a:spcPct val="30000"/>
-              </a:spcBef>
-              <a:spcAft>
-                <a:spcPct val="0"/>
-              </a:spcAft>
-              <a:buClrTx/>
-              <a:buSzTx/>
-              <a:buFontTx/>
-              <a:buNone/>
-              <a:tabLst/>
-              <a:defRPr/>
-            </a:pPr>
-            <a:endParaRPr lang="en-CA" dirty="0" smtClean="0"/>
-          </a:p>
-          <a:p>
-            <a:endParaRPr lang="en-US" dirty="0"/>
-          </a:p>
-        </p:txBody>
-      </p:sp>
-      <p:sp>
-        <p:nvSpPr>
           <p:cNvPr id="4" name="Slide Number Placeholder 3"/>
           <p:cNvSpPr>
             <a:spLocks noGrp="1"/>
@@ -5136,6 +5008,27 @@
               </a:pPr>
               <a:t>5</a:t>
             </a:fld>
+            <a:endParaRPr lang="en-US"/>
+          </a:p>
+        </p:txBody>
+      </p:sp>
+      <p:sp>
+        <p:nvSpPr>
+          <p:cNvPr id="5" name="Notes Placeholder 4"/>
+          <p:cNvSpPr>
+            <a:spLocks noGrp="1"/>
+          </p:cNvSpPr>
+          <p:nvPr>
+            <p:ph type="body" sz="quarter" idx="11"/>
+          </p:nvPr>
+        </p:nvSpPr>
+        <p:spPr/>
+        <p:txBody>
+          <a:bodyPr>
+            <a:normAutofit/>
+          </a:bodyPr>
+          <a:lstStyle/>
+          <a:p>
             <a:endParaRPr lang="en-US"/>
           </a:p>
         </p:txBody>
@@ -5167,103 +5060,6 @@
       </p:grpSpPr>
       <p:sp>
         <p:nvSpPr>
-          <p:cNvPr id="98306" name="Slide Image Placeholder 1"/>
-          <p:cNvSpPr>
-            <a:spLocks noGrp="1" noRot="1" noChangeAspect="1" noTextEdit="1"/>
-          </p:cNvSpPr>
-          <p:nvPr>
-            <p:ph type="sldImg"/>
-          </p:nvPr>
-        </p:nvSpPr>
-        <p:spPr>
-          <a:xfrm>
-            <a:off x="1716088" y="692150"/>
-            <a:ext cx="3597275" cy="2698750"/>
-          </a:xfrm>
-          <a:ln/>
-        </p:spPr>
-      </p:sp>
-      <p:sp>
-        <p:nvSpPr>
-          <p:cNvPr id="98307" name="Notes Placeholder 2"/>
-          <p:cNvSpPr>
-            <a:spLocks noGrp="1"/>
-          </p:cNvSpPr>
-          <p:nvPr>
-            <p:ph type="body" idx="1"/>
-          </p:nvPr>
-        </p:nvSpPr>
-        <p:spPr>
-          <a:noFill/>
-          <a:ln/>
-        </p:spPr>
-        <p:txBody>
-          <a:bodyPr/>
-          <a:lstStyle/>
-          <a:p>
-            <a:endParaRPr lang="en-US" baseline="0" dirty="0" smtClean="0">
-              <a:latin typeface="Arial" charset="0"/>
-            </a:endParaRPr>
-          </a:p>
-        </p:txBody>
-      </p:sp>
-      <p:sp>
-        <p:nvSpPr>
-          <p:cNvPr id="98308" name="Slide Number Placeholder 3"/>
-          <p:cNvSpPr>
-            <a:spLocks noGrp="1"/>
-          </p:cNvSpPr>
-          <p:nvPr>
-            <p:ph type="sldNum" sz="quarter" idx="5"/>
-          </p:nvPr>
-        </p:nvSpPr>
-        <p:spPr>
-          <a:noFill/>
-        </p:spPr>
-        <p:txBody>
-          <a:bodyPr/>
-          <a:lstStyle/>
-          <a:p>
-            <a:fld id="{0B79CB94-F91D-4D2D-8D98-C3CEF5F57ADC}" type="slidenum">
-              <a:rPr lang="en-US" smtClean="0">
-                <a:latin typeface="Arial" charset="0"/>
-              </a:rPr>
-              <a:pPr/>
-              <a:t>50</a:t>
-            </a:fld>
-            <a:endParaRPr lang="en-US" smtClean="0">
-              <a:latin typeface="Arial" charset="0"/>
-            </a:endParaRPr>
-          </a:p>
-        </p:txBody>
-      </p:sp>
-    </p:spTree>
-  </p:cSld>
-  <p:clrMapOvr>
-    <a:masterClrMapping/>
-  </p:clrMapOvr>
-</p:notes>
-</file>
-
-<file path=ppt/notesSlides/notesSlide51.xml><?xml version="1.0" encoding="utf-8"?>
-<p:notes xmlns:a="http://schemas.openxmlformats.org/drawingml/2006/main" xmlns:r="http://schemas.openxmlformats.org/officeDocument/2006/relationships" xmlns:p="http://schemas.openxmlformats.org/presentationml/2006/main">
-  <p:cSld>
-    <p:spTree>
-      <p:nvGrpSpPr>
-        <p:cNvPr id="1" name=""/>
-        <p:cNvGrpSpPr/>
-        <p:nvPr/>
-      </p:nvGrpSpPr>
-      <p:grpSpPr>
-        <a:xfrm>
-          <a:off x="0" y="0"/>
-          <a:ext cx="0" cy="0"/>
-          <a:chOff x="0" y="0"/>
-          <a:chExt cx="0" cy="0"/>
-        </a:xfrm>
-      </p:grpSpPr>
-      <p:sp>
-        <p:nvSpPr>
           <p:cNvPr id="2" name="Slide Image Placeholder 1"/>
           <p:cNvSpPr>
             <a:spLocks noGrp="1" noRot="1" noChangeAspect="1"/>
@@ -5323,99 +5119,7 @@
               <a:pPr>
                 <a:defRPr/>
               </a:pPr>
-              <a:t>51</a:t>
-            </a:fld>
-            <a:endParaRPr lang="en-US"/>
-          </a:p>
-        </p:txBody>
-      </p:sp>
-    </p:spTree>
-  </p:cSld>
-  <p:clrMapOvr>
-    <a:masterClrMapping/>
-  </p:clrMapOvr>
-</p:notes>
-</file>
-
-<file path=ppt/notesSlides/notesSlide52.xml><?xml version="1.0" encoding="utf-8"?>
-<p:notes xmlns:a="http://schemas.openxmlformats.org/drawingml/2006/main" xmlns:r="http://schemas.openxmlformats.org/officeDocument/2006/relationships" xmlns:p="http://schemas.openxmlformats.org/presentationml/2006/main">
-  <p:cSld>
-    <p:spTree>
-      <p:nvGrpSpPr>
-        <p:cNvPr id="1" name=""/>
-        <p:cNvGrpSpPr/>
-        <p:nvPr/>
-      </p:nvGrpSpPr>
-      <p:grpSpPr>
-        <a:xfrm>
-          <a:off x="0" y="0"/>
-          <a:ext cx="0" cy="0"/>
-          <a:chOff x="0" y="0"/>
-          <a:chExt cx="0" cy="0"/>
-        </a:xfrm>
-      </p:grpSpPr>
-      <p:sp>
-        <p:nvSpPr>
-          <p:cNvPr id="2" name="Slide Image Placeholder 1"/>
-          <p:cNvSpPr>
-            <a:spLocks noGrp="1" noRot="1" noChangeAspect="1"/>
-          </p:cNvSpPr>
-          <p:nvPr>
-            <p:ph type="sldImg"/>
-          </p:nvPr>
-        </p:nvSpPr>
-        <p:spPr>
-          <a:xfrm>
-            <a:off x="1716088" y="692150"/>
-            <a:ext cx="3597275" cy="2698750"/>
-          </a:xfrm>
-        </p:spPr>
-      </p:sp>
-      <p:sp>
-        <p:nvSpPr>
-          <p:cNvPr id="3" name="Notes Placeholder 2"/>
-          <p:cNvSpPr>
-            <a:spLocks noGrp="1"/>
-          </p:cNvSpPr>
-          <p:nvPr>
-            <p:ph type="body" idx="1"/>
-          </p:nvPr>
-        </p:nvSpPr>
-        <p:spPr/>
-        <p:txBody>
-          <a:bodyPr>
-            <a:normAutofit/>
-          </a:bodyPr>
-          <a:lstStyle/>
-          <a:p>
-            <a:endParaRPr lang="en-US"/>
-          </a:p>
-        </p:txBody>
-      </p:sp>
-      <p:sp>
-        <p:nvSpPr>
-          <p:cNvPr id="4" name="Slide Number Placeholder 3"/>
-          <p:cNvSpPr>
-            <a:spLocks noGrp="1"/>
-          </p:cNvSpPr>
-          <p:nvPr>
-            <p:ph type="sldNum" sz="quarter" idx="10"/>
-          </p:nvPr>
-        </p:nvSpPr>
-        <p:spPr/>
-        <p:txBody>
-          <a:bodyPr/>
-          <a:lstStyle/>
-          <a:p>
-            <a:pPr>
-              <a:defRPr/>
-            </a:pPr>
-            <a:fld id="{7B1B51F3-3FA6-4804-B313-F9E964683EBB}" type="slidenum">
-              <a:rPr lang="en-US" smtClean="0"/>
-              <a:pPr>
-                <a:defRPr/>
-              </a:pPr>
-              <a:t>52</a:t>
+              <a:t>50</a:t>
             </a:fld>
             <a:endParaRPr lang="en-US"/>
           </a:p>
@@ -5465,27 +5169,6 @@
       </p:sp>
       <p:sp>
         <p:nvSpPr>
-          <p:cNvPr id="3" name="Notes Placeholder 2"/>
-          <p:cNvSpPr>
-            <a:spLocks noGrp="1"/>
-          </p:cNvSpPr>
-          <p:nvPr>
-            <p:ph type="body" idx="1"/>
-          </p:nvPr>
-        </p:nvSpPr>
-        <p:spPr/>
-        <p:txBody>
-          <a:bodyPr>
-            <a:normAutofit/>
-          </a:bodyPr>
-          <a:lstStyle/>
-          <a:p>
-            <a:endParaRPr lang="en-US" dirty="0" smtClean="0"/>
-          </a:p>
-        </p:txBody>
-      </p:sp>
-      <p:sp>
-        <p:nvSpPr>
           <p:cNvPr id="4" name="Slide Number Placeholder 3"/>
           <p:cNvSpPr>
             <a:spLocks noGrp="1"/>
@@ -5509,6 +5192,27 @@
               </a:pPr>
               <a:t>6</a:t>
             </a:fld>
+            <a:endParaRPr lang="en-US"/>
+          </a:p>
+        </p:txBody>
+      </p:sp>
+      <p:sp>
+        <p:nvSpPr>
+          <p:cNvPr id="5" name="Notes Placeholder 4"/>
+          <p:cNvSpPr>
+            <a:spLocks noGrp="1"/>
+          </p:cNvSpPr>
+          <p:nvPr>
+            <p:ph type="body" sz="quarter" idx="11"/>
+          </p:nvPr>
+        </p:nvSpPr>
+        <p:spPr/>
+        <p:txBody>
+          <a:bodyPr>
+            <a:normAutofit/>
+          </a:bodyPr>
+          <a:lstStyle/>
+          <a:p>
             <a:endParaRPr lang="en-US"/>
           </a:p>
         </p:txBody>
@@ -5557,30 +5261,6 @@
       </p:sp>
       <p:sp>
         <p:nvSpPr>
-          <p:cNvPr id="3" name="Notes Placeholder 2"/>
-          <p:cNvSpPr>
-            <a:spLocks noGrp="1"/>
-          </p:cNvSpPr>
-          <p:nvPr>
-            <p:ph type="body" idx="1"/>
-          </p:nvPr>
-        </p:nvSpPr>
-        <p:spPr/>
-        <p:txBody>
-          <a:bodyPr>
-            <a:normAutofit/>
-          </a:bodyPr>
-          <a:lstStyle/>
-          <a:p>
-            <a:endParaRPr lang="en-CA" dirty="0" smtClean="0"/>
-          </a:p>
-          <a:p>
-            <a:endParaRPr lang="en-CA" dirty="0" smtClean="0"/>
-          </a:p>
-        </p:txBody>
-      </p:sp>
-      <p:sp>
-        <p:nvSpPr>
           <p:cNvPr id="4" name="Slide Number Placeholder 3"/>
           <p:cNvSpPr>
             <a:spLocks noGrp="1"/>
@@ -5604,6 +5284,27 @@
               </a:pPr>
               <a:t>7</a:t>
             </a:fld>
+            <a:endParaRPr lang="en-US"/>
+          </a:p>
+        </p:txBody>
+      </p:sp>
+      <p:sp>
+        <p:nvSpPr>
+          <p:cNvPr id="5" name="Notes Placeholder 4"/>
+          <p:cNvSpPr>
+            <a:spLocks noGrp="1"/>
+          </p:cNvSpPr>
+          <p:nvPr>
+            <p:ph type="body" sz="quarter" idx="11"/>
+          </p:nvPr>
+        </p:nvSpPr>
+        <p:spPr/>
+        <p:txBody>
+          <a:bodyPr>
+            <a:normAutofit/>
+          </a:bodyPr>
+          <a:lstStyle/>
+          <a:p>
             <a:endParaRPr lang="en-US"/>
           </a:p>
         </p:txBody>
@@ -5653,30 +5354,6 @@
       </p:sp>
       <p:sp>
         <p:nvSpPr>
-          <p:cNvPr id="71683" name="Notes Placeholder 2"/>
-          <p:cNvSpPr>
-            <a:spLocks noGrp="1"/>
-          </p:cNvSpPr>
-          <p:nvPr>
-            <p:ph type="body" idx="1"/>
-          </p:nvPr>
-        </p:nvSpPr>
-        <p:spPr>
-          <a:noFill/>
-          <a:ln/>
-        </p:spPr>
-        <p:txBody>
-          <a:bodyPr/>
-          <a:lstStyle/>
-          <a:p>
-            <a:endParaRPr lang="en-US" dirty="0" smtClean="0">
-              <a:latin typeface="Arial" charset="0"/>
-            </a:endParaRPr>
-          </a:p>
-        </p:txBody>
-      </p:sp>
-      <p:sp>
-        <p:nvSpPr>
           <p:cNvPr id="71684" name="Slide Number Placeholder 3"/>
           <p:cNvSpPr>
             <a:spLocks noGrp="1"/>
@@ -5702,6 +5379,27 @@
             <a:endParaRPr lang="en-US" smtClean="0">
               <a:latin typeface="Arial" charset="0"/>
             </a:endParaRPr>
+          </a:p>
+        </p:txBody>
+      </p:sp>
+      <p:sp>
+        <p:nvSpPr>
+          <p:cNvPr id="5" name="Notes Placeholder 4"/>
+          <p:cNvSpPr>
+            <a:spLocks noGrp="1"/>
+          </p:cNvSpPr>
+          <p:nvPr>
+            <p:ph type="body" sz="quarter" idx="10"/>
+          </p:nvPr>
+        </p:nvSpPr>
+        <p:spPr/>
+        <p:txBody>
+          <a:bodyPr>
+            <a:normAutofit/>
+          </a:bodyPr>
+          <a:lstStyle/>
+          <a:p>
+            <a:endParaRPr lang="en-US"/>
           </a:p>
         </p:txBody>
       </p:sp>
@@ -5750,45 +5448,6 @@
       </p:sp>
       <p:sp>
         <p:nvSpPr>
-          <p:cNvPr id="73731" name="Notes Placeholder 2"/>
-          <p:cNvSpPr>
-            <a:spLocks noGrp="1"/>
-          </p:cNvSpPr>
-          <p:nvPr>
-            <p:ph type="body" idx="1"/>
-          </p:nvPr>
-        </p:nvSpPr>
-        <p:spPr>
-          <a:noFill/>
-          <a:ln/>
-        </p:spPr>
-        <p:txBody>
-          <a:bodyPr/>
-          <a:lstStyle/>
-          <a:p>
-            <a:endParaRPr lang="en-US" dirty="0" smtClean="0">
-              <a:latin typeface="Arial" charset="0"/>
-            </a:endParaRPr>
-          </a:p>
-          <a:p>
-            <a:endParaRPr lang="en-US" dirty="0" smtClean="0">
-              <a:latin typeface="Arial" charset="0"/>
-            </a:endParaRPr>
-          </a:p>
-          <a:p>
-            <a:endParaRPr lang="en-US" dirty="0" smtClean="0">
-              <a:latin typeface="Arial" charset="0"/>
-            </a:endParaRPr>
-          </a:p>
-          <a:p>
-            <a:endParaRPr lang="en-US" dirty="0" smtClean="0">
-              <a:latin typeface="Arial" charset="0"/>
-            </a:endParaRPr>
-          </a:p>
-        </p:txBody>
-      </p:sp>
-      <p:sp>
-        <p:nvSpPr>
           <p:cNvPr id="73732" name="Slide Number Placeholder 3"/>
           <p:cNvSpPr>
             <a:spLocks noGrp="1"/>
@@ -5814,6 +5473,27 @@
             <a:endParaRPr lang="en-US" smtClean="0">
               <a:latin typeface="Arial" charset="0"/>
             </a:endParaRPr>
+          </a:p>
+        </p:txBody>
+      </p:sp>
+      <p:sp>
+        <p:nvSpPr>
+          <p:cNvPr id="5" name="Notes Placeholder 4"/>
+          <p:cNvSpPr>
+            <a:spLocks noGrp="1"/>
+          </p:cNvSpPr>
+          <p:nvPr>
+            <p:ph type="body" sz="quarter" idx="10"/>
+          </p:nvPr>
+        </p:nvSpPr>
+        <p:spPr/>
+        <p:txBody>
+          <a:bodyPr>
+            <a:normAutofit/>
+          </a:bodyPr>
+          <a:lstStyle/>
+          <a:p>
+            <a:endParaRPr lang="en-US"/>
           </a:p>
         </p:txBody>
       </p:sp>
@@ -5981,7 +5661,7 @@
           <p:nvPr userDrawn="1"/>
         </p:nvPicPr>
         <p:blipFill>
-          <a:blip r:embed="rId2"/>
+          <a:blip r:embed="rId2" cstate="print"/>
           <a:srcRect/>
           <a:stretch>
             <a:fillRect/>
@@ -7846,7 +7526,7 @@
           <p:nvPr userDrawn="1"/>
         </p:nvPicPr>
         <p:blipFill>
-          <a:blip r:embed="rId13"/>
+          <a:blip r:embed="rId13" cstate="print"/>
           <a:srcRect/>
           <a:stretch>
             <a:fillRect/>
@@ -8346,7 +8026,7 @@
           <p:nvPr/>
         </p:nvPicPr>
         <p:blipFill>
-          <a:blip r:embed="rId3"/>
+          <a:blip r:embed="rId3" cstate="print"/>
           <a:srcRect/>
           <a:stretch>
             <a:fillRect/>
@@ -9800,7 +9480,7 @@
           </p:nvPr>
         </p:nvPicPr>
         <p:blipFill>
-          <a:blip r:embed="rId3"/>
+          <a:blip r:embed="rId3" cstate="print"/>
           <a:srcRect/>
           <a:stretch>
             <a:fillRect/>
@@ -11071,11 +10751,11 @@
             </a:pPr>
             <a:r>
               <a:rPr lang="en-US" b="1" dirty="0" smtClean="0"/>
-              <a:t>Data</a:t>
+              <a:t>Data Type </a:t>
             </a:r>
             <a:r>
               <a:rPr lang="en-US" dirty="0" smtClean="0"/>
-              <a:t> accepted by the inputs and outputs</a:t>
+              <a:t>accepted by the inputs and outputs</a:t>
             </a:r>
             <a:endParaRPr lang="en-US" b="1" dirty="0" smtClean="0"/>
           </a:p>
@@ -11168,7 +10848,7 @@
           <p:nvPr/>
         </p:nvPicPr>
         <p:blipFill>
-          <a:blip r:embed="rId3"/>
+          <a:blip r:embed="rId3" cstate="print"/>
           <a:srcRect/>
           <a:stretch>
             <a:fillRect/>
@@ -11389,7 +11069,496 @@
   <p:timing>
     <p:tnLst>
       <p:par>
-        <p:cTn id="1" dur="indefinite" restart="never" nodeType="tmRoot"/>
+        <p:cTn id="1" dur="indefinite" restart="never" nodeType="tmRoot">
+          <p:childTnLst>
+            <p:seq concurrent="1" nextAc="seek">
+              <p:cTn id="2" dur="indefinite" nodeType="mainSeq">
+                <p:childTnLst>
+                  <p:par>
+                    <p:cTn id="3" fill="hold">
+                      <p:stCondLst>
+                        <p:cond delay="indefinite"/>
+                      </p:stCondLst>
+                      <p:childTnLst>
+                        <p:par>
+                          <p:cTn id="4" fill="hold">
+                            <p:stCondLst>
+                              <p:cond delay="0"/>
+                            </p:stCondLst>
+                            <p:childTnLst>
+                              <p:par>
+                                <p:cTn id="5" presetID="3" presetClass="entr" presetSubtype="10" fill="hold" nodeType="clickEffect">
+                                  <p:stCondLst>
+                                    <p:cond delay="0"/>
+                                  </p:stCondLst>
+                                  <p:childTnLst>
+                                    <p:set>
+                                      <p:cBhvr>
+                                        <p:cTn id="6" dur="1" fill="hold">
+                                          <p:stCondLst>
+                                            <p:cond delay="0"/>
+                                          </p:stCondLst>
+                                        </p:cTn>
+                                        <p:tgtEl>
+                                          <p:spTgt spid="18435">
+                                            <p:txEl>
+                                              <p:pRg st="0" end="0"/>
+                                            </p:txEl>
+                                          </p:spTgt>
+                                        </p:tgtEl>
+                                        <p:attrNameLst>
+                                          <p:attrName>style.visibility</p:attrName>
+                                        </p:attrNameLst>
+                                      </p:cBhvr>
+                                      <p:to>
+                                        <p:strVal val="visible"/>
+                                      </p:to>
+                                    </p:set>
+                                    <p:animEffect transition="in" filter="blinds(horizontal)">
+                                      <p:cBhvr>
+                                        <p:cTn id="7" dur="500"/>
+                                        <p:tgtEl>
+                                          <p:spTgt spid="18435">
+                                            <p:txEl>
+                                              <p:pRg st="0" end="0"/>
+                                            </p:txEl>
+                                          </p:spTgt>
+                                        </p:tgtEl>
+                                      </p:cBhvr>
+                                    </p:animEffect>
+                                  </p:childTnLst>
+                                </p:cTn>
+                              </p:par>
+                              <p:par>
+                                <p:cTn id="8" presetID="3" presetClass="entr" presetSubtype="10" fill="hold" nodeType="withEffect">
+                                  <p:stCondLst>
+                                    <p:cond delay="0"/>
+                                  </p:stCondLst>
+                                  <p:childTnLst>
+                                    <p:set>
+                                      <p:cBhvr>
+                                        <p:cTn id="9" dur="1" fill="hold">
+                                          <p:stCondLst>
+                                            <p:cond delay="0"/>
+                                          </p:stCondLst>
+                                        </p:cTn>
+                                        <p:tgtEl>
+                                          <p:spTgt spid="18435">
+                                            <p:txEl>
+                                              <p:pRg st="1" end="1"/>
+                                            </p:txEl>
+                                          </p:spTgt>
+                                        </p:tgtEl>
+                                        <p:attrNameLst>
+                                          <p:attrName>style.visibility</p:attrName>
+                                        </p:attrNameLst>
+                                      </p:cBhvr>
+                                      <p:to>
+                                        <p:strVal val="visible"/>
+                                      </p:to>
+                                    </p:set>
+                                    <p:animEffect transition="in" filter="blinds(horizontal)">
+                                      <p:cBhvr>
+                                        <p:cTn id="10" dur="500"/>
+                                        <p:tgtEl>
+                                          <p:spTgt spid="18435">
+                                            <p:txEl>
+                                              <p:pRg st="1" end="1"/>
+                                            </p:txEl>
+                                          </p:spTgt>
+                                        </p:tgtEl>
+                                      </p:cBhvr>
+                                    </p:animEffect>
+                                  </p:childTnLst>
+                                </p:cTn>
+                              </p:par>
+                              <p:par>
+                                <p:cTn id="11" presetID="3" presetClass="entr" presetSubtype="10" fill="hold" nodeType="withEffect">
+                                  <p:stCondLst>
+                                    <p:cond delay="0"/>
+                                  </p:stCondLst>
+                                  <p:childTnLst>
+                                    <p:set>
+                                      <p:cBhvr>
+                                        <p:cTn id="12" dur="1" fill="hold">
+                                          <p:stCondLst>
+                                            <p:cond delay="0"/>
+                                          </p:stCondLst>
+                                        </p:cTn>
+                                        <p:tgtEl>
+                                          <p:spTgt spid="18435">
+                                            <p:txEl>
+                                              <p:pRg st="2" end="2"/>
+                                            </p:txEl>
+                                          </p:spTgt>
+                                        </p:tgtEl>
+                                        <p:attrNameLst>
+                                          <p:attrName>style.visibility</p:attrName>
+                                        </p:attrNameLst>
+                                      </p:cBhvr>
+                                      <p:to>
+                                        <p:strVal val="visible"/>
+                                      </p:to>
+                                    </p:set>
+                                    <p:animEffect transition="in" filter="blinds(horizontal)">
+                                      <p:cBhvr>
+                                        <p:cTn id="13" dur="500"/>
+                                        <p:tgtEl>
+                                          <p:spTgt spid="18435">
+                                            <p:txEl>
+                                              <p:pRg st="2" end="2"/>
+                                            </p:txEl>
+                                          </p:spTgt>
+                                        </p:tgtEl>
+                                      </p:cBhvr>
+                                    </p:animEffect>
+                                  </p:childTnLst>
+                                </p:cTn>
+                              </p:par>
+                              <p:par>
+                                <p:cTn id="14" presetID="3" presetClass="entr" presetSubtype="10" fill="hold" nodeType="withEffect">
+                                  <p:stCondLst>
+                                    <p:cond delay="0"/>
+                                  </p:stCondLst>
+                                  <p:childTnLst>
+                                    <p:set>
+                                      <p:cBhvr>
+                                        <p:cTn id="15" dur="1" fill="hold">
+                                          <p:stCondLst>
+                                            <p:cond delay="0"/>
+                                          </p:stCondLst>
+                                        </p:cTn>
+                                        <p:tgtEl>
+                                          <p:spTgt spid="18435">
+                                            <p:txEl>
+                                              <p:pRg st="3" end="3"/>
+                                            </p:txEl>
+                                          </p:spTgt>
+                                        </p:tgtEl>
+                                        <p:attrNameLst>
+                                          <p:attrName>style.visibility</p:attrName>
+                                        </p:attrNameLst>
+                                      </p:cBhvr>
+                                      <p:to>
+                                        <p:strVal val="visible"/>
+                                      </p:to>
+                                    </p:set>
+                                    <p:animEffect transition="in" filter="blinds(horizontal)">
+                                      <p:cBhvr>
+                                        <p:cTn id="16" dur="500"/>
+                                        <p:tgtEl>
+                                          <p:spTgt spid="18435">
+                                            <p:txEl>
+                                              <p:pRg st="3" end="3"/>
+                                            </p:txEl>
+                                          </p:spTgt>
+                                        </p:tgtEl>
+                                      </p:cBhvr>
+                                    </p:animEffect>
+                                  </p:childTnLst>
+                                </p:cTn>
+                              </p:par>
+                              <p:par>
+                                <p:cTn id="17" presetID="3" presetClass="entr" presetSubtype="10" fill="hold" nodeType="withEffect">
+                                  <p:stCondLst>
+                                    <p:cond delay="0"/>
+                                  </p:stCondLst>
+                                  <p:childTnLst>
+                                    <p:set>
+                                      <p:cBhvr>
+                                        <p:cTn id="18" dur="1" fill="hold">
+                                          <p:stCondLst>
+                                            <p:cond delay="0"/>
+                                          </p:stCondLst>
+                                        </p:cTn>
+                                        <p:tgtEl>
+                                          <p:spTgt spid="18435">
+                                            <p:txEl>
+                                              <p:pRg st="4" end="4"/>
+                                            </p:txEl>
+                                          </p:spTgt>
+                                        </p:tgtEl>
+                                        <p:attrNameLst>
+                                          <p:attrName>style.visibility</p:attrName>
+                                        </p:attrNameLst>
+                                      </p:cBhvr>
+                                      <p:to>
+                                        <p:strVal val="visible"/>
+                                      </p:to>
+                                    </p:set>
+                                    <p:animEffect transition="in" filter="blinds(horizontal)">
+                                      <p:cBhvr>
+                                        <p:cTn id="19" dur="500"/>
+                                        <p:tgtEl>
+                                          <p:spTgt spid="18435">
+                                            <p:txEl>
+                                              <p:pRg st="4" end="4"/>
+                                            </p:txEl>
+                                          </p:spTgt>
+                                        </p:tgtEl>
+                                      </p:cBhvr>
+                                    </p:animEffect>
+                                  </p:childTnLst>
+                                </p:cTn>
+                              </p:par>
+                            </p:childTnLst>
+                          </p:cTn>
+                        </p:par>
+                      </p:childTnLst>
+                    </p:cTn>
+                  </p:par>
+                  <p:par>
+                    <p:cTn id="20" fill="hold">
+                      <p:stCondLst>
+                        <p:cond delay="indefinite"/>
+                      </p:stCondLst>
+                      <p:childTnLst>
+                        <p:par>
+                          <p:cTn id="21" fill="hold">
+                            <p:stCondLst>
+                              <p:cond delay="0"/>
+                            </p:stCondLst>
+                            <p:childTnLst>
+                              <p:par>
+                                <p:cTn id="22" presetID="3" presetClass="entr" presetSubtype="10" fill="hold" nodeType="clickEffect">
+                                  <p:stCondLst>
+                                    <p:cond delay="0"/>
+                                  </p:stCondLst>
+                                  <p:childTnLst>
+                                    <p:set>
+                                      <p:cBhvr>
+                                        <p:cTn id="23" dur="1" fill="hold">
+                                          <p:stCondLst>
+                                            <p:cond delay="0"/>
+                                          </p:stCondLst>
+                                        </p:cTn>
+                                        <p:tgtEl>
+                                          <p:spTgt spid="18435">
+                                            <p:txEl>
+                                              <p:pRg st="5" end="5"/>
+                                            </p:txEl>
+                                          </p:spTgt>
+                                        </p:tgtEl>
+                                        <p:attrNameLst>
+                                          <p:attrName>style.visibility</p:attrName>
+                                        </p:attrNameLst>
+                                      </p:cBhvr>
+                                      <p:to>
+                                        <p:strVal val="visible"/>
+                                      </p:to>
+                                    </p:set>
+                                    <p:animEffect transition="in" filter="blinds(horizontal)">
+                                      <p:cBhvr>
+                                        <p:cTn id="24" dur="500"/>
+                                        <p:tgtEl>
+                                          <p:spTgt spid="18435">
+                                            <p:txEl>
+                                              <p:pRg st="5" end="5"/>
+                                            </p:txEl>
+                                          </p:spTgt>
+                                        </p:tgtEl>
+                                      </p:cBhvr>
+                                    </p:animEffect>
+                                  </p:childTnLst>
+                                </p:cTn>
+                              </p:par>
+                              <p:par>
+                                <p:cTn id="25" presetID="3" presetClass="entr" presetSubtype="10" fill="hold" nodeType="withEffect">
+                                  <p:stCondLst>
+                                    <p:cond delay="0"/>
+                                  </p:stCondLst>
+                                  <p:childTnLst>
+                                    <p:set>
+                                      <p:cBhvr>
+                                        <p:cTn id="26" dur="1" fill="hold">
+                                          <p:stCondLst>
+                                            <p:cond delay="0"/>
+                                          </p:stCondLst>
+                                        </p:cTn>
+                                        <p:tgtEl>
+                                          <p:spTgt spid="18435">
+                                            <p:txEl>
+                                              <p:pRg st="6" end="6"/>
+                                            </p:txEl>
+                                          </p:spTgt>
+                                        </p:tgtEl>
+                                        <p:attrNameLst>
+                                          <p:attrName>style.visibility</p:attrName>
+                                        </p:attrNameLst>
+                                      </p:cBhvr>
+                                      <p:to>
+                                        <p:strVal val="visible"/>
+                                      </p:to>
+                                    </p:set>
+                                    <p:animEffect transition="in" filter="blinds(horizontal)">
+                                      <p:cBhvr>
+                                        <p:cTn id="27" dur="500"/>
+                                        <p:tgtEl>
+                                          <p:spTgt spid="18435">
+                                            <p:txEl>
+                                              <p:pRg st="6" end="6"/>
+                                            </p:txEl>
+                                          </p:spTgt>
+                                        </p:tgtEl>
+                                      </p:cBhvr>
+                                    </p:animEffect>
+                                  </p:childTnLst>
+                                </p:cTn>
+                              </p:par>
+                              <p:par>
+                                <p:cTn id="28" presetID="3" presetClass="entr" presetSubtype="10" fill="hold" nodeType="withEffect">
+                                  <p:stCondLst>
+                                    <p:cond delay="0"/>
+                                  </p:stCondLst>
+                                  <p:childTnLst>
+                                    <p:set>
+                                      <p:cBhvr>
+                                        <p:cTn id="29" dur="1" fill="hold">
+                                          <p:stCondLst>
+                                            <p:cond delay="0"/>
+                                          </p:stCondLst>
+                                        </p:cTn>
+                                        <p:tgtEl>
+                                          <p:spTgt spid="18435">
+                                            <p:txEl>
+                                              <p:pRg st="7" end="7"/>
+                                            </p:txEl>
+                                          </p:spTgt>
+                                        </p:tgtEl>
+                                        <p:attrNameLst>
+                                          <p:attrName>style.visibility</p:attrName>
+                                        </p:attrNameLst>
+                                      </p:cBhvr>
+                                      <p:to>
+                                        <p:strVal val="visible"/>
+                                      </p:to>
+                                    </p:set>
+                                    <p:animEffect transition="in" filter="blinds(horizontal)">
+                                      <p:cBhvr>
+                                        <p:cTn id="30" dur="500"/>
+                                        <p:tgtEl>
+                                          <p:spTgt spid="18435">
+                                            <p:txEl>
+                                              <p:pRg st="7" end="7"/>
+                                            </p:txEl>
+                                          </p:spTgt>
+                                        </p:tgtEl>
+                                      </p:cBhvr>
+                                    </p:animEffect>
+                                  </p:childTnLst>
+                                </p:cTn>
+                              </p:par>
+                              <p:par>
+                                <p:cTn id="31" presetID="3" presetClass="entr" presetSubtype="10" fill="hold" nodeType="withEffect">
+                                  <p:stCondLst>
+                                    <p:cond delay="0"/>
+                                  </p:stCondLst>
+                                  <p:childTnLst>
+                                    <p:set>
+                                      <p:cBhvr>
+                                        <p:cTn id="32" dur="1" fill="hold">
+                                          <p:stCondLst>
+                                            <p:cond delay="0"/>
+                                          </p:stCondLst>
+                                        </p:cTn>
+                                        <p:tgtEl>
+                                          <p:spTgt spid="18435">
+                                            <p:txEl>
+                                              <p:pRg st="8" end="8"/>
+                                            </p:txEl>
+                                          </p:spTgt>
+                                        </p:tgtEl>
+                                        <p:attrNameLst>
+                                          <p:attrName>style.visibility</p:attrName>
+                                        </p:attrNameLst>
+                                      </p:cBhvr>
+                                      <p:to>
+                                        <p:strVal val="visible"/>
+                                      </p:to>
+                                    </p:set>
+                                    <p:animEffect transition="in" filter="blinds(horizontal)">
+                                      <p:cBhvr>
+                                        <p:cTn id="33" dur="500"/>
+                                        <p:tgtEl>
+                                          <p:spTgt spid="18435">
+                                            <p:txEl>
+                                              <p:pRg st="8" end="8"/>
+                                            </p:txEl>
+                                          </p:spTgt>
+                                        </p:tgtEl>
+                                      </p:cBhvr>
+                                    </p:animEffect>
+                                  </p:childTnLst>
+                                </p:cTn>
+                              </p:par>
+                              <p:par>
+                                <p:cTn id="34" presetID="3" presetClass="entr" presetSubtype="10" fill="hold" nodeType="withEffect">
+                                  <p:stCondLst>
+                                    <p:cond delay="0"/>
+                                  </p:stCondLst>
+                                  <p:childTnLst>
+                                    <p:set>
+                                      <p:cBhvr>
+                                        <p:cTn id="35" dur="1" fill="hold">
+                                          <p:stCondLst>
+                                            <p:cond delay="0"/>
+                                          </p:stCondLst>
+                                        </p:cTn>
+                                        <p:tgtEl>
+                                          <p:spTgt spid="18435">
+                                            <p:txEl>
+                                              <p:pRg st="9" end="9"/>
+                                            </p:txEl>
+                                          </p:spTgt>
+                                        </p:tgtEl>
+                                        <p:attrNameLst>
+                                          <p:attrName>style.visibility</p:attrName>
+                                        </p:attrNameLst>
+                                      </p:cBhvr>
+                                      <p:to>
+                                        <p:strVal val="visible"/>
+                                      </p:to>
+                                    </p:set>
+                                    <p:animEffect transition="in" filter="blinds(horizontal)">
+                                      <p:cBhvr>
+                                        <p:cTn id="36" dur="500"/>
+                                        <p:tgtEl>
+                                          <p:spTgt spid="18435">
+                                            <p:txEl>
+                                              <p:pRg st="9" end="9"/>
+                                            </p:txEl>
+                                          </p:spTgt>
+                                        </p:tgtEl>
+                                      </p:cBhvr>
+                                    </p:animEffect>
+                                  </p:childTnLst>
+                                </p:cTn>
+                              </p:par>
+                            </p:childTnLst>
+                          </p:cTn>
+                        </p:par>
+                      </p:childTnLst>
+                    </p:cTn>
+                  </p:par>
+                </p:childTnLst>
+              </p:cTn>
+              <p:prevCondLst>
+                <p:cond evt="onPrev" delay="0">
+                  <p:tgtEl>
+                    <p:sldTgt/>
+                  </p:tgtEl>
+                </p:cond>
+              </p:prevCondLst>
+              <p:nextCondLst>
+                <p:cond evt="onNext" delay="0">
+                  <p:tgtEl>
+                    <p:sldTgt/>
+                  </p:tgtEl>
+                </p:cond>
+              </p:nextCondLst>
+            </p:seq>
+          </p:childTnLst>
+        </p:cTn>
       </p:par>
     </p:tnLst>
   </p:timing>
@@ -13377,7 +13546,7 @@
           <p:nvPr/>
         </p:nvPicPr>
         <p:blipFill>
-          <a:blip r:embed="rId3"/>
+          <a:blip r:embed="rId3" cstate="print"/>
           <a:srcRect/>
           <a:stretch>
             <a:fillRect/>
@@ -13453,8 +13622,8 @@
           <a:lstStyle/>
           <a:p>
             <a:r>
-              <a:rPr lang="en-US" smtClean="0"/>
-              <a:t>Attribute Properties – Affects</a:t>
+              <a:rPr lang="en-US" dirty="0" smtClean="0"/>
+              <a:t>Attribute-Affects Relationship</a:t>
             </a:r>
           </a:p>
         </p:txBody>
@@ -15846,810 +16015,6 @@
           <a:lstStyle/>
           <a:p>
             <a:r>
-              <a:rPr lang="en-US" dirty="0" err="1" smtClean="0"/>
-              <a:t>MFnNumericAttribute</a:t>
-            </a:r>
-            <a:endParaRPr lang="en-US" dirty="0"/>
-          </a:p>
-        </p:txBody>
-      </p:sp>
-      <p:sp>
-        <p:nvSpPr>
-          <p:cNvPr id="3" name="Content Placeholder 2"/>
-          <p:cNvSpPr>
-            <a:spLocks noGrp="1"/>
-          </p:cNvSpPr>
-          <p:nvPr>
-            <p:ph idx="1"/>
-          </p:nvPr>
-        </p:nvSpPr>
-        <p:spPr/>
-        <p:txBody>
-          <a:bodyPr/>
-          <a:lstStyle/>
-          <a:p>
-            <a:r>
-              <a:rPr lang="en-US" dirty="0" smtClean="0"/>
-              <a:t>How to use </a:t>
-            </a:r>
-            <a:r>
-              <a:rPr lang="en-US" dirty="0" err="1" smtClean="0"/>
-              <a:t>MFnNumericAttribute</a:t>
-            </a:r>
-            <a:r>
-              <a:rPr lang="en-US" dirty="0" smtClean="0"/>
-              <a:t> to create compound attribute?</a:t>
-            </a:r>
-            <a:endParaRPr lang="en-US" dirty="0"/>
-          </a:p>
-        </p:txBody>
-      </p:sp>
-      <p:sp>
-        <p:nvSpPr>
-          <p:cNvPr id="4" name="Content Placeholder 2"/>
-          <p:cNvSpPr txBox="1">
-            <a:spLocks/>
-          </p:cNvSpPr>
-          <p:nvPr/>
-        </p:nvSpPr>
-        <p:spPr bwMode="auto">
-          <a:xfrm>
-            <a:off x="685800" y="2514600"/>
-            <a:ext cx="7453312" cy="1600200"/>
-          </a:xfrm>
-          <a:prstGeom prst="rect">
-            <a:avLst/>
-          </a:prstGeom>
-          <a:noFill/>
-          <a:ln w="9525">
-            <a:noFill/>
-            <a:miter lim="800000"/>
-            <a:headEnd/>
-            <a:tailEnd/>
-          </a:ln>
-        </p:spPr>
-        <p:txBody>
-          <a:bodyPr vert="horz" wrap="square" lIns="0" tIns="0" rIns="0" bIns="0" numCol="1" anchor="t" anchorCtr="0" compatLnSpc="1">
-            <a:prstTxWarp prst="textNoShape">
-              <a:avLst/>
-            </a:prstTxWarp>
-          </a:bodyPr>
-          <a:lstStyle/>
-          <a:p>
-            <a:pPr marL="342900" marR="0" lvl="0" indent="-342900" algn="l" defTabSz="914400" rtl="0" eaLnBrk="0" fontAlgn="base" latinLnBrk="0" hangingPunct="0">
-              <a:lnSpc>
-                <a:spcPct val="100000"/>
-              </a:lnSpc>
-              <a:spcBef>
-                <a:spcPct val="15000"/>
-              </a:spcBef>
-              <a:spcAft>
-                <a:spcPct val="15000"/>
-              </a:spcAft>
-              <a:buClrTx/>
-              <a:buSzTx/>
-              <a:buFontTx/>
-              <a:buNone/>
-              <a:tabLst/>
-              <a:defRPr/>
-            </a:pPr>
-            <a:r>
-              <a:rPr lang="en-US" sz="1400" kern="0" dirty="0" err="1" smtClean="0">
-                <a:solidFill>
-                  <a:srgbClr val="FFFF00"/>
-                </a:solidFill>
-                <a:latin typeface="Calibri" pitchFamily="34" charset="0"/>
-                <a:cs typeface="Courier New" pitchFamily="49" charset="0"/>
-              </a:rPr>
-              <a:t>MFnNumericAttribute</a:t>
-            </a:r>
-            <a:r>
-              <a:rPr lang="en-US" sz="1400" kern="0" dirty="0" smtClean="0">
-                <a:solidFill>
-                  <a:srgbClr val="FFFF00"/>
-                </a:solidFill>
-                <a:latin typeface="Calibri" pitchFamily="34" charset="0"/>
-                <a:cs typeface="Courier New" pitchFamily="49" charset="0"/>
-              </a:rPr>
-              <a:t> </a:t>
-            </a:r>
-            <a:r>
-              <a:rPr lang="en-US" sz="1400" kern="0" dirty="0" err="1" smtClean="0">
-                <a:solidFill>
-                  <a:srgbClr val="FFFF00"/>
-                </a:solidFill>
-                <a:latin typeface="Calibri" pitchFamily="34" charset="0"/>
-                <a:cs typeface="Courier New" pitchFamily="49" charset="0"/>
-              </a:rPr>
-              <a:t>nAttr</a:t>
-            </a:r>
-            <a:r>
-              <a:rPr lang="en-US" sz="1400" kern="0" dirty="0" smtClean="0">
-                <a:solidFill>
-                  <a:srgbClr val="FFFF00"/>
-                </a:solidFill>
-                <a:latin typeface="Calibri" pitchFamily="34" charset="0"/>
-                <a:cs typeface="Courier New" pitchFamily="49" charset="0"/>
-              </a:rPr>
-              <a:t>, nAttr1, nAttr2, nAttr3;</a:t>
-            </a:r>
-          </a:p>
-          <a:p>
-            <a:r>
-              <a:rPr lang="en-US" sz="1400" dirty="0" err="1" smtClean="0">
-                <a:solidFill>
-                  <a:srgbClr val="FFFF00"/>
-                </a:solidFill>
-                <a:latin typeface="Calibri" pitchFamily="34" charset="0"/>
-              </a:rPr>
-              <a:t>inputTranslateX</a:t>
-            </a:r>
-            <a:r>
-              <a:rPr lang="en-US" sz="1400" dirty="0" smtClean="0">
-                <a:solidFill>
-                  <a:srgbClr val="FFFF00"/>
-                </a:solidFill>
-                <a:latin typeface="Calibri" pitchFamily="34" charset="0"/>
-              </a:rPr>
-              <a:t> = nAttr1.create( "</a:t>
-            </a:r>
-            <a:r>
-              <a:rPr lang="en-US" sz="1400" dirty="0" err="1" smtClean="0">
-                <a:solidFill>
-                  <a:srgbClr val="FFFF00"/>
-                </a:solidFill>
-                <a:latin typeface="Calibri" pitchFamily="34" charset="0"/>
-              </a:rPr>
-              <a:t>inputTranslateX</a:t>
-            </a:r>
-            <a:r>
-              <a:rPr lang="en-US" sz="1400" dirty="0" smtClean="0">
-                <a:solidFill>
-                  <a:srgbClr val="FFFF00"/>
-                </a:solidFill>
-                <a:latin typeface="Calibri" pitchFamily="34" charset="0"/>
-              </a:rPr>
-              <a:t>", "</a:t>
-            </a:r>
-            <a:r>
-              <a:rPr lang="en-US" sz="1400" dirty="0" err="1" smtClean="0">
-                <a:solidFill>
-                  <a:srgbClr val="FFFF00"/>
-                </a:solidFill>
-                <a:latin typeface="Calibri" pitchFamily="34" charset="0"/>
-              </a:rPr>
-              <a:t>itX</a:t>
-            </a:r>
-            <a:r>
-              <a:rPr lang="en-US" sz="1400" dirty="0" smtClean="0">
-                <a:solidFill>
-                  <a:srgbClr val="FFFF00"/>
-                </a:solidFill>
-                <a:latin typeface="Calibri" pitchFamily="34" charset="0"/>
-              </a:rPr>
-              <a:t>“, </a:t>
-            </a:r>
-            <a:r>
-              <a:rPr lang="en-US" sz="1400" dirty="0" err="1" smtClean="0">
-                <a:solidFill>
-                  <a:srgbClr val="FFFF00"/>
-                </a:solidFill>
-                <a:latin typeface="Calibri" pitchFamily="34" charset="0"/>
-              </a:rPr>
-              <a:t>MFnNumericData</a:t>
-            </a:r>
-            <a:r>
-              <a:rPr lang="en-US" sz="1400" dirty="0" smtClean="0">
-                <a:solidFill>
-                  <a:srgbClr val="FFFF00"/>
-                </a:solidFill>
-                <a:latin typeface="Calibri" pitchFamily="34" charset="0"/>
-              </a:rPr>
-              <a:t>::</a:t>
-            </a:r>
-            <a:r>
-              <a:rPr lang="en-US" sz="1400" dirty="0" err="1" smtClean="0">
-                <a:solidFill>
-                  <a:srgbClr val="FFFF00"/>
-                </a:solidFill>
-                <a:latin typeface="Calibri" pitchFamily="34" charset="0"/>
-              </a:rPr>
-              <a:t>kDouble</a:t>
-            </a:r>
-            <a:r>
-              <a:rPr lang="en-US" sz="1400" dirty="0" smtClean="0">
-                <a:solidFill>
-                  <a:srgbClr val="FFFF00"/>
-                </a:solidFill>
-                <a:latin typeface="Calibri" pitchFamily="34" charset="0"/>
-              </a:rPr>
-              <a:t>, 0.0 );</a:t>
-            </a:r>
-          </a:p>
-          <a:p>
-            <a:r>
-              <a:rPr lang="en-US" sz="1400" dirty="0" smtClean="0">
-                <a:solidFill>
-                  <a:srgbClr val="FFFF00"/>
-                </a:solidFill>
-                <a:latin typeface="Calibri" pitchFamily="34" charset="0"/>
-              </a:rPr>
-              <a:t>nAttr1.setStorable(true);</a:t>
-            </a:r>
-          </a:p>
-          <a:p>
-            <a:r>
-              <a:rPr lang="en-US" sz="1400" dirty="0" err="1" smtClean="0">
-                <a:solidFill>
-                  <a:srgbClr val="FFFF00"/>
-                </a:solidFill>
-                <a:latin typeface="Calibri" pitchFamily="34" charset="0"/>
-              </a:rPr>
-              <a:t>inputTranslateY</a:t>
-            </a:r>
-            <a:r>
-              <a:rPr lang="en-US" sz="1400" dirty="0" smtClean="0">
-                <a:solidFill>
-                  <a:srgbClr val="FFFF00"/>
-                </a:solidFill>
-                <a:latin typeface="Calibri" pitchFamily="34" charset="0"/>
-              </a:rPr>
-              <a:t> = nAttr2.create( "</a:t>
-            </a:r>
-            <a:r>
-              <a:rPr lang="en-US" sz="1400" dirty="0" err="1" smtClean="0">
-                <a:solidFill>
-                  <a:srgbClr val="FFFF00"/>
-                </a:solidFill>
-                <a:latin typeface="Calibri" pitchFamily="34" charset="0"/>
-              </a:rPr>
-              <a:t>inputTranslateY</a:t>
-            </a:r>
-            <a:r>
-              <a:rPr lang="en-US" sz="1400" dirty="0" smtClean="0">
-                <a:solidFill>
-                  <a:srgbClr val="FFFF00"/>
-                </a:solidFill>
-                <a:latin typeface="Calibri" pitchFamily="34" charset="0"/>
-              </a:rPr>
-              <a:t>", "</a:t>
-            </a:r>
-            <a:r>
-              <a:rPr lang="en-US" sz="1400" dirty="0" err="1" smtClean="0">
-                <a:solidFill>
-                  <a:srgbClr val="FFFF00"/>
-                </a:solidFill>
-                <a:latin typeface="Calibri" pitchFamily="34" charset="0"/>
-              </a:rPr>
-              <a:t>itY</a:t>
-            </a:r>
-            <a:r>
-              <a:rPr lang="en-US" sz="1400" dirty="0" smtClean="0">
-                <a:solidFill>
-                  <a:srgbClr val="FFFF00"/>
-                </a:solidFill>
-                <a:latin typeface="Calibri" pitchFamily="34" charset="0"/>
-              </a:rPr>
-              <a:t>", </a:t>
-            </a:r>
-            <a:r>
-              <a:rPr lang="en-US" sz="1400" dirty="0" err="1" smtClean="0">
-                <a:solidFill>
-                  <a:srgbClr val="FFFF00"/>
-                </a:solidFill>
-                <a:latin typeface="Calibri" pitchFamily="34" charset="0"/>
-              </a:rPr>
-              <a:t>MFnNumericData</a:t>
-            </a:r>
-            <a:r>
-              <a:rPr lang="en-US" sz="1400" dirty="0" smtClean="0">
-                <a:solidFill>
-                  <a:srgbClr val="FFFF00"/>
-                </a:solidFill>
-                <a:latin typeface="Calibri" pitchFamily="34" charset="0"/>
-              </a:rPr>
-              <a:t>::</a:t>
-            </a:r>
-            <a:r>
-              <a:rPr lang="en-US" sz="1400" dirty="0" err="1" smtClean="0">
-                <a:solidFill>
-                  <a:srgbClr val="FFFF00"/>
-                </a:solidFill>
-                <a:latin typeface="Calibri" pitchFamily="34" charset="0"/>
-              </a:rPr>
-              <a:t>kDouble</a:t>
-            </a:r>
-            <a:r>
-              <a:rPr lang="en-US" sz="1400" dirty="0" smtClean="0">
-                <a:solidFill>
-                  <a:srgbClr val="FFFF00"/>
-                </a:solidFill>
-                <a:latin typeface="Calibri" pitchFamily="34" charset="0"/>
-              </a:rPr>
-              <a:t>, 0.0 );</a:t>
-            </a:r>
-          </a:p>
-          <a:p>
-            <a:r>
-              <a:rPr lang="en-US" sz="1400" dirty="0" smtClean="0">
-                <a:solidFill>
-                  <a:srgbClr val="FFFF00"/>
-                </a:solidFill>
-                <a:latin typeface="Calibri" pitchFamily="34" charset="0"/>
-              </a:rPr>
-              <a:t>nAttr2.setStorable(true);</a:t>
-            </a:r>
-          </a:p>
-          <a:p>
-            <a:r>
-              <a:rPr lang="en-US" sz="1400" dirty="0" err="1" smtClean="0">
-                <a:solidFill>
-                  <a:srgbClr val="FFFF00"/>
-                </a:solidFill>
-                <a:latin typeface="Calibri" pitchFamily="34" charset="0"/>
-              </a:rPr>
-              <a:t>inputTranslateZ</a:t>
-            </a:r>
-            <a:r>
-              <a:rPr lang="en-US" sz="1400" dirty="0" smtClean="0">
-                <a:solidFill>
-                  <a:srgbClr val="FFFF00"/>
-                </a:solidFill>
-                <a:latin typeface="Calibri" pitchFamily="34" charset="0"/>
-              </a:rPr>
-              <a:t> = nAttr3.create( "</a:t>
-            </a:r>
-            <a:r>
-              <a:rPr lang="en-US" sz="1400" dirty="0" err="1" smtClean="0">
-                <a:solidFill>
-                  <a:srgbClr val="FFFF00"/>
-                </a:solidFill>
-                <a:latin typeface="Calibri" pitchFamily="34" charset="0"/>
-              </a:rPr>
-              <a:t>inputTranslateZ</a:t>
-            </a:r>
-            <a:r>
-              <a:rPr lang="en-US" sz="1400" dirty="0" smtClean="0">
-                <a:solidFill>
-                  <a:srgbClr val="FFFF00"/>
-                </a:solidFill>
-                <a:latin typeface="Calibri" pitchFamily="34" charset="0"/>
-              </a:rPr>
-              <a:t>", "</a:t>
-            </a:r>
-            <a:r>
-              <a:rPr lang="en-US" sz="1400" dirty="0" err="1" smtClean="0">
-                <a:solidFill>
-                  <a:srgbClr val="FFFF00"/>
-                </a:solidFill>
-                <a:latin typeface="Calibri" pitchFamily="34" charset="0"/>
-              </a:rPr>
-              <a:t>itZ</a:t>
-            </a:r>
-            <a:r>
-              <a:rPr lang="en-US" sz="1400" dirty="0" smtClean="0">
-                <a:solidFill>
-                  <a:srgbClr val="FFFF00"/>
-                </a:solidFill>
-                <a:latin typeface="Calibri" pitchFamily="34" charset="0"/>
-              </a:rPr>
-              <a:t>", </a:t>
-            </a:r>
-            <a:r>
-              <a:rPr lang="en-US" sz="1400" dirty="0" err="1" smtClean="0">
-                <a:solidFill>
-                  <a:srgbClr val="FFFF00"/>
-                </a:solidFill>
-                <a:latin typeface="Calibri" pitchFamily="34" charset="0"/>
-              </a:rPr>
-              <a:t>MFnNumericData</a:t>
-            </a:r>
-            <a:r>
-              <a:rPr lang="en-US" sz="1400" dirty="0" smtClean="0">
-                <a:solidFill>
-                  <a:srgbClr val="FFFF00"/>
-                </a:solidFill>
-                <a:latin typeface="Calibri" pitchFamily="34" charset="0"/>
-              </a:rPr>
-              <a:t>::</a:t>
-            </a:r>
-            <a:r>
-              <a:rPr lang="en-US" sz="1400" dirty="0" err="1" smtClean="0">
-                <a:solidFill>
-                  <a:srgbClr val="FFFF00"/>
-                </a:solidFill>
-                <a:latin typeface="Calibri" pitchFamily="34" charset="0"/>
-              </a:rPr>
-              <a:t>kDouble</a:t>
-            </a:r>
-            <a:r>
-              <a:rPr lang="en-US" sz="1400" dirty="0" smtClean="0">
-                <a:solidFill>
-                  <a:srgbClr val="FFFF00"/>
-                </a:solidFill>
-                <a:latin typeface="Calibri" pitchFamily="34" charset="0"/>
-              </a:rPr>
-              <a:t>, 0.0 );</a:t>
-            </a:r>
-          </a:p>
-          <a:p>
-            <a:r>
-              <a:rPr lang="en-US" sz="1400" dirty="0" smtClean="0">
-                <a:solidFill>
-                  <a:srgbClr val="FFFF00"/>
-                </a:solidFill>
-                <a:latin typeface="Calibri" pitchFamily="34" charset="0"/>
-              </a:rPr>
-              <a:t>nAttr3.setStorable(true);</a:t>
-            </a:r>
-          </a:p>
-          <a:p>
-            <a:endParaRPr lang="en-US" sz="1400" dirty="0" smtClean="0">
-              <a:solidFill>
-                <a:srgbClr val="FFFF00"/>
-              </a:solidFill>
-              <a:latin typeface="Calibri" pitchFamily="34" charset="0"/>
-            </a:endParaRPr>
-          </a:p>
-          <a:p>
-            <a:pPr marL="342900" marR="0" lvl="0" indent="-342900" algn="l" defTabSz="914400" rtl="0" eaLnBrk="0" fontAlgn="base" latinLnBrk="0" hangingPunct="0">
-              <a:lnSpc>
-                <a:spcPct val="100000"/>
-              </a:lnSpc>
-              <a:spcBef>
-                <a:spcPct val="15000"/>
-              </a:spcBef>
-              <a:spcAft>
-                <a:spcPct val="15000"/>
-              </a:spcAft>
-              <a:buClrTx/>
-              <a:buSzTx/>
-              <a:buFontTx/>
-              <a:buNone/>
-              <a:tabLst/>
-              <a:defRPr/>
-            </a:pPr>
-            <a:endParaRPr kumimoji="0" lang="en-US" sz="1400" b="0" i="0" u="none" strike="noStrike" kern="0" cap="none" spc="0" normalizeH="0" baseline="0" noProof="0" dirty="0" smtClean="0">
-              <a:ln>
-                <a:noFill/>
-              </a:ln>
-              <a:solidFill>
-                <a:srgbClr val="FFFF00"/>
-              </a:solidFill>
-              <a:effectLst/>
-              <a:uLnTx/>
-              <a:uFillTx/>
-              <a:latin typeface="Courier New" pitchFamily="49" charset="0"/>
-              <a:ea typeface="+mn-ea"/>
-              <a:cs typeface="Courier New" pitchFamily="49" charset="0"/>
-            </a:endParaRPr>
-          </a:p>
-        </p:txBody>
-      </p:sp>
-      <p:sp>
-        <p:nvSpPr>
-          <p:cNvPr id="5" name="TextBox 4"/>
-          <p:cNvSpPr txBox="1"/>
-          <p:nvPr/>
-        </p:nvSpPr>
-        <p:spPr>
-          <a:xfrm>
-            <a:off x="609600" y="4186534"/>
-            <a:ext cx="7772400" cy="307777"/>
-          </a:xfrm>
-          <a:prstGeom prst="rect">
-            <a:avLst/>
-          </a:prstGeom>
-          <a:noFill/>
-        </p:spPr>
-        <p:txBody>
-          <a:bodyPr wrap="square" rtlCol="0">
-            <a:spAutoFit/>
-          </a:bodyPr>
-          <a:lstStyle/>
-          <a:p>
-            <a:r>
-              <a:rPr lang="en-US" sz="1400" dirty="0" err="1" smtClean="0">
-                <a:solidFill>
-                  <a:srgbClr val="FFFF00"/>
-                </a:solidFill>
-                <a:latin typeface="Calibri" pitchFamily="34" charset="0"/>
-              </a:rPr>
-              <a:t>inputTranslate</a:t>
-            </a:r>
-            <a:r>
-              <a:rPr lang="en-US" sz="1400" dirty="0" smtClean="0">
-                <a:solidFill>
-                  <a:srgbClr val="FFFF00"/>
-                </a:solidFill>
-                <a:latin typeface="Calibri" pitchFamily="34" charset="0"/>
-              </a:rPr>
-              <a:t> = </a:t>
-            </a:r>
-            <a:r>
-              <a:rPr lang="en-US" sz="1400" dirty="0" err="1" smtClean="0">
-                <a:solidFill>
-                  <a:srgbClr val="FFFF00"/>
-                </a:solidFill>
-                <a:latin typeface="Calibri" pitchFamily="34" charset="0"/>
-              </a:rPr>
-              <a:t>nAttr.create</a:t>
-            </a:r>
-            <a:r>
-              <a:rPr lang="en-US" sz="1400" dirty="0" smtClean="0">
-                <a:solidFill>
-                  <a:srgbClr val="FFFF00"/>
-                </a:solidFill>
-                <a:latin typeface="Calibri" pitchFamily="34" charset="0"/>
-              </a:rPr>
-              <a:t>( "</a:t>
-            </a:r>
-            <a:r>
-              <a:rPr lang="en-US" sz="1400" dirty="0" err="1" smtClean="0">
-                <a:solidFill>
-                  <a:srgbClr val="FFFF00"/>
-                </a:solidFill>
-                <a:latin typeface="Calibri" pitchFamily="34" charset="0"/>
-              </a:rPr>
-              <a:t>inputTranslate</a:t>
-            </a:r>
-            <a:r>
-              <a:rPr lang="en-US" sz="1400" dirty="0" smtClean="0">
-                <a:solidFill>
-                  <a:srgbClr val="FFFF00"/>
-                </a:solidFill>
-                <a:latin typeface="Calibri" pitchFamily="34" charset="0"/>
-              </a:rPr>
-              <a:t>", "it", </a:t>
-            </a:r>
-            <a:r>
-              <a:rPr lang="en-US" sz="1400" dirty="0" err="1" smtClean="0">
-                <a:solidFill>
-                  <a:srgbClr val="FFFF00"/>
-                </a:solidFill>
-                <a:latin typeface="Calibri" pitchFamily="34" charset="0"/>
-              </a:rPr>
-              <a:t>inputTranslateX</a:t>
-            </a:r>
-            <a:r>
-              <a:rPr lang="en-US" sz="1400" dirty="0" smtClean="0">
-                <a:solidFill>
-                  <a:srgbClr val="FFFF00"/>
-                </a:solidFill>
-                <a:latin typeface="Calibri" pitchFamily="34" charset="0"/>
-              </a:rPr>
-              <a:t>, </a:t>
-            </a:r>
-            <a:r>
-              <a:rPr lang="en-US" sz="1400" dirty="0" err="1" smtClean="0">
-                <a:solidFill>
-                  <a:srgbClr val="FFFF00"/>
-                </a:solidFill>
-                <a:latin typeface="Calibri" pitchFamily="34" charset="0"/>
-              </a:rPr>
-              <a:t>inputTranslateY</a:t>
-            </a:r>
-            <a:r>
-              <a:rPr lang="en-US" sz="1400" dirty="0" smtClean="0">
-                <a:solidFill>
-                  <a:srgbClr val="FFFF00"/>
-                </a:solidFill>
-                <a:latin typeface="Calibri" pitchFamily="34" charset="0"/>
-              </a:rPr>
-              <a:t>, </a:t>
-            </a:r>
-            <a:r>
-              <a:rPr lang="en-US" sz="1400" dirty="0" err="1" smtClean="0">
-                <a:solidFill>
-                  <a:srgbClr val="FFFF00"/>
-                </a:solidFill>
-                <a:latin typeface="Calibri" pitchFamily="34" charset="0"/>
-              </a:rPr>
-              <a:t>inputTranslateZ</a:t>
-            </a:r>
-            <a:r>
-              <a:rPr lang="en-US" sz="1400" dirty="0" smtClean="0">
-                <a:solidFill>
-                  <a:srgbClr val="FFFF00"/>
-                </a:solidFill>
-                <a:latin typeface="Calibri" pitchFamily="34" charset="0"/>
-              </a:rPr>
-              <a:t> );</a:t>
-            </a:r>
-            <a:endParaRPr lang="en-US" sz="1400" kern="0" dirty="0" smtClean="0">
-              <a:solidFill>
-                <a:srgbClr val="FFFF00"/>
-              </a:solidFill>
-              <a:latin typeface="Calibri" pitchFamily="34" charset="0"/>
-              <a:cs typeface="Courier New" pitchFamily="49" charset="0"/>
-            </a:endParaRPr>
-          </a:p>
-        </p:txBody>
-      </p:sp>
-    </p:spTree>
-  </p:cSld>
-  <p:clrMapOvr>
-    <a:masterClrMapping/>
-  </p:clrMapOvr>
-  <p:transition spd="med">
-    <p:fade/>
-  </p:transition>
-  <p:timing>
-    <p:tnLst>
-      <p:par>
-        <p:cTn id="1" dur="indefinite" restart="never" nodeType="tmRoot">
-          <p:childTnLst>
-            <p:seq concurrent="1" nextAc="seek">
-              <p:cTn id="2" dur="indefinite" nodeType="mainSeq">
-                <p:childTnLst>
-                  <p:par>
-                    <p:cTn id="3" fill="hold">
-                      <p:stCondLst>
-                        <p:cond delay="indefinite"/>
-                      </p:stCondLst>
-                      <p:childTnLst>
-                        <p:par>
-                          <p:cTn id="4" fill="hold">
-                            <p:stCondLst>
-                              <p:cond delay="0"/>
-                            </p:stCondLst>
-                            <p:childTnLst>
-                              <p:par>
-                                <p:cTn id="5" presetID="3" presetClass="entr" presetSubtype="10" fill="hold" grpId="0" nodeType="clickEffect">
-                                  <p:stCondLst>
-                                    <p:cond delay="0"/>
-                                  </p:stCondLst>
-                                  <p:childTnLst>
-                                    <p:set>
-                                      <p:cBhvr>
-                                        <p:cTn id="6" dur="1" fill="hold">
-                                          <p:stCondLst>
-                                            <p:cond delay="0"/>
-                                          </p:stCondLst>
-                                        </p:cTn>
-                                        <p:tgtEl>
-                                          <p:spTgt spid="4"/>
-                                        </p:tgtEl>
-                                        <p:attrNameLst>
-                                          <p:attrName>style.visibility</p:attrName>
-                                        </p:attrNameLst>
-                                      </p:cBhvr>
-                                      <p:to>
-                                        <p:strVal val="visible"/>
-                                      </p:to>
-                                    </p:set>
-                                    <p:animEffect transition="in" filter="blinds(horizontal)">
-                                      <p:cBhvr>
-                                        <p:cTn id="7" dur="500"/>
-                                        <p:tgtEl>
-                                          <p:spTgt spid="4"/>
-                                        </p:tgtEl>
-                                      </p:cBhvr>
-                                    </p:animEffect>
-                                  </p:childTnLst>
-                                </p:cTn>
-                              </p:par>
-                            </p:childTnLst>
-                          </p:cTn>
-                        </p:par>
-                      </p:childTnLst>
-                    </p:cTn>
-                  </p:par>
-                  <p:par>
-                    <p:cTn id="8" fill="hold">
-                      <p:stCondLst>
-                        <p:cond delay="indefinite"/>
-                      </p:stCondLst>
-                      <p:childTnLst>
-                        <p:par>
-                          <p:cTn id="9" fill="hold">
-                            <p:stCondLst>
-                              <p:cond delay="0"/>
-                            </p:stCondLst>
-                            <p:childTnLst>
-                              <p:par>
-                                <p:cTn id="10" presetID="3" presetClass="entr" presetSubtype="10" fill="hold" grpId="0" nodeType="clickEffect">
-                                  <p:stCondLst>
-                                    <p:cond delay="0"/>
-                                  </p:stCondLst>
-                                  <p:childTnLst>
-                                    <p:set>
-                                      <p:cBhvr>
-                                        <p:cTn id="11" dur="1" fill="hold">
-                                          <p:stCondLst>
-                                            <p:cond delay="0"/>
-                                          </p:stCondLst>
-                                        </p:cTn>
-                                        <p:tgtEl>
-                                          <p:spTgt spid="5"/>
-                                        </p:tgtEl>
-                                        <p:attrNameLst>
-                                          <p:attrName>style.visibility</p:attrName>
-                                        </p:attrNameLst>
-                                      </p:cBhvr>
-                                      <p:to>
-                                        <p:strVal val="visible"/>
-                                      </p:to>
-                                    </p:set>
-                                    <p:animEffect transition="in" filter="blinds(horizontal)">
-                                      <p:cBhvr>
-                                        <p:cTn id="12" dur="500"/>
-                                        <p:tgtEl>
-                                          <p:spTgt spid="5"/>
-                                        </p:tgtEl>
-                                      </p:cBhvr>
-                                    </p:animEffect>
-                                  </p:childTnLst>
-                                </p:cTn>
-                              </p:par>
-                            </p:childTnLst>
-                          </p:cTn>
-                        </p:par>
-                      </p:childTnLst>
-                    </p:cTn>
-                  </p:par>
-                </p:childTnLst>
-              </p:cTn>
-              <p:prevCondLst>
-                <p:cond evt="onPrev" delay="0">
-                  <p:tgtEl>
-                    <p:sldTgt/>
-                  </p:tgtEl>
-                </p:cond>
-              </p:prevCondLst>
-              <p:nextCondLst>
-                <p:cond evt="onNext" delay="0">
-                  <p:tgtEl>
-                    <p:sldTgt/>
-                  </p:tgtEl>
-                </p:cond>
-              </p:nextCondLst>
-            </p:seq>
-          </p:childTnLst>
-        </p:cTn>
-      </p:par>
-    </p:tnLst>
-    <p:bldLst>
-      <p:bldP spid="4" grpId="0"/>
-      <p:bldP spid="5" grpId="0"/>
-    </p:bldLst>
-  </p:timing>
-</p:sld>
-</file>
-
-<file path=ppt/slides/slide26.xml><?xml version="1.0" encoding="utf-8"?>
-<p:sld xmlns:a="http://schemas.openxmlformats.org/drawingml/2006/main" xmlns:r="http://schemas.openxmlformats.org/officeDocument/2006/relationships" xmlns:p="http://schemas.openxmlformats.org/presentationml/2006/main">
-  <p:cSld>
-    <p:spTree>
-      <p:nvGrpSpPr>
-        <p:cNvPr id="1" name=""/>
-        <p:cNvGrpSpPr/>
-        <p:nvPr/>
-      </p:nvGrpSpPr>
-      <p:grpSpPr>
-        <a:xfrm>
-          <a:off x="0" y="0"/>
-          <a:ext cx="0" cy="0"/>
-          <a:chOff x="0" y="0"/>
-          <a:chExt cx="0" cy="0"/>
-        </a:xfrm>
-      </p:grpSpPr>
-      <p:sp>
-        <p:nvSpPr>
-          <p:cNvPr id="2" name="Title 1"/>
-          <p:cNvSpPr>
-            <a:spLocks noGrp="1"/>
-          </p:cNvSpPr>
-          <p:nvPr>
-            <p:ph type="title"/>
-          </p:nvPr>
-        </p:nvSpPr>
-        <p:spPr/>
-        <p:txBody>
-          <a:bodyPr/>
-          <a:lstStyle/>
-          <a:p>
-            <a:r>
               <a:rPr lang="en-US" dirty="0" smtClean="0"/>
               <a:t>Plugs</a:t>
             </a:r>
@@ -17094,7 +16459,7 @@
 </p:sld>
 </file>
 
-<file path=ppt/slides/slide27.xml><?xml version="1.0" encoding="utf-8"?>
+<file path=ppt/slides/slide26.xml><?xml version="1.0" encoding="utf-8"?>
 <p:sld xmlns:a="http://schemas.openxmlformats.org/drawingml/2006/main" xmlns:r="http://schemas.openxmlformats.org/officeDocument/2006/relationships" xmlns:p="http://schemas.openxmlformats.org/presentationml/2006/main">
   <p:cSld>
     <p:spTree>
@@ -17729,13 +17094,175 @@
               </a:spcBef>
             </a:pPr>
             <a:r>
-              <a:rPr lang="en-US">
+              <a:rPr lang="en-US" dirty="0">
                 <a:solidFill>
                   <a:schemeClr val="bg1"/>
                 </a:solidFill>
               </a:rPr>
-              <a:t>myPlug2(myNode2, myAttr)</a:t>
-            </a:r>
+              <a:t>myPlug2(myNode2, </a:t>
+            </a:r>
+            <a:r>
+              <a:rPr lang="en-US" dirty="0" err="1">
+                <a:solidFill>
+                  <a:schemeClr val="bg1"/>
+                </a:solidFill>
+              </a:rPr>
+              <a:t>myAttr</a:t>
+            </a:r>
+            <a:r>
+              <a:rPr lang="en-US" dirty="0">
+                <a:solidFill>
+                  <a:schemeClr val="bg1"/>
+                </a:solidFill>
+              </a:rPr>
+              <a:t>)</a:t>
+            </a:r>
+          </a:p>
+        </p:txBody>
+      </p:sp>
+    </p:spTree>
+  </p:cSld>
+  <p:clrMapOvr>
+    <a:masterClrMapping/>
+  </p:clrMapOvr>
+  <p:transition spd="med">
+    <p:fade/>
+  </p:transition>
+  <p:timing>
+    <p:tnLst>
+      <p:par>
+        <p:cTn id="1" dur="indefinite" restart="never" nodeType="tmRoot"/>
+      </p:par>
+    </p:tnLst>
+  </p:timing>
+</p:sld>
+</file>
+
+<file path=ppt/slides/slide27.xml><?xml version="1.0" encoding="utf-8"?>
+<p:sld xmlns:a="http://schemas.openxmlformats.org/drawingml/2006/main" xmlns:r="http://schemas.openxmlformats.org/officeDocument/2006/relationships" xmlns:p="http://schemas.openxmlformats.org/presentationml/2006/main">
+  <p:cSld>
+    <p:spTree>
+      <p:nvGrpSpPr>
+        <p:cNvPr id="1" name=""/>
+        <p:cNvGrpSpPr/>
+        <p:nvPr/>
+      </p:nvGrpSpPr>
+      <p:grpSpPr>
+        <a:xfrm>
+          <a:off x="0" y="0"/>
+          <a:ext cx="0" cy="0"/>
+          <a:chOff x="0" y="0"/>
+          <a:chExt cx="0" cy="0"/>
+        </a:xfrm>
+      </p:grpSpPr>
+      <p:sp>
+        <p:nvSpPr>
+          <p:cNvPr id="26626" name="Title 1"/>
+          <p:cNvSpPr>
+            <a:spLocks noGrp="1"/>
+          </p:cNvSpPr>
+          <p:nvPr>
+            <p:ph type="title"/>
+          </p:nvPr>
+        </p:nvSpPr>
+        <p:spPr/>
+        <p:txBody>
+          <a:bodyPr/>
+          <a:lstStyle/>
+          <a:p>
+            <a:r>
+              <a:rPr lang="en-US" smtClean="0"/>
+              <a:t>Plugs</a:t>
+            </a:r>
+          </a:p>
+        </p:txBody>
+      </p:sp>
+      <p:sp>
+        <p:nvSpPr>
+          <p:cNvPr id="26627" name="Content Placeholder 2"/>
+          <p:cNvSpPr>
+            <a:spLocks noGrp="1"/>
+          </p:cNvSpPr>
+          <p:nvPr>
+            <p:ph idx="1"/>
+          </p:nvPr>
+        </p:nvSpPr>
+        <p:spPr/>
+        <p:txBody>
+          <a:bodyPr/>
+          <a:lstStyle/>
+          <a:p>
+            <a:r>
+              <a:rPr lang="en-US" dirty="0" smtClean="0"/>
+              <a:t> Plugs can be used to:</a:t>
+            </a:r>
+          </a:p>
+          <a:p>
+            <a:pPr lvl="2">
+              <a:buSzPct val="100000"/>
+              <a:buFont typeface="Arial" pitchFamily="34" charset="0"/>
+              <a:buChar char="•"/>
+            </a:pPr>
+            <a:r>
+              <a:rPr lang="en-US" dirty="0" smtClean="0"/>
+              <a:t>query a value</a:t>
+            </a:r>
+          </a:p>
+          <a:p>
+            <a:pPr lvl="2">
+              <a:buSzPct val="100000"/>
+              <a:buFont typeface="Arial" pitchFamily="34" charset="0"/>
+              <a:buChar char="•"/>
+            </a:pPr>
+            <a:r>
+              <a:rPr lang="en-US" dirty="0" smtClean="0"/>
+              <a:t>set a value</a:t>
+            </a:r>
+          </a:p>
+          <a:p>
+            <a:pPr lvl="2">
+              <a:buSzPct val="100000"/>
+              <a:buFont typeface="Arial" pitchFamily="34" charset="0"/>
+              <a:buChar char="•"/>
+            </a:pPr>
+            <a:r>
+              <a:rPr lang="en-US" dirty="0" smtClean="0"/>
+              <a:t>create a connection</a:t>
+            </a:r>
+          </a:p>
+          <a:p>
+            <a:pPr lvl="2">
+              <a:buSzPct val="100000"/>
+              <a:buFont typeface="Arial" pitchFamily="34" charset="0"/>
+              <a:buChar char="•"/>
+            </a:pPr>
+            <a:r>
+              <a:rPr lang="en-US" dirty="0" smtClean="0"/>
+              <a:t>remove a connection</a:t>
+            </a:r>
+          </a:p>
+          <a:p>
+            <a:pPr lvl="2">
+              <a:buSzPct val="100000"/>
+              <a:buFont typeface="Arial" pitchFamily="34" charset="0"/>
+              <a:buChar char="•"/>
+            </a:pPr>
+            <a:r>
+              <a:rPr lang="en-US" dirty="0" smtClean="0"/>
+              <a:t>query connection(s)</a:t>
+            </a:r>
+          </a:p>
+          <a:p>
+            <a:endParaRPr lang="en-US" dirty="0" smtClean="0"/>
+          </a:p>
+          <a:p>
+            <a:r>
+              <a:rPr lang="en-US" dirty="0" smtClean="0"/>
+              <a:t> Does not store attribute data</a:t>
+            </a:r>
+          </a:p>
+          <a:p>
+            <a:endParaRPr lang="en-US" dirty="0" smtClean="0"/>
           </a:p>
         </p:txBody>
       </p:sp>
@@ -17758,152 +17285,6 @@
 </file>
 
 <file path=ppt/slides/slide28.xml><?xml version="1.0" encoding="utf-8"?>
-<p:sld xmlns:a="http://schemas.openxmlformats.org/drawingml/2006/main" xmlns:r="http://schemas.openxmlformats.org/officeDocument/2006/relationships" xmlns:p="http://schemas.openxmlformats.org/presentationml/2006/main">
-  <p:cSld>
-    <p:spTree>
-      <p:nvGrpSpPr>
-        <p:cNvPr id="1" name=""/>
-        <p:cNvGrpSpPr/>
-        <p:nvPr/>
-      </p:nvGrpSpPr>
-      <p:grpSpPr>
-        <a:xfrm>
-          <a:off x="0" y="0"/>
-          <a:ext cx="0" cy="0"/>
-          <a:chOff x="0" y="0"/>
-          <a:chExt cx="0" cy="0"/>
-        </a:xfrm>
-      </p:grpSpPr>
-      <p:sp>
-        <p:nvSpPr>
-          <p:cNvPr id="26626" name="Title 1"/>
-          <p:cNvSpPr>
-            <a:spLocks noGrp="1"/>
-          </p:cNvSpPr>
-          <p:nvPr>
-            <p:ph type="title"/>
-          </p:nvPr>
-        </p:nvSpPr>
-        <p:spPr/>
-        <p:txBody>
-          <a:bodyPr/>
-          <a:lstStyle/>
-          <a:p>
-            <a:r>
-              <a:rPr lang="en-US" smtClean="0"/>
-              <a:t>Plugs</a:t>
-            </a:r>
-          </a:p>
-        </p:txBody>
-      </p:sp>
-      <p:sp>
-        <p:nvSpPr>
-          <p:cNvPr id="26627" name="Content Placeholder 2"/>
-          <p:cNvSpPr>
-            <a:spLocks noGrp="1"/>
-          </p:cNvSpPr>
-          <p:nvPr>
-            <p:ph idx="1"/>
-          </p:nvPr>
-        </p:nvSpPr>
-        <p:spPr/>
-        <p:txBody>
-          <a:bodyPr/>
-          <a:lstStyle/>
-          <a:p>
-            <a:r>
-              <a:rPr lang="en-US" dirty="0" smtClean="0"/>
-              <a:t> Plugs can be used to:</a:t>
-            </a:r>
-          </a:p>
-          <a:p>
-            <a:pPr lvl="2">
-              <a:buSzPct val="100000"/>
-              <a:buFont typeface="Arial" pitchFamily="34" charset="0"/>
-              <a:buChar char="•"/>
-            </a:pPr>
-            <a:r>
-              <a:rPr lang="en-US" dirty="0" smtClean="0"/>
-              <a:t>query a value</a:t>
-            </a:r>
-          </a:p>
-          <a:p>
-            <a:pPr lvl="2">
-              <a:buSzPct val="100000"/>
-              <a:buFont typeface="Arial" pitchFamily="34" charset="0"/>
-              <a:buChar char="•"/>
-            </a:pPr>
-            <a:r>
-              <a:rPr lang="en-US" dirty="0" smtClean="0"/>
-              <a:t>set a value</a:t>
-            </a:r>
-          </a:p>
-          <a:p>
-            <a:pPr lvl="2">
-              <a:buSzPct val="100000"/>
-              <a:buFont typeface="Arial" pitchFamily="34" charset="0"/>
-              <a:buChar char="•"/>
-            </a:pPr>
-            <a:r>
-              <a:rPr lang="en-US" dirty="0" smtClean="0"/>
-              <a:t>create a connection</a:t>
-            </a:r>
-          </a:p>
-          <a:p>
-            <a:pPr lvl="2">
-              <a:buSzPct val="100000"/>
-              <a:buFont typeface="Arial" pitchFamily="34" charset="0"/>
-              <a:buChar char="•"/>
-            </a:pPr>
-            <a:r>
-              <a:rPr lang="en-US" dirty="0" smtClean="0"/>
-              <a:t>remove a connection</a:t>
-            </a:r>
-          </a:p>
-          <a:p>
-            <a:pPr lvl="2">
-              <a:buSzPct val="100000"/>
-              <a:buFont typeface="Arial" pitchFamily="34" charset="0"/>
-              <a:buChar char="•"/>
-            </a:pPr>
-            <a:r>
-              <a:rPr lang="en-US" dirty="0" smtClean="0"/>
-              <a:t>query connection(s)</a:t>
-            </a:r>
-          </a:p>
-          <a:p>
-            <a:endParaRPr lang="en-US" dirty="0" smtClean="0"/>
-          </a:p>
-          <a:p>
-            <a:r>
-              <a:rPr lang="en-US" dirty="0" smtClean="0"/>
-              <a:t> Does not store attribute data</a:t>
-            </a:r>
-          </a:p>
-          <a:p>
-            <a:endParaRPr lang="en-US" dirty="0" smtClean="0"/>
-          </a:p>
-        </p:txBody>
-      </p:sp>
-    </p:spTree>
-  </p:cSld>
-  <p:clrMapOvr>
-    <a:masterClrMapping/>
-  </p:clrMapOvr>
-  <p:transition spd="med">
-    <p:fade/>
-  </p:transition>
-  <p:timing>
-    <p:tnLst>
-      <p:par>
-        <p:cTn id="1" dur="indefinite" restart="never" nodeType="tmRoot"/>
-      </p:par>
-    </p:tnLst>
-  </p:timing>
-</p:sld>
-</file>
-
-<file path=ppt/slides/slide29.xml><?xml version="1.0" encoding="utf-8"?>
 <p:sld xmlns:a="http://schemas.openxmlformats.org/drawingml/2006/main" xmlns:r="http://schemas.openxmlformats.org/officeDocument/2006/relationships" xmlns:p="http://schemas.openxmlformats.org/presentationml/2006/main">
   <p:cSld>
     <p:spTree>
@@ -18378,7 +17759,7 @@
 </p:sld>
 </file>
 
-<file path=ppt/slides/slide3.xml><?xml version="1.0" encoding="utf-8"?>
+<file path=ppt/slides/slide29.xml><?xml version="1.0" encoding="utf-8"?>
 <p:sld xmlns:a="http://schemas.openxmlformats.org/drawingml/2006/main" xmlns:r="http://schemas.openxmlformats.org/officeDocument/2006/relationships" xmlns:p="http://schemas.openxmlformats.org/presentationml/2006/main">
   <p:cSld>
     <p:spTree>
@@ -18397,102 +17778,6 @@
       </p:grpSpPr>
       <p:sp>
         <p:nvSpPr>
-          <p:cNvPr id="5122" name="Title 1"/>
-          <p:cNvSpPr>
-            <a:spLocks noGrp="1"/>
-          </p:cNvSpPr>
-          <p:nvPr>
-            <p:ph type="title"/>
-          </p:nvPr>
-        </p:nvSpPr>
-        <p:spPr/>
-        <p:txBody>
-          <a:bodyPr/>
-          <a:lstStyle/>
-          <a:p>
-            <a:r>
-              <a:rPr lang="en-US" smtClean="0"/>
-              <a:t>What is the Dependency Graph?</a:t>
-            </a:r>
-          </a:p>
-        </p:txBody>
-      </p:sp>
-      <p:pic>
-        <p:nvPicPr>
-          <p:cNvPr id="5" name="Picture 4" descr="defHistory"/>
-          <p:cNvPicPr>
-            <a:picLocks noChangeAspect="1" noChangeArrowheads="1"/>
-          </p:cNvPicPr>
-          <p:nvPr/>
-        </p:nvPicPr>
-        <p:blipFill>
-          <a:blip r:embed="rId3"/>
-          <a:srcRect/>
-          <a:stretch>
-            <a:fillRect/>
-          </a:stretch>
-        </p:blipFill>
-        <p:spPr bwMode="auto">
-          <a:xfrm>
-            <a:off x="838200" y="2209800"/>
-            <a:ext cx="7115175" cy="1914525"/>
-          </a:xfrm>
-          <a:prstGeom prst="rect">
-            <a:avLst/>
-          </a:prstGeom>
-          <a:noFill/>
-          <a:ln w="12700">
-            <a:solidFill>
-              <a:schemeClr val="tx2"/>
-            </a:solidFill>
-            <a:miter lim="800000"/>
-            <a:headEnd/>
-            <a:tailEnd/>
-          </a:ln>
-          <a:effectLst>
-            <a:outerShdw dist="28398" dir="3806097" algn="ctr" rotWithShape="0">
-              <a:srgbClr val="5F5F5F"/>
-            </a:outerShdw>
-          </a:effectLst>
-        </p:spPr>
-      </p:pic>
-    </p:spTree>
-  </p:cSld>
-  <p:clrMapOvr>
-    <a:masterClrMapping/>
-  </p:clrMapOvr>
-  <p:transition spd="med">
-    <p:fade/>
-  </p:transition>
-  <p:timing>
-    <p:tnLst>
-      <p:par>
-        <p:cTn id="1" dur="indefinite" restart="never" nodeType="tmRoot"/>
-      </p:par>
-    </p:tnLst>
-  </p:timing>
-</p:sld>
-</file>
-
-<file path=ppt/slides/slide30.xml><?xml version="1.0" encoding="utf-8"?>
-<p:sld xmlns:a="http://schemas.openxmlformats.org/drawingml/2006/main" xmlns:r="http://schemas.openxmlformats.org/officeDocument/2006/relationships" xmlns:p="http://schemas.openxmlformats.org/presentationml/2006/main">
-  <p:cSld>
-    <p:spTree>
-      <p:nvGrpSpPr>
-        <p:cNvPr id="1" name=""/>
-        <p:cNvGrpSpPr/>
-        <p:nvPr/>
-      </p:nvGrpSpPr>
-      <p:grpSpPr>
-        <a:xfrm>
-          <a:off x="0" y="0"/>
-          <a:ext cx="0" cy="0"/>
-          <a:chOff x="0" y="0"/>
-          <a:chExt cx="0" cy="0"/>
-        </a:xfrm>
-      </p:grpSpPr>
-      <p:sp>
-        <p:nvSpPr>
           <p:cNvPr id="2" name="Title 1"/>
           <p:cNvSpPr>
             <a:spLocks noGrp="1"/>
@@ -19361,6 +18646,84 @@
           </a:p>
           <a:p>
             <a:endParaRPr lang="en-US" dirty="0"/>
+          </a:p>
+        </p:txBody>
+      </p:sp>
+      <p:sp>
+        <p:nvSpPr>
+          <p:cNvPr id="4" name="AutoShape 7"/>
+          <p:cNvSpPr>
+            <a:spLocks noChangeArrowheads="1"/>
+          </p:cNvSpPr>
+          <p:nvPr/>
+        </p:nvSpPr>
+        <p:spPr bwMode="auto">
+          <a:xfrm>
+            <a:off x="1752600" y="2057400"/>
+            <a:ext cx="1600200" cy="398691"/>
+          </a:xfrm>
+          <a:prstGeom prst="roundRect">
+            <a:avLst>
+              <a:gd name="adj" fmla="val 16667"/>
+            </a:avLst>
+          </a:prstGeom>
+          <a:noFill/>
+          <a:ln w="28575">
+            <a:solidFill>
+              <a:schemeClr val="accent2"/>
+            </a:solidFill>
+            <a:round/>
+            <a:headEnd/>
+            <a:tailEnd/>
+          </a:ln>
+          <a:effectLst/>
+        </p:spPr>
+        <p:txBody>
+          <a:bodyPr wrap="square" lIns="82550" tIns="41275" rIns="82550" bIns="41275" anchor="ctr">
+            <a:spAutoFit/>
+          </a:bodyPr>
+          <a:lstStyle/>
+          <a:p>
+            <a:endParaRPr lang="en-US" dirty="0" smtClean="0"/>
+          </a:p>
+        </p:txBody>
+      </p:sp>
+      <p:sp>
+        <p:nvSpPr>
+          <p:cNvPr id="5" name="AutoShape 7"/>
+          <p:cNvSpPr>
+            <a:spLocks noChangeArrowheads="1"/>
+          </p:cNvSpPr>
+          <p:nvPr/>
+        </p:nvSpPr>
+        <p:spPr bwMode="auto">
+          <a:xfrm>
+            <a:off x="3352800" y="2057400"/>
+            <a:ext cx="2057400" cy="398691"/>
+          </a:xfrm>
+          <a:prstGeom prst="roundRect">
+            <a:avLst>
+              <a:gd name="adj" fmla="val 16667"/>
+            </a:avLst>
+          </a:prstGeom>
+          <a:noFill/>
+          <a:ln w="28575">
+            <a:solidFill>
+              <a:schemeClr val="accent2"/>
+            </a:solidFill>
+            <a:round/>
+            <a:headEnd/>
+            <a:tailEnd/>
+          </a:ln>
+          <a:effectLst/>
+        </p:spPr>
+        <p:txBody>
+          <a:bodyPr wrap="square" lIns="82550" tIns="41275" rIns="82550" bIns="41275" anchor="ctr">
+            <a:spAutoFit/>
+          </a:bodyPr>
+          <a:lstStyle/>
+          <a:p>
+            <a:endParaRPr lang="en-US" dirty="0" smtClean="0"/>
           </a:p>
         </p:txBody>
       </p:sp>
@@ -19454,7 +18817,7 @@
                             </p:stCondLst>
                             <p:childTnLst>
                               <p:par>
-                                <p:cTn id="10" presetID="3" presetClass="entr" presetSubtype="10" fill="hold" nodeType="clickEffect">
+                                <p:cTn id="10" presetID="3" presetClass="entr" presetSubtype="10" fill="hold" grpId="0" nodeType="clickEffect">
                                   <p:stCondLst>
                                     <p:cond delay="0"/>
                                   </p:stCondLst>
@@ -19462,6 +18825,112 @@
                                     <p:set>
                                       <p:cBhvr>
                                         <p:cTn id="11" dur="1" fill="hold">
+                                          <p:stCondLst>
+                                            <p:cond delay="0"/>
+                                          </p:stCondLst>
+                                        </p:cTn>
+                                        <p:tgtEl>
+                                          <p:spTgt spid="4"/>
+                                        </p:tgtEl>
+                                        <p:attrNameLst>
+                                          <p:attrName>style.visibility</p:attrName>
+                                        </p:attrNameLst>
+                                      </p:cBhvr>
+                                      <p:to>
+                                        <p:strVal val="visible"/>
+                                      </p:to>
+                                    </p:set>
+                                    <p:animEffect transition="in" filter="blinds(horizontal)">
+                                      <p:cBhvr>
+                                        <p:cTn id="12" dur="500"/>
+                                        <p:tgtEl>
+                                          <p:spTgt spid="4"/>
+                                        </p:tgtEl>
+                                      </p:cBhvr>
+                                    </p:animEffect>
+                                  </p:childTnLst>
+                                </p:cTn>
+                              </p:par>
+                            </p:childTnLst>
+                          </p:cTn>
+                        </p:par>
+                      </p:childTnLst>
+                    </p:cTn>
+                  </p:par>
+                  <p:par>
+                    <p:cTn id="13" fill="hold">
+                      <p:stCondLst>
+                        <p:cond delay="indefinite"/>
+                      </p:stCondLst>
+                      <p:childTnLst>
+                        <p:par>
+                          <p:cTn id="14" fill="hold">
+                            <p:stCondLst>
+                              <p:cond delay="0"/>
+                            </p:stCondLst>
+                            <p:childTnLst>
+                              <p:par>
+                                <p:cTn id="15" presetID="3" presetClass="entr" presetSubtype="10" fill="hold" grpId="0" nodeType="clickEffect">
+                                  <p:stCondLst>
+                                    <p:cond delay="0"/>
+                                  </p:stCondLst>
+                                  <p:childTnLst>
+                                    <p:set>
+                                      <p:cBhvr>
+                                        <p:cTn id="16" dur="1" fill="hold">
+                                          <p:stCondLst>
+                                            <p:cond delay="0"/>
+                                          </p:stCondLst>
+                                        </p:cTn>
+                                        <p:tgtEl>
+                                          <p:spTgt spid="5"/>
+                                        </p:tgtEl>
+                                        <p:attrNameLst>
+                                          <p:attrName>style.visibility</p:attrName>
+                                        </p:attrNameLst>
+                                      </p:cBhvr>
+                                      <p:to>
+                                        <p:strVal val="visible"/>
+                                      </p:to>
+                                    </p:set>
+                                    <p:animEffect transition="in" filter="blinds(horizontal)">
+                                      <p:cBhvr>
+                                        <p:cTn id="17" dur="500"/>
+                                        <p:tgtEl>
+                                          <p:spTgt spid="5"/>
+                                        </p:tgtEl>
+                                      </p:cBhvr>
+                                    </p:animEffect>
+                                  </p:childTnLst>
+                                </p:cTn>
+                              </p:par>
+                            </p:childTnLst>
+                          </p:cTn>
+                        </p:par>
+                      </p:childTnLst>
+                    </p:cTn>
+                  </p:par>
+                  <p:par>
+                    <p:cTn id="18" fill="hold">
+                      <p:stCondLst>
+                        <p:cond delay="indefinite"/>
+                      </p:stCondLst>
+                      <p:childTnLst>
+                        <p:par>
+                          <p:cTn id="19" fill="hold">
+                            <p:stCondLst>
+                              <p:cond delay="0"/>
+                            </p:stCondLst>
+                            <p:childTnLst>
+                              <p:par>
+                                <p:cTn id="20" presetID="3" presetClass="entr" presetSubtype="10" fill="hold" nodeType="clickEffect">
+                                  <p:stCondLst>
+                                    <p:cond delay="0"/>
+                                  </p:stCondLst>
+                                  <p:childTnLst>
+                                    <p:set>
+                                      <p:cBhvr>
+                                        <p:cTn id="21" dur="1" fill="hold">
                                           <p:stCondLst>
                                             <p:cond delay="0"/>
                                           </p:stCondLst>
@@ -19483,7 +18952,7 @@
                                     </p:set>
                                     <p:animEffect transition="in" filter="blinds(horizontal)">
                                       <p:cBhvr>
-                                        <p:cTn id="12" dur="500"/>
+                                        <p:cTn id="22" dur="500"/>
                                         <p:tgtEl>
                                           <p:spTgt spid="3">
                                             <p:txEl>
@@ -19497,14 +18966,14 @@
                                 </p:cTn>
                               </p:par>
                               <p:par>
-                                <p:cTn id="13" presetID="3" presetClass="entr" presetSubtype="10" fill="hold" nodeType="withEffect">
+                                <p:cTn id="23" presetID="3" presetClass="entr" presetSubtype="10" fill="hold" nodeType="withEffect">
                                   <p:stCondLst>
                                     <p:cond delay="0"/>
                                   </p:stCondLst>
                                   <p:childTnLst>
                                     <p:set>
                                       <p:cBhvr>
-                                        <p:cTn id="14" dur="1" fill="hold">
+                                        <p:cTn id="24" dur="1" fill="hold">
                                           <p:stCondLst>
                                             <p:cond delay="0"/>
                                           </p:stCondLst>
@@ -19526,7 +18995,7 @@
                                     </p:set>
                                     <p:animEffect transition="in" filter="blinds(horizontal)">
                                       <p:cBhvr>
-                                        <p:cTn id="15" dur="500"/>
+                                        <p:cTn id="25" dur="500"/>
                                         <p:tgtEl>
                                           <p:spTgt spid="3">
                                             <p:txEl>
@@ -19546,26 +19015,26 @@
                     </p:cTn>
                   </p:par>
                   <p:par>
-                    <p:cTn id="16" fill="hold">
+                    <p:cTn id="26" fill="hold">
                       <p:stCondLst>
                         <p:cond delay="indefinite"/>
                       </p:stCondLst>
                       <p:childTnLst>
                         <p:par>
-                          <p:cTn id="17" fill="hold">
+                          <p:cTn id="27" fill="hold">
                             <p:stCondLst>
                               <p:cond delay="0"/>
                             </p:stCondLst>
                             <p:childTnLst>
                               <p:par>
-                                <p:cTn id="18" presetID="3" presetClass="entr" presetSubtype="10" fill="hold" nodeType="clickEffect">
+                                <p:cTn id="28" presetID="3" presetClass="entr" presetSubtype="10" fill="hold" nodeType="clickEffect">
                                   <p:stCondLst>
                                     <p:cond delay="0"/>
                                   </p:stCondLst>
                                   <p:childTnLst>
                                     <p:set>
                                       <p:cBhvr>
-                                        <p:cTn id="19" dur="1" fill="hold">
+                                        <p:cTn id="29" dur="1" fill="hold">
                                           <p:stCondLst>
                                             <p:cond delay="0"/>
                                           </p:stCondLst>
@@ -19587,7 +19056,7 @@
                                     </p:set>
                                     <p:animEffect transition="in" filter="blinds(horizontal)">
                                       <p:cBhvr>
-                                        <p:cTn id="20" dur="500"/>
+                                        <p:cTn id="30" dur="500"/>
                                         <p:tgtEl>
                                           <p:spTgt spid="3">
                                             <p:txEl>
@@ -19601,14 +19070,14 @@
                                 </p:cTn>
                               </p:par>
                               <p:par>
-                                <p:cTn id="21" presetID="3" presetClass="entr" presetSubtype="10" fill="hold" nodeType="withEffect">
+                                <p:cTn id="31" presetID="3" presetClass="entr" presetSubtype="10" fill="hold" nodeType="withEffect">
                                   <p:stCondLst>
                                     <p:cond delay="0"/>
                                   </p:stCondLst>
                                   <p:childTnLst>
                                     <p:set>
                                       <p:cBhvr>
-                                        <p:cTn id="22" dur="1" fill="hold">
+                                        <p:cTn id="32" dur="1" fill="hold">
                                           <p:stCondLst>
                                             <p:cond delay="0"/>
                                           </p:stCondLst>
@@ -19630,7 +19099,7 @@
                                     </p:set>
                                     <p:animEffect transition="in" filter="blinds(horizontal)">
                                       <p:cBhvr>
-                                        <p:cTn id="23" dur="500"/>
+                                        <p:cTn id="33" dur="500"/>
                                         <p:tgtEl>
                                           <p:spTgt spid="3">
                                             <p:txEl>
@@ -19650,26 +19119,26 @@
                     </p:cTn>
                   </p:par>
                   <p:par>
-                    <p:cTn id="24" fill="hold">
+                    <p:cTn id="34" fill="hold">
                       <p:stCondLst>
                         <p:cond delay="indefinite"/>
                       </p:stCondLst>
                       <p:childTnLst>
                         <p:par>
-                          <p:cTn id="25" fill="hold">
+                          <p:cTn id="35" fill="hold">
                             <p:stCondLst>
                               <p:cond delay="0"/>
                             </p:stCondLst>
                             <p:childTnLst>
                               <p:par>
-                                <p:cTn id="26" presetID="3" presetClass="entr" presetSubtype="10" fill="hold" nodeType="clickEffect">
+                                <p:cTn id="36" presetID="3" presetClass="entr" presetSubtype="10" fill="hold" nodeType="clickEffect">
                                   <p:stCondLst>
                                     <p:cond delay="0"/>
                                   </p:stCondLst>
                                   <p:childTnLst>
                                     <p:set>
                                       <p:cBhvr>
-                                        <p:cTn id="27" dur="1" fill="hold">
+                                        <p:cTn id="37" dur="1" fill="hold">
                                           <p:stCondLst>
                                             <p:cond delay="0"/>
                                           </p:stCondLst>
@@ -19691,7 +19160,7 @@
                                     </p:set>
                                     <p:animEffect transition="in" filter="blinds(horizontal)">
                                       <p:cBhvr>
-                                        <p:cTn id="28" dur="500"/>
+                                        <p:cTn id="38" dur="500"/>
                                         <p:tgtEl>
                                           <p:spTgt spid="3">
                                             <p:txEl>
@@ -19711,26 +19180,26 @@
                     </p:cTn>
                   </p:par>
                   <p:par>
-                    <p:cTn id="29" fill="hold">
+                    <p:cTn id="39" fill="hold">
                       <p:stCondLst>
                         <p:cond delay="indefinite"/>
                       </p:stCondLst>
                       <p:childTnLst>
                         <p:par>
-                          <p:cTn id="30" fill="hold">
+                          <p:cTn id="40" fill="hold">
                             <p:stCondLst>
                               <p:cond delay="0"/>
                             </p:stCondLst>
                             <p:childTnLst>
                               <p:par>
-                                <p:cTn id="31" presetID="3" presetClass="entr" presetSubtype="10" fill="hold" nodeType="clickEffect">
+                                <p:cTn id="41" presetID="3" presetClass="entr" presetSubtype="10" fill="hold" nodeType="clickEffect">
                                   <p:stCondLst>
                                     <p:cond delay="0"/>
                                   </p:stCondLst>
                                   <p:childTnLst>
                                     <p:set>
                                       <p:cBhvr>
-                                        <p:cTn id="32" dur="1" fill="hold">
+                                        <p:cTn id="42" dur="1" fill="hold">
                                           <p:stCondLst>
                                             <p:cond delay="0"/>
                                           </p:stCondLst>
@@ -19752,7 +19221,7 @@
                                     </p:set>
                                     <p:animEffect transition="in" filter="blinds(horizontal)">
                                       <p:cBhvr>
-                                        <p:cTn id="33" dur="500"/>
+                                        <p:cTn id="43" dur="500"/>
                                         <p:tgtEl>
                                           <p:spTgt spid="3">
                                             <p:txEl>
@@ -19766,14 +19235,14 @@
                                 </p:cTn>
                               </p:par>
                               <p:par>
-                                <p:cTn id="34" presetID="3" presetClass="entr" presetSubtype="10" fill="hold" nodeType="withEffect">
+                                <p:cTn id="44" presetID="3" presetClass="entr" presetSubtype="10" fill="hold" nodeType="withEffect">
                                   <p:stCondLst>
                                     <p:cond delay="0"/>
                                   </p:stCondLst>
                                   <p:childTnLst>
                                     <p:set>
                                       <p:cBhvr>
-                                        <p:cTn id="35" dur="1" fill="hold">
+                                        <p:cTn id="45" dur="1" fill="hold">
                                           <p:stCondLst>
                                             <p:cond delay="0"/>
                                           </p:stCondLst>
@@ -19795,7 +19264,7 @@
                                     </p:set>
                                     <p:animEffect transition="in" filter="blinds(horizontal)">
                                       <p:cBhvr>
-                                        <p:cTn id="36" dur="500"/>
+                                        <p:cTn id="46" dur="500"/>
                                         <p:tgtEl>
                                           <p:spTgt spid="3">
                                             <p:txEl>
@@ -19835,11 +19304,111 @@
         </p:cTn>
       </p:par>
     </p:tnLst>
+    <p:bldLst>
+      <p:bldP spid="4" grpId="0" animBg="1"/>
+      <p:bldP spid="5" grpId="0" animBg="1"/>
+    </p:bldLst>
   </p:timing>
 </p:sld>
 </file>
 
-<file path=ppt/slides/slide31.xml><?xml version="1.0" encoding="utf-8"?>
+<file path=ppt/slides/slide3.xml><?xml version="1.0" encoding="utf-8"?>
+<p:sld xmlns:a="http://schemas.openxmlformats.org/drawingml/2006/main" xmlns:r="http://schemas.openxmlformats.org/officeDocument/2006/relationships" xmlns:p="http://schemas.openxmlformats.org/presentationml/2006/main">
+  <p:cSld>
+    <p:spTree>
+      <p:nvGrpSpPr>
+        <p:cNvPr id="1" name=""/>
+        <p:cNvGrpSpPr/>
+        <p:nvPr/>
+      </p:nvGrpSpPr>
+      <p:grpSpPr>
+        <a:xfrm>
+          <a:off x="0" y="0"/>
+          <a:ext cx="0" cy="0"/>
+          <a:chOff x="0" y="0"/>
+          <a:chExt cx="0" cy="0"/>
+        </a:xfrm>
+      </p:grpSpPr>
+      <p:sp>
+        <p:nvSpPr>
+          <p:cNvPr id="5122" name="Title 1"/>
+          <p:cNvSpPr>
+            <a:spLocks noGrp="1"/>
+          </p:cNvSpPr>
+          <p:nvPr>
+            <p:ph type="title"/>
+          </p:nvPr>
+        </p:nvSpPr>
+        <p:spPr/>
+        <p:txBody>
+          <a:bodyPr/>
+          <a:lstStyle/>
+          <a:p>
+            <a:r>
+              <a:rPr lang="en-US" smtClean="0"/>
+              <a:t>What is the Dependency Graph?</a:t>
+            </a:r>
+          </a:p>
+        </p:txBody>
+      </p:sp>
+      <p:pic>
+        <p:nvPicPr>
+          <p:cNvPr id="5" name="Picture 4" descr="defHistory"/>
+          <p:cNvPicPr>
+            <a:picLocks noChangeAspect="1" noChangeArrowheads="1"/>
+          </p:cNvPicPr>
+          <p:nvPr/>
+        </p:nvPicPr>
+        <p:blipFill>
+          <a:blip r:embed="rId3" cstate="print"/>
+          <a:srcRect/>
+          <a:stretch>
+            <a:fillRect/>
+          </a:stretch>
+        </p:blipFill>
+        <p:spPr bwMode="auto">
+          <a:xfrm>
+            <a:off x="838200" y="2209800"/>
+            <a:ext cx="7115175" cy="1914525"/>
+          </a:xfrm>
+          <a:prstGeom prst="rect">
+            <a:avLst/>
+          </a:prstGeom>
+          <a:noFill/>
+          <a:ln w="12700">
+            <a:solidFill>
+              <a:schemeClr val="tx2"/>
+            </a:solidFill>
+            <a:miter lim="800000"/>
+            <a:headEnd/>
+            <a:tailEnd/>
+          </a:ln>
+          <a:effectLst>
+            <a:outerShdw dist="28398" dir="3806097" algn="ctr" rotWithShape="0">
+              <a:srgbClr val="5F5F5F"/>
+            </a:outerShdw>
+          </a:effectLst>
+        </p:spPr>
+      </p:pic>
+    </p:spTree>
+  </p:cSld>
+  <p:clrMapOvr>
+    <a:masterClrMapping/>
+  </p:clrMapOvr>
+  <p:transition spd="med">
+    <p:fade/>
+  </p:transition>
+  <p:timing>
+    <p:tnLst>
+      <p:par>
+        <p:cTn id="1" dur="indefinite" restart="never" nodeType="tmRoot"/>
+      </p:par>
+    </p:tnLst>
+  </p:timing>
+</p:sld>
+</file>
+
+<file path=ppt/slides/slide30.xml><?xml version="1.0" encoding="utf-8"?>
 <p:sld xmlns:a="http://schemas.openxmlformats.org/drawingml/2006/main" xmlns:r="http://schemas.openxmlformats.org/officeDocument/2006/relationships" xmlns:p="http://schemas.openxmlformats.org/presentationml/2006/main">
   <p:cSld>
     <p:spTree>
@@ -20452,7 +20021,7 @@
 </p:sld>
 </file>
 
-<file path=ppt/slides/slide32.xml><?xml version="1.0" encoding="utf-8"?>
+<file path=ppt/slides/slide31.xml><?xml version="1.0" encoding="utf-8"?>
 <p:sld xmlns:a="http://schemas.openxmlformats.org/drawingml/2006/main" xmlns:r="http://schemas.openxmlformats.org/officeDocument/2006/relationships" xmlns:p="http://schemas.openxmlformats.org/presentationml/2006/main">
   <p:cSld>
     <p:spTree>
@@ -21778,7 +21347,7 @@
 </p:sld>
 </file>
 
-<file path=ppt/slides/slide33.xml><?xml version="1.0" encoding="utf-8"?>
+<file path=ppt/slides/slide32.xml><?xml version="1.0" encoding="utf-8"?>
 <p:sld xmlns:a="http://schemas.openxmlformats.org/drawingml/2006/main" xmlns:r="http://schemas.openxmlformats.org/officeDocument/2006/relationships" xmlns:p="http://schemas.openxmlformats.org/presentationml/2006/main">
   <p:cSld>
     <p:spTree>
@@ -22239,7 +21808,7 @@
 </p:sld>
 </file>
 
-<file path=ppt/slides/slide34.xml><?xml version="1.0" encoding="utf-8"?>
+<file path=ppt/slides/slide33.xml><?xml version="1.0" encoding="utf-8"?>
 <p:sld xmlns:a="http://schemas.openxmlformats.org/drawingml/2006/main" xmlns:r="http://schemas.openxmlformats.org/officeDocument/2006/relationships" xmlns:p="http://schemas.openxmlformats.org/presentationml/2006/main">
   <p:cSld>
     <p:spTree>
@@ -23279,7 +22848,7 @@
 </p:sld>
 </file>
 
-<file path=ppt/slides/slide35.xml><?xml version="1.0" encoding="utf-8"?>
+<file path=ppt/slides/slide34.xml><?xml version="1.0" encoding="utf-8"?>
 <p:sld xmlns:a="http://schemas.openxmlformats.org/drawingml/2006/main" xmlns:r="http://schemas.openxmlformats.org/officeDocument/2006/relationships" xmlns:p="http://schemas.openxmlformats.org/presentationml/2006/main">
   <p:cSld>
     <p:spTree>
@@ -23869,7 +23438,7 @@
 </p:sld>
 </file>
 
-<file path=ppt/slides/slide36.xml><?xml version="1.0" encoding="utf-8"?>
+<file path=ppt/slides/slide35.xml><?xml version="1.0" encoding="utf-8"?>
 <p:sld xmlns:a="http://schemas.openxmlformats.org/drawingml/2006/main" xmlns:r="http://schemas.openxmlformats.org/officeDocument/2006/relationships" xmlns:p="http://schemas.openxmlformats.org/presentationml/2006/main">
   <p:cSld>
     <p:spTree>
@@ -25086,7 +24655,7 @@
 </p:sld>
 </file>
 
-<file path=ppt/slides/slide37.xml><?xml version="1.0" encoding="utf-8"?>
+<file path=ppt/slides/slide36.xml><?xml version="1.0" encoding="utf-8"?>
 <p:sld xmlns:a="http://schemas.openxmlformats.org/drawingml/2006/main" xmlns:r="http://schemas.openxmlformats.org/officeDocument/2006/relationships" xmlns:p="http://schemas.openxmlformats.org/presentationml/2006/main">
   <p:cSld>
     <p:spTree>
@@ -25714,7 +25283,7 @@
 </p:sld>
 </file>
 
-<file path=ppt/slides/slide38.xml><?xml version="1.0" encoding="utf-8"?>
+<file path=ppt/slides/slide37.xml><?xml version="1.0" encoding="utf-8"?>
 <p:sld xmlns:a="http://schemas.openxmlformats.org/drawingml/2006/main" xmlns:r="http://schemas.openxmlformats.org/officeDocument/2006/relationships" xmlns:p="http://schemas.openxmlformats.org/presentationml/2006/main">
   <p:cSld>
     <p:spTree>
@@ -25759,7 +25328,7 @@
           <p:nvPr/>
         </p:nvPicPr>
         <p:blipFill>
-          <a:blip r:embed="rId3"/>
+          <a:blip r:embed="rId3" cstate="print"/>
           <a:srcRect/>
           <a:stretch>
             <a:fillRect/>
@@ -25840,7 +25409,7 @@
 </p:sld>
 </file>
 
-<file path=ppt/slides/slide39.xml><?xml version="1.0" encoding="utf-8"?>
+<file path=ppt/slides/slide38.xml><?xml version="1.0" encoding="utf-8"?>
 <p:sld xmlns:a="http://schemas.openxmlformats.org/drawingml/2006/main" xmlns:r="http://schemas.openxmlformats.org/officeDocument/2006/relationships" xmlns:p="http://schemas.openxmlformats.org/presentationml/2006/main">
   <p:cSld>
     <p:spTree>
@@ -26465,397 +26034,7 @@
 </p:sld>
 </file>
 
-<file path=ppt/slides/slide4.xml><?xml version="1.0" encoding="utf-8"?>
-<p:sld xmlns:a="http://schemas.openxmlformats.org/drawingml/2006/main" xmlns:r="http://schemas.openxmlformats.org/officeDocument/2006/relationships" xmlns:p="http://schemas.openxmlformats.org/presentationml/2006/main">
-  <p:cSld>
-    <p:spTree>
-      <p:nvGrpSpPr>
-        <p:cNvPr id="1" name=""/>
-        <p:cNvGrpSpPr/>
-        <p:nvPr/>
-      </p:nvGrpSpPr>
-      <p:grpSpPr>
-        <a:xfrm>
-          <a:off x="0" y="0"/>
-          <a:ext cx="0" cy="0"/>
-          <a:chOff x="0" y="0"/>
-          <a:chExt cx="0" cy="0"/>
-        </a:xfrm>
-      </p:grpSpPr>
-      <p:sp>
-        <p:nvSpPr>
-          <p:cNvPr id="6146" name="Title 1"/>
-          <p:cNvSpPr>
-            <a:spLocks noGrp="1"/>
-          </p:cNvSpPr>
-          <p:nvPr>
-            <p:ph type="title"/>
-          </p:nvPr>
-        </p:nvSpPr>
-        <p:spPr/>
-        <p:txBody>
-          <a:bodyPr/>
-          <a:lstStyle/>
-          <a:p>
-            <a:r>
-              <a:rPr lang="en-US" smtClean="0"/>
-              <a:t>What is the Dependency Graph</a:t>
-            </a:r>
-          </a:p>
-        </p:txBody>
-      </p:sp>
-      <p:sp>
-        <p:nvSpPr>
-          <p:cNvPr id="3" name="Content Placeholder 2"/>
-          <p:cNvSpPr>
-            <a:spLocks noGrp="1"/>
-          </p:cNvSpPr>
-          <p:nvPr>
-            <p:ph idx="1"/>
-          </p:nvPr>
-        </p:nvSpPr>
-        <p:spPr/>
-        <p:txBody>
-          <a:bodyPr/>
-          <a:lstStyle/>
-          <a:p>
-            <a:pPr>
-              <a:buClr>
-                <a:schemeClr val="bg1"/>
-              </a:buClr>
-              <a:buSzPct val="100000"/>
-              <a:buFont typeface="Arial" pitchFamily="34" charset="0"/>
-              <a:buChar char="•"/>
-              <a:defRPr/>
-            </a:pPr>
-            <a:r>
-              <a:rPr lang="en-US" dirty="0" smtClean="0"/>
-              <a:t>Control system for Maya</a:t>
-            </a:r>
-          </a:p>
-          <a:p>
-            <a:pPr>
-              <a:buClr>
-                <a:schemeClr val="bg1"/>
-              </a:buClr>
-              <a:buSzPct val="100000"/>
-              <a:buFont typeface="Arial" pitchFamily="34" charset="0"/>
-              <a:buChar char="•"/>
-              <a:defRPr/>
-            </a:pPr>
-            <a:endParaRPr lang="en-US" dirty="0" smtClean="0"/>
-          </a:p>
-          <a:p>
-            <a:pPr>
-              <a:buClr>
-                <a:schemeClr val="bg1"/>
-              </a:buClr>
-              <a:buSzPct val="100000"/>
-              <a:buFont typeface="Arial" pitchFamily="34" charset="0"/>
-              <a:buChar char="•"/>
-              <a:defRPr/>
-            </a:pPr>
-            <a:r>
-              <a:rPr lang="en-US" dirty="0" smtClean="0"/>
-              <a:t> Glue that holds together disparate operations and lets them work together seamlessly</a:t>
-            </a:r>
-          </a:p>
-          <a:p>
-            <a:pPr>
-              <a:buClr>
-                <a:schemeClr val="bg1"/>
-              </a:buClr>
-              <a:buSzPct val="100000"/>
-              <a:buFont typeface="Arial" pitchFamily="34" charset="0"/>
-              <a:buChar char="•"/>
-              <a:defRPr/>
-            </a:pPr>
-            <a:endParaRPr lang="en-US" dirty="0" smtClean="0"/>
-          </a:p>
-          <a:p>
-            <a:pPr>
-              <a:buClr>
-                <a:schemeClr val="bg1"/>
-              </a:buClr>
-              <a:buSzPct val="100000"/>
-              <a:buFont typeface="Arial" pitchFamily="34" charset="0"/>
-              <a:buChar char="•"/>
-              <a:defRPr/>
-            </a:pPr>
-            <a:r>
-              <a:rPr lang="en-US" dirty="0" smtClean="0"/>
-              <a:t> Foundation of the Maya file format</a:t>
-            </a:r>
-          </a:p>
-          <a:p>
-            <a:pPr>
-              <a:buFontTx/>
-              <a:buNone/>
-              <a:defRPr/>
-            </a:pPr>
-            <a:endParaRPr lang="en-US" dirty="0"/>
-          </a:p>
-        </p:txBody>
-      </p:sp>
-      <p:pic>
-        <p:nvPicPr>
-          <p:cNvPr id="4" name="Picture 4" descr="mne_bottom_bar"/>
-          <p:cNvPicPr>
-            <a:picLocks noChangeAspect="1" noChangeArrowheads="1"/>
-          </p:cNvPicPr>
-          <p:nvPr/>
-        </p:nvPicPr>
-        <p:blipFill>
-          <a:blip r:embed="rId3"/>
-          <a:srcRect/>
-          <a:stretch>
-            <a:fillRect/>
-          </a:stretch>
-        </p:blipFill>
-        <p:spPr bwMode="auto">
-          <a:xfrm>
-            <a:off x="540469" y="5110832"/>
-            <a:ext cx="7981950" cy="1046162"/>
-          </a:xfrm>
-          <a:prstGeom prst="rect">
-            <a:avLst/>
-          </a:prstGeom>
-          <a:noFill/>
-          <a:ln w="3175">
-            <a:solidFill>
-              <a:srgbClr val="DDDDDD"/>
-            </a:solidFill>
-            <a:miter lim="800000"/>
-            <a:headEnd/>
-            <a:tailEnd/>
-          </a:ln>
-        </p:spPr>
-      </p:pic>
-    </p:spTree>
-  </p:cSld>
-  <p:clrMapOvr>
-    <a:masterClrMapping/>
-  </p:clrMapOvr>
-  <p:transition spd="med">
-    <p:fade/>
-  </p:transition>
-  <p:timing>
-    <p:tnLst>
-      <p:par>
-        <p:cTn id="1" dur="indefinite" restart="never" nodeType="tmRoot">
-          <p:childTnLst>
-            <p:seq concurrent="1" nextAc="seek">
-              <p:cTn id="2" dur="indefinite" nodeType="mainSeq">
-                <p:childTnLst>
-                  <p:par>
-                    <p:cTn id="3" fill="hold">
-                      <p:stCondLst>
-                        <p:cond delay="indefinite"/>
-                      </p:stCondLst>
-                      <p:childTnLst>
-                        <p:par>
-                          <p:cTn id="4" fill="hold">
-                            <p:stCondLst>
-                              <p:cond delay="0"/>
-                            </p:stCondLst>
-                            <p:childTnLst>
-                              <p:par>
-                                <p:cTn id="5" presetID="3" presetClass="entr" presetSubtype="10" fill="hold" nodeType="clickEffect">
-                                  <p:stCondLst>
-                                    <p:cond delay="0"/>
-                                  </p:stCondLst>
-                                  <p:childTnLst>
-                                    <p:set>
-                                      <p:cBhvr>
-                                        <p:cTn id="6" dur="1" fill="hold">
-                                          <p:stCondLst>
-                                            <p:cond delay="0"/>
-                                          </p:stCondLst>
-                                        </p:cTn>
-                                        <p:tgtEl>
-                                          <p:spTgt spid="3">
-                                            <p:txEl>
-                                              <p:pRg st="0" end="0"/>
-                                            </p:txEl>
-                                          </p:spTgt>
-                                        </p:tgtEl>
-                                        <p:attrNameLst>
-                                          <p:attrName>style.visibility</p:attrName>
-                                        </p:attrNameLst>
-                                      </p:cBhvr>
-                                      <p:to>
-                                        <p:strVal val="visible"/>
-                                      </p:to>
-                                    </p:set>
-                                    <p:animEffect transition="in" filter="blinds(horizontal)">
-                                      <p:cBhvr>
-                                        <p:cTn id="7" dur="500"/>
-                                        <p:tgtEl>
-                                          <p:spTgt spid="3">
-                                            <p:txEl>
-                                              <p:pRg st="0" end="0"/>
-                                            </p:txEl>
-                                          </p:spTgt>
-                                        </p:tgtEl>
-                                      </p:cBhvr>
-                                    </p:animEffect>
-                                  </p:childTnLst>
-                                </p:cTn>
-                              </p:par>
-                            </p:childTnLst>
-                          </p:cTn>
-                        </p:par>
-                      </p:childTnLst>
-                    </p:cTn>
-                  </p:par>
-                  <p:par>
-                    <p:cTn id="8" fill="hold">
-                      <p:stCondLst>
-                        <p:cond delay="indefinite"/>
-                      </p:stCondLst>
-                      <p:childTnLst>
-                        <p:par>
-                          <p:cTn id="9" fill="hold">
-                            <p:stCondLst>
-                              <p:cond delay="0"/>
-                            </p:stCondLst>
-                            <p:childTnLst>
-                              <p:par>
-                                <p:cTn id="10" presetID="3" presetClass="entr" presetSubtype="10" fill="hold" nodeType="clickEffect">
-                                  <p:stCondLst>
-                                    <p:cond delay="0"/>
-                                  </p:stCondLst>
-                                  <p:childTnLst>
-                                    <p:set>
-                                      <p:cBhvr>
-                                        <p:cTn id="11" dur="1" fill="hold">
-                                          <p:stCondLst>
-                                            <p:cond delay="0"/>
-                                          </p:stCondLst>
-                                        </p:cTn>
-                                        <p:tgtEl>
-                                          <p:spTgt spid="3">
-                                            <p:txEl>
-                                              <p:pRg st="2" end="2"/>
-                                            </p:txEl>
-                                          </p:spTgt>
-                                        </p:tgtEl>
-                                        <p:attrNameLst>
-                                          <p:attrName>style.visibility</p:attrName>
-                                        </p:attrNameLst>
-                                      </p:cBhvr>
-                                      <p:to>
-                                        <p:strVal val="visible"/>
-                                      </p:to>
-                                    </p:set>
-                                    <p:animEffect transition="in" filter="blinds(horizontal)">
-                                      <p:cBhvr>
-                                        <p:cTn id="12" dur="500"/>
-                                        <p:tgtEl>
-                                          <p:spTgt spid="3">
-                                            <p:txEl>
-                                              <p:pRg st="2" end="2"/>
-                                            </p:txEl>
-                                          </p:spTgt>
-                                        </p:tgtEl>
-                                      </p:cBhvr>
-                                    </p:animEffect>
-                                  </p:childTnLst>
-                                </p:cTn>
-                              </p:par>
-                            </p:childTnLst>
-                          </p:cTn>
-                        </p:par>
-                      </p:childTnLst>
-                    </p:cTn>
-                  </p:par>
-                  <p:par>
-                    <p:cTn id="13" fill="hold">
-                      <p:stCondLst>
-                        <p:cond delay="indefinite"/>
-                      </p:stCondLst>
-                      <p:childTnLst>
-                        <p:par>
-                          <p:cTn id="14" fill="hold">
-                            <p:stCondLst>
-                              <p:cond delay="0"/>
-                            </p:stCondLst>
-                            <p:childTnLst>
-                              <p:par>
-                                <p:cTn id="15" presetID="3" presetClass="entr" presetSubtype="10" fill="hold" nodeType="clickEffect">
-                                  <p:stCondLst>
-                                    <p:cond delay="0"/>
-                                  </p:stCondLst>
-                                  <p:childTnLst>
-                                    <p:set>
-                                      <p:cBhvr>
-                                        <p:cTn id="16" dur="1" fill="hold">
-                                          <p:stCondLst>
-                                            <p:cond delay="0"/>
-                                          </p:stCondLst>
-                                        </p:cTn>
-                                        <p:tgtEl>
-                                          <p:spTgt spid="3">
-                                            <p:txEl>
-                                              <p:pRg st="4" end="4"/>
-                                            </p:txEl>
-                                          </p:spTgt>
-                                        </p:tgtEl>
-                                        <p:attrNameLst>
-                                          <p:attrName>style.visibility</p:attrName>
-                                        </p:attrNameLst>
-                                      </p:cBhvr>
-                                      <p:to>
-                                        <p:strVal val="visible"/>
-                                      </p:to>
-                                    </p:set>
-                                    <p:animEffect transition="in" filter="blinds(horizontal)">
-                                      <p:cBhvr>
-                                        <p:cTn id="17" dur="500"/>
-                                        <p:tgtEl>
-                                          <p:spTgt spid="3">
-                                            <p:txEl>
-                                              <p:pRg st="4" end="4"/>
-                                            </p:txEl>
-                                          </p:spTgt>
-                                        </p:tgtEl>
-                                      </p:cBhvr>
-                                    </p:animEffect>
-                                  </p:childTnLst>
-                                </p:cTn>
-                              </p:par>
-                            </p:childTnLst>
-                          </p:cTn>
-                        </p:par>
-                      </p:childTnLst>
-                    </p:cTn>
-                  </p:par>
-                </p:childTnLst>
-              </p:cTn>
-              <p:prevCondLst>
-                <p:cond evt="onPrev" delay="0">
-                  <p:tgtEl>
-                    <p:sldTgt/>
-                  </p:tgtEl>
-                </p:cond>
-              </p:prevCondLst>
-              <p:nextCondLst>
-                <p:cond evt="onNext" delay="0">
-                  <p:tgtEl>
-                    <p:sldTgt/>
-                  </p:tgtEl>
-                </p:cond>
-              </p:nextCondLst>
-            </p:seq>
-          </p:childTnLst>
-        </p:cTn>
-      </p:par>
-    </p:tnLst>
-  </p:timing>
-</p:sld>
-</file>
-
-<file path=ppt/slides/slide40.xml><?xml version="1.0" encoding="utf-8"?>
+<file path=ppt/slides/slide39.xml><?xml version="1.0" encoding="utf-8"?>
 <p:sld xmlns:a="http://schemas.openxmlformats.org/drawingml/2006/main" xmlns:r="http://schemas.openxmlformats.org/officeDocument/2006/relationships" xmlns:p="http://schemas.openxmlformats.org/presentationml/2006/main">
   <p:cSld>
     <p:spTree>
@@ -28066,7 +27245,7 @@
 </p:sld>
 </file>
 
-<file path=ppt/slides/slide41.xml><?xml version="1.0" encoding="utf-8"?>
+<file path=ppt/slides/slide4.xml><?xml version="1.0" encoding="utf-8"?>
 <p:sld xmlns:a="http://schemas.openxmlformats.org/drawingml/2006/main" xmlns:r="http://schemas.openxmlformats.org/officeDocument/2006/relationships" xmlns:p="http://schemas.openxmlformats.org/presentationml/2006/main">
   <p:cSld>
     <p:spTree>
@@ -28085,6 +27264,396 @@
       </p:grpSpPr>
       <p:sp>
         <p:nvSpPr>
+          <p:cNvPr id="6146" name="Title 1"/>
+          <p:cNvSpPr>
+            <a:spLocks noGrp="1"/>
+          </p:cNvSpPr>
+          <p:nvPr>
+            <p:ph type="title"/>
+          </p:nvPr>
+        </p:nvSpPr>
+        <p:spPr/>
+        <p:txBody>
+          <a:bodyPr/>
+          <a:lstStyle/>
+          <a:p>
+            <a:r>
+              <a:rPr lang="en-US" smtClean="0"/>
+              <a:t>What is the Dependency Graph</a:t>
+            </a:r>
+          </a:p>
+        </p:txBody>
+      </p:sp>
+      <p:sp>
+        <p:nvSpPr>
+          <p:cNvPr id="3" name="Content Placeholder 2"/>
+          <p:cNvSpPr>
+            <a:spLocks noGrp="1"/>
+          </p:cNvSpPr>
+          <p:nvPr>
+            <p:ph idx="1"/>
+          </p:nvPr>
+        </p:nvSpPr>
+        <p:spPr/>
+        <p:txBody>
+          <a:bodyPr/>
+          <a:lstStyle/>
+          <a:p>
+            <a:pPr>
+              <a:buClr>
+                <a:schemeClr val="bg1"/>
+              </a:buClr>
+              <a:buSzPct val="100000"/>
+              <a:buFont typeface="Arial" pitchFamily="34" charset="0"/>
+              <a:buChar char="•"/>
+              <a:defRPr/>
+            </a:pPr>
+            <a:r>
+              <a:rPr lang="en-US" dirty="0" smtClean="0"/>
+              <a:t>Control system for Maya</a:t>
+            </a:r>
+          </a:p>
+          <a:p>
+            <a:pPr>
+              <a:buClr>
+                <a:schemeClr val="bg1"/>
+              </a:buClr>
+              <a:buSzPct val="100000"/>
+              <a:buFont typeface="Arial" pitchFamily="34" charset="0"/>
+              <a:buChar char="•"/>
+              <a:defRPr/>
+            </a:pPr>
+            <a:endParaRPr lang="en-US" dirty="0" smtClean="0"/>
+          </a:p>
+          <a:p>
+            <a:pPr>
+              <a:buClr>
+                <a:schemeClr val="bg1"/>
+              </a:buClr>
+              <a:buSzPct val="100000"/>
+              <a:buFont typeface="Arial" pitchFamily="34" charset="0"/>
+              <a:buChar char="•"/>
+              <a:defRPr/>
+            </a:pPr>
+            <a:r>
+              <a:rPr lang="en-US" dirty="0" smtClean="0"/>
+              <a:t> Glue that holds together disparate operations and lets them work together seamlessly</a:t>
+            </a:r>
+          </a:p>
+          <a:p>
+            <a:pPr>
+              <a:buClr>
+                <a:schemeClr val="bg1"/>
+              </a:buClr>
+              <a:buSzPct val="100000"/>
+              <a:buFont typeface="Arial" pitchFamily="34" charset="0"/>
+              <a:buChar char="•"/>
+              <a:defRPr/>
+            </a:pPr>
+            <a:endParaRPr lang="en-US" dirty="0" smtClean="0"/>
+          </a:p>
+          <a:p>
+            <a:pPr>
+              <a:buClr>
+                <a:schemeClr val="bg1"/>
+              </a:buClr>
+              <a:buSzPct val="100000"/>
+              <a:buFont typeface="Arial" pitchFamily="34" charset="0"/>
+              <a:buChar char="•"/>
+              <a:defRPr/>
+            </a:pPr>
+            <a:r>
+              <a:rPr lang="en-US" dirty="0" smtClean="0"/>
+              <a:t> Foundation of the Maya file format</a:t>
+            </a:r>
+          </a:p>
+          <a:p>
+            <a:pPr>
+              <a:buFontTx/>
+              <a:buNone/>
+              <a:defRPr/>
+            </a:pPr>
+            <a:endParaRPr lang="en-US" dirty="0"/>
+          </a:p>
+        </p:txBody>
+      </p:sp>
+      <p:pic>
+        <p:nvPicPr>
+          <p:cNvPr id="4" name="Picture 4" descr="mne_bottom_bar"/>
+          <p:cNvPicPr>
+            <a:picLocks noChangeAspect="1" noChangeArrowheads="1"/>
+          </p:cNvPicPr>
+          <p:nvPr/>
+        </p:nvPicPr>
+        <p:blipFill>
+          <a:blip r:embed="rId3" cstate="print"/>
+          <a:srcRect/>
+          <a:stretch>
+            <a:fillRect/>
+          </a:stretch>
+        </p:blipFill>
+        <p:spPr bwMode="auto">
+          <a:xfrm>
+            <a:off x="540469" y="5110832"/>
+            <a:ext cx="7981950" cy="1046162"/>
+          </a:xfrm>
+          <a:prstGeom prst="rect">
+            <a:avLst/>
+          </a:prstGeom>
+          <a:noFill/>
+          <a:ln w="3175">
+            <a:solidFill>
+              <a:srgbClr val="DDDDDD"/>
+            </a:solidFill>
+            <a:miter lim="800000"/>
+            <a:headEnd/>
+            <a:tailEnd/>
+          </a:ln>
+        </p:spPr>
+      </p:pic>
+    </p:spTree>
+  </p:cSld>
+  <p:clrMapOvr>
+    <a:masterClrMapping/>
+  </p:clrMapOvr>
+  <p:transition spd="med">
+    <p:fade/>
+  </p:transition>
+  <p:timing>
+    <p:tnLst>
+      <p:par>
+        <p:cTn id="1" dur="indefinite" restart="never" nodeType="tmRoot">
+          <p:childTnLst>
+            <p:seq concurrent="1" nextAc="seek">
+              <p:cTn id="2" dur="indefinite" nodeType="mainSeq">
+                <p:childTnLst>
+                  <p:par>
+                    <p:cTn id="3" fill="hold">
+                      <p:stCondLst>
+                        <p:cond delay="indefinite"/>
+                      </p:stCondLst>
+                      <p:childTnLst>
+                        <p:par>
+                          <p:cTn id="4" fill="hold">
+                            <p:stCondLst>
+                              <p:cond delay="0"/>
+                            </p:stCondLst>
+                            <p:childTnLst>
+                              <p:par>
+                                <p:cTn id="5" presetID="3" presetClass="entr" presetSubtype="10" fill="hold" nodeType="clickEffect">
+                                  <p:stCondLst>
+                                    <p:cond delay="0"/>
+                                  </p:stCondLst>
+                                  <p:childTnLst>
+                                    <p:set>
+                                      <p:cBhvr>
+                                        <p:cTn id="6" dur="1" fill="hold">
+                                          <p:stCondLst>
+                                            <p:cond delay="0"/>
+                                          </p:stCondLst>
+                                        </p:cTn>
+                                        <p:tgtEl>
+                                          <p:spTgt spid="3">
+                                            <p:txEl>
+                                              <p:pRg st="0" end="0"/>
+                                            </p:txEl>
+                                          </p:spTgt>
+                                        </p:tgtEl>
+                                        <p:attrNameLst>
+                                          <p:attrName>style.visibility</p:attrName>
+                                        </p:attrNameLst>
+                                      </p:cBhvr>
+                                      <p:to>
+                                        <p:strVal val="visible"/>
+                                      </p:to>
+                                    </p:set>
+                                    <p:animEffect transition="in" filter="blinds(horizontal)">
+                                      <p:cBhvr>
+                                        <p:cTn id="7" dur="500"/>
+                                        <p:tgtEl>
+                                          <p:spTgt spid="3">
+                                            <p:txEl>
+                                              <p:pRg st="0" end="0"/>
+                                            </p:txEl>
+                                          </p:spTgt>
+                                        </p:tgtEl>
+                                      </p:cBhvr>
+                                    </p:animEffect>
+                                  </p:childTnLst>
+                                </p:cTn>
+                              </p:par>
+                            </p:childTnLst>
+                          </p:cTn>
+                        </p:par>
+                      </p:childTnLst>
+                    </p:cTn>
+                  </p:par>
+                  <p:par>
+                    <p:cTn id="8" fill="hold">
+                      <p:stCondLst>
+                        <p:cond delay="indefinite"/>
+                      </p:stCondLst>
+                      <p:childTnLst>
+                        <p:par>
+                          <p:cTn id="9" fill="hold">
+                            <p:stCondLst>
+                              <p:cond delay="0"/>
+                            </p:stCondLst>
+                            <p:childTnLst>
+                              <p:par>
+                                <p:cTn id="10" presetID="3" presetClass="entr" presetSubtype="10" fill="hold" nodeType="clickEffect">
+                                  <p:stCondLst>
+                                    <p:cond delay="0"/>
+                                  </p:stCondLst>
+                                  <p:childTnLst>
+                                    <p:set>
+                                      <p:cBhvr>
+                                        <p:cTn id="11" dur="1" fill="hold">
+                                          <p:stCondLst>
+                                            <p:cond delay="0"/>
+                                          </p:stCondLst>
+                                        </p:cTn>
+                                        <p:tgtEl>
+                                          <p:spTgt spid="3">
+                                            <p:txEl>
+                                              <p:pRg st="2" end="2"/>
+                                            </p:txEl>
+                                          </p:spTgt>
+                                        </p:tgtEl>
+                                        <p:attrNameLst>
+                                          <p:attrName>style.visibility</p:attrName>
+                                        </p:attrNameLst>
+                                      </p:cBhvr>
+                                      <p:to>
+                                        <p:strVal val="visible"/>
+                                      </p:to>
+                                    </p:set>
+                                    <p:animEffect transition="in" filter="blinds(horizontal)">
+                                      <p:cBhvr>
+                                        <p:cTn id="12" dur="500"/>
+                                        <p:tgtEl>
+                                          <p:spTgt spid="3">
+                                            <p:txEl>
+                                              <p:pRg st="2" end="2"/>
+                                            </p:txEl>
+                                          </p:spTgt>
+                                        </p:tgtEl>
+                                      </p:cBhvr>
+                                    </p:animEffect>
+                                  </p:childTnLst>
+                                </p:cTn>
+                              </p:par>
+                            </p:childTnLst>
+                          </p:cTn>
+                        </p:par>
+                      </p:childTnLst>
+                    </p:cTn>
+                  </p:par>
+                  <p:par>
+                    <p:cTn id="13" fill="hold">
+                      <p:stCondLst>
+                        <p:cond delay="indefinite"/>
+                      </p:stCondLst>
+                      <p:childTnLst>
+                        <p:par>
+                          <p:cTn id="14" fill="hold">
+                            <p:stCondLst>
+                              <p:cond delay="0"/>
+                            </p:stCondLst>
+                            <p:childTnLst>
+                              <p:par>
+                                <p:cTn id="15" presetID="3" presetClass="entr" presetSubtype="10" fill="hold" nodeType="clickEffect">
+                                  <p:stCondLst>
+                                    <p:cond delay="0"/>
+                                  </p:stCondLst>
+                                  <p:childTnLst>
+                                    <p:set>
+                                      <p:cBhvr>
+                                        <p:cTn id="16" dur="1" fill="hold">
+                                          <p:stCondLst>
+                                            <p:cond delay="0"/>
+                                          </p:stCondLst>
+                                        </p:cTn>
+                                        <p:tgtEl>
+                                          <p:spTgt spid="3">
+                                            <p:txEl>
+                                              <p:pRg st="4" end="4"/>
+                                            </p:txEl>
+                                          </p:spTgt>
+                                        </p:tgtEl>
+                                        <p:attrNameLst>
+                                          <p:attrName>style.visibility</p:attrName>
+                                        </p:attrNameLst>
+                                      </p:cBhvr>
+                                      <p:to>
+                                        <p:strVal val="visible"/>
+                                      </p:to>
+                                    </p:set>
+                                    <p:animEffect transition="in" filter="blinds(horizontal)">
+                                      <p:cBhvr>
+                                        <p:cTn id="17" dur="500"/>
+                                        <p:tgtEl>
+                                          <p:spTgt spid="3">
+                                            <p:txEl>
+                                              <p:pRg st="4" end="4"/>
+                                            </p:txEl>
+                                          </p:spTgt>
+                                        </p:tgtEl>
+                                      </p:cBhvr>
+                                    </p:animEffect>
+                                  </p:childTnLst>
+                                </p:cTn>
+                              </p:par>
+                            </p:childTnLst>
+                          </p:cTn>
+                        </p:par>
+                      </p:childTnLst>
+                    </p:cTn>
+                  </p:par>
+                </p:childTnLst>
+              </p:cTn>
+              <p:prevCondLst>
+                <p:cond evt="onPrev" delay="0">
+                  <p:tgtEl>
+                    <p:sldTgt/>
+                  </p:tgtEl>
+                </p:cond>
+              </p:prevCondLst>
+              <p:nextCondLst>
+                <p:cond evt="onNext" delay="0">
+                  <p:tgtEl>
+                    <p:sldTgt/>
+                  </p:tgtEl>
+                </p:cond>
+              </p:nextCondLst>
+            </p:seq>
+          </p:childTnLst>
+        </p:cTn>
+      </p:par>
+    </p:tnLst>
+  </p:timing>
+</p:sld>
+</file>
+
+<file path=ppt/slides/slide40.xml><?xml version="1.0" encoding="utf-8"?>
+<p:sld xmlns:a="http://schemas.openxmlformats.org/drawingml/2006/main" xmlns:r="http://schemas.openxmlformats.org/officeDocument/2006/relationships" xmlns:p="http://schemas.openxmlformats.org/presentationml/2006/main">
+  <p:cSld>
+    <p:spTree>
+      <p:nvGrpSpPr>
+        <p:cNvPr id="1" name=""/>
+        <p:cNvGrpSpPr/>
+        <p:nvPr/>
+      </p:nvGrpSpPr>
+      <p:grpSpPr>
+        <a:xfrm>
+          <a:off x="0" y="0"/>
+          <a:ext cx="0" cy="0"/>
+          <a:chOff x="0" y="0"/>
+          <a:chExt cx="0" cy="0"/>
+        </a:xfrm>
+      </p:grpSpPr>
+      <p:sp>
+        <p:nvSpPr>
           <p:cNvPr id="2" name="Title 1"/>
           <p:cNvSpPr>
             <a:spLocks noGrp="1"/>
@@ -28153,8 +27722,12 @@
           </a:p>
           <a:p>
             <a:r>
+              <a:rPr lang="en-US" smtClean="0"/>
+              <a:t>To deregister </a:t>
+            </a:r>
+            <a:r>
               <a:rPr lang="en-US" dirty="0" smtClean="0"/>
-              <a:t>To deregister your node</a:t>
+              <a:t>your node</a:t>
             </a:r>
           </a:p>
           <a:p>
@@ -30015,7 +29588,7 @@
 </p:sld>
 </file>
 
-<file path=ppt/slides/slide42.xml><?xml version="1.0" encoding="utf-8"?>
+<file path=ppt/slides/slide41.xml><?xml version="1.0" encoding="utf-8"?>
 <p:sld xmlns:a="http://schemas.openxmlformats.org/drawingml/2006/main" xmlns:r="http://schemas.openxmlformats.org/officeDocument/2006/relationships" xmlns:p="http://schemas.openxmlformats.org/presentationml/2006/main">
   <p:cSld>
     <p:spTree>
@@ -30783,17 +30356,7 @@
                 <a:latin typeface="Calibri" pitchFamily="34" charset="0"/>
                 <a:cs typeface="Courier New" pitchFamily="49" charset="0"/>
               </a:rPr>
-              <a:t>;     //output </a:t>
-            </a:r>
-            <a:r>
-              <a:rPr lang="en-CA" sz="1400" u="none" dirty="0" smtClean="0">
-                <a:solidFill>
-                  <a:srgbClr val="FFFF00"/>
-                </a:solidFill>
-                <a:latin typeface="Calibri" pitchFamily="34" charset="0"/>
-                <a:cs typeface="Courier New" pitchFamily="49" charset="0"/>
-              </a:rPr>
-              <a:t>attribute</a:t>
+              <a:t>;     //output attribute</a:t>
             </a:r>
           </a:p>
           <a:p>
@@ -31454,7 +31017,7 @@
 </p:sld>
 </file>
 
-<file path=ppt/slides/slide43.xml><?xml version="1.0" encoding="utf-8"?>
+<file path=ppt/slides/slide42.xml><?xml version="1.0" encoding="utf-8"?>
 <p:sld xmlns:a="http://schemas.openxmlformats.org/drawingml/2006/main" xmlns:r="http://schemas.openxmlformats.org/officeDocument/2006/relationships" xmlns:p="http://schemas.openxmlformats.org/presentationml/2006/main">
   <p:cSld>
     <p:spTree>
@@ -31735,7 +31298,7 @@
 </p:sld>
 </file>
 
-<file path=ppt/slides/slide44.xml><?xml version="1.0" encoding="utf-8"?>
+<file path=ppt/slides/slide43.xml><?xml version="1.0" encoding="utf-8"?>
 <p:sld xmlns:a="http://schemas.openxmlformats.org/drawingml/2006/main" xmlns:r="http://schemas.openxmlformats.org/officeDocument/2006/relationships" xmlns:p="http://schemas.openxmlformats.org/presentationml/2006/main">
   <p:cSld>
     <p:spTree>
@@ -32231,7 +31794,7 @@
 </p:sld>
 </file>
 
-<file path=ppt/slides/slide45.xml><?xml version="1.0" encoding="utf-8"?>
+<file path=ppt/slides/slide44.xml><?xml version="1.0" encoding="utf-8"?>
 <p:sld xmlns:a="http://schemas.openxmlformats.org/drawingml/2006/main" xmlns:r="http://schemas.openxmlformats.org/officeDocument/2006/relationships" xmlns:p="http://schemas.openxmlformats.org/presentationml/2006/main">
   <p:cSld>
     <p:spTree>
@@ -32444,6 +32007,213 @@
           </a:p>
         </p:txBody>
       </p:sp>
+      <p:sp>
+        <p:nvSpPr>
+          <p:cNvPr id="6" name="Rounded Rectangle 5"/>
+          <p:cNvSpPr/>
+          <p:nvPr/>
+        </p:nvSpPr>
+        <p:spPr>
+          <a:xfrm>
+            <a:off x="3543300" y="5638800"/>
+            <a:ext cx="1828800" cy="457200"/>
+          </a:xfrm>
+          <a:prstGeom prst="roundRect">
+            <a:avLst/>
+          </a:prstGeom>
+        </p:spPr>
+        <p:style>
+          <a:lnRef idx="2">
+            <a:schemeClr val="accent1">
+              <a:shade val="50000"/>
+            </a:schemeClr>
+          </a:lnRef>
+          <a:fillRef idx="1">
+            <a:schemeClr val="accent1"/>
+          </a:fillRef>
+          <a:effectRef idx="0">
+            <a:schemeClr val="accent1"/>
+          </a:effectRef>
+          <a:fontRef idx="minor">
+            <a:schemeClr val="lt1"/>
+          </a:fontRef>
+        </p:style>
+        <p:txBody>
+          <a:bodyPr rtlCol="0" anchor="ctr"/>
+          <a:lstStyle/>
+          <a:p>
+            <a:pPr algn="ctr"/>
+            <a:r>
+              <a:rPr lang="en-US" sz="1400" dirty="0" smtClean="0"/>
+              <a:t>Custom Node A</a:t>
+            </a:r>
+            <a:endParaRPr lang="en-US" sz="1400" dirty="0"/>
+          </a:p>
+        </p:txBody>
+      </p:sp>
+      <p:sp>
+        <p:nvSpPr>
+          <p:cNvPr id="7" name="Rounded Rectangle 6"/>
+          <p:cNvSpPr/>
+          <p:nvPr/>
+        </p:nvSpPr>
+        <p:spPr>
+          <a:xfrm>
+            <a:off x="3543300" y="6315869"/>
+            <a:ext cx="1828800" cy="439738"/>
+          </a:xfrm>
+          <a:prstGeom prst="roundRect">
+            <a:avLst/>
+          </a:prstGeom>
+        </p:spPr>
+        <p:style>
+          <a:lnRef idx="2">
+            <a:schemeClr val="accent1">
+              <a:shade val="50000"/>
+            </a:schemeClr>
+          </a:lnRef>
+          <a:fillRef idx="1">
+            <a:schemeClr val="accent1"/>
+          </a:fillRef>
+          <a:effectRef idx="0">
+            <a:schemeClr val="accent1"/>
+          </a:effectRef>
+          <a:fontRef idx="minor">
+            <a:schemeClr val="lt1"/>
+          </a:fontRef>
+        </p:style>
+        <p:txBody>
+          <a:bodyPr rtlCol="0" anchor="ctr"/>
+          <a:lstStyle/>
+          <a:p>
+            <a:pPr algn="ctr"/>
+            <a:r>
+              <a:rPr lang="en-US" sz="1400" dirty="0" smtClean="0"/>
+              <a:t>Custom Node B</a:t>
+            </a:r>
+            <a:endParaRPr lang="en-US" sz="1400" dirty="0"/>
+          </a:p>
+        </p:txBody>
+      </p:sp>
+      <p:cxnSp>
+        <p:nvCxnSpPr>
+          <p:cNvPr id="10" name="Straight Arrow Connector 9"/>
+          <p:cNvCxnSpPr>
+            <a:stCxn id="7" idx="0"/>
+            <a:endCxn id="6" idx="2"/>
+          </p:cNvCxnSpPr>
+          <p:nvPr/>
+        </p:nvCxnSpPr>
+        <p:spPr>
+          <a:xfrm rot="5400000" flipH="1" flipV="1">
+            <a:off x="4347766" y="6205935"/>
+            <a:ext cx="219869" cy="1588"/>
+          </a:xfrm>
+          <a:prstGeom prst="straightConnector1">
+            <a:avLst/>
+          </a:prstGeom>
+          <a:ln w="19050">
+            <a:solidFill>
+              <a:schemeClr val="bg1"/>
+            </a:solidFill>
+            <a:tailEnd type="triangle"/>
+          </a:ln>
+        </p:spPr>
+        <p:style>
+          <a:lnRef idx="1">
+            <a:schemeClr val="accent1"/>
+          </a:lnRef>
+          <a:fillRef idx="0">
+            <a:schemeClr val="accent1"/>
+          </a:fillRef>
+          <a:effectRef idx="0">
+            <a:schemeClr val="accent1"/>
+          </a:effectRef>
+          <a:fontRef idx="minor">
+            <a:schemeClr val="tx1"/>
+          </a:fontRef>
+        </p:style>
+      </p:cxnSp>
+      <p:sp>
+        <p:nvSpPr>
+          <p:cNvPr id="19" name="Rounded Rectangle 18"/>
+          <p:cNvSpPr/>
+          <p:nvPr/>
+        </p:nvSpPr>
+        <p:spPr>
+          <a:xfrm>
+            <a:off x="3544095" y="4961730"/>
+            <a:ext cx="1828800" cy="457200"/>
+          </a:xfrm>
+          <a:prstGeom prst="roundRect">
+            <a:avLst/>
+          </a:prstGeom>
+        </p:spPr>
+        <p:style>
+          <a:lnRef idx="2">
+            <a:schemeClr val="accent1">
+              <a:shade val="50000"/>
+            </a:schemeClr>
+          </a:lnRef>
+          <a:fillRef idx="1">
+            <a:schemeClr val="accent1"/>
+          </a:fillRef>
+          <a:effectRef idx="0">
+            <a:schemeClr val="accent1"/>
+          </a:effectRef>
+          <a:fontRef idx="minor">
+            <a:schemeClr val="lt1"/>
+          </a:fontRef>
+        </p:style>
+        <p:txBody>
+          <a:bodyPr rtlCol="0" anchor="ctr"/>
+          <a:lstStyle/>
+          <a:p>
+            <a:pPr algn="ctr"/>
+            <a:r>
+              <a:rPr lang="en-US" sz="1400" dirty="0" err="1" smtClean="0"/>
+              <a:t>MPxNode</a:t>
+            </a:r>
+            <a:endParaRPr lang="en-US" sz="1400" dirty="0"/>
+          </a:p>
+        </p:txBody>
+      </p:sp>
+      <p:cxnSp>
+        <p:nvCxnSpPr>
+          <p:cNvPr id="22" name="Straight Arrow Connector 21"/>
+          <p:cNvCxnSpPr/>
+          <p:nvPr/>
+        </p:nvCxnSpPr>
+        <p:spPr>
+          <a:xfrm rot="5400000" flipH="1" flipV="1">
+            <a:off x="4346178" y="5528071"/>
+            <a:ext cx="219869" cy="1588"/>
+          </a:xfrm>
+          <a:prstGeom prst="straightConnector1">
+            <a:avLst/>
+          </a:prstGeom>
+          <a:ln w="19050">
+            <a:solidFill>
+              <a:schemeClr val="bg1"/>
+            </a:solidFill>
+            <a:tailEnd type="triangle"/>
+          </a:ln>
+        </p:spPr>
+        <p:style>
+          <a:lnRef idx="1">
+            <a:schemeClr val="accent1"/>
+          </a:lnRef>
+          <a:fillRef idx="0">
+            <a:schemeClr val="accent1"/>
+          </a:fillRef>
+          <a:effectRef idx="0">
+            <a:schemeClr val="accent1"/>
+          </a:effectRef>
+          <a:fontRef idx="minor">
+            <a:schemeClr val="tx1"/>
+          </a:fontRef>
+        </p:style>
+      </p:cxnSp>
     </p:spTree>
   </p:cSld>
   <p:clrMapOvr>
@@ -32643,6 +32413,253 @@
                       </p:childTnLst>
                     </p:cTn>
                   </p:par>
+                  <p:par>
+                    <p:cTn id="18" fill="hold">
+                      <p:stCondLst>
+                        <p:cond delay="indefinite"/>
+                      </p:stCondLst>
+                      <p:childTnLst>
+                        <p:par>
+                          <p:cTn id="19" fill="hold">
+                            <p:stCondLst>
+                              <p:cond delay="0"/>
+                            </p:stCondLst>
+                            <p:childTnLst>
+                              <p:par>
+                                <p:cTn id="20" presetID="3" presetClass="entr" presetSubtype="10" fill="hold" grpId="0" nodeType="clickEffect">
+                                  <p:stCondLst>
+                                    <p:cond delay="0"/>
+                                  </p:stCondLst>
+                                  <p:childTnLst>
+                                    <p:set>
+                                      <p:cBhvr>
+                                        <p:cTn id="21" dur="1" fill="hold">
+                                          <p:stCondLst>
+                                            <p:cond delay="0"/>
+                                          </p:stCondLst>
+                                        </p:cTn>
+                                        <p:tgtEl>
+                                          <p:spTgt spid="6"/>
+                                        </p:tgtEl>
+                                        <p:attrNameLst>
+                                          <p:attrName>style.visibility</p:attrName>
+                                        </p:attrNameLst>
+                                      </p:cBhvr>
+                                      <p:to>
+                                        <p:strVal val="visible"/>
+                                      </p:to>
+                                    </p:set>
+                                    <p:animEffect transition="in" filter="blinds(horizontal)">
+                                      <p:cBhvr>
+                                        <p:cTn id="22" dur="500"/>
+                                        <p:tgtEl>
+                                          <p:spTgt spid="6"/>
+                                        </p:tgtEl>
+                                      </p:cBhvr>
+                                    </p:animEffect>
+                                  </p:childTnLst>
+                                </p:cTn>
+                              </p:par>
+                            </p:childTnLst>
+                          </p:cTn>
+                        </p:par>
+                      </p:childTnLst>
+                    </p:cTn>
+                  </p:par>
+                  <p:par>
+                    <p:cTn id="23" fill="hold">
+                      <p:stCondLst>
+                        <p:cond delay="indefinite"/>
+                      </p:stCondLst>
+                      <p:childTnLst>
+                        <p:par>
+                          <p:cTn id="24" fill="hold">
+                            <p:stCondLst>
+                              <p:cond delay="0"/>
+                            </p:stCondLst>
+                            <p:childTnLst>
+                              <p:par>
+                                <p:cTn id="25" presetID="3" presetClass="entr" presetSubtype="10" fill="hold" nodeType="clickEffect">
+                                  <p:stCondLst>
+                                    <p:cond delay="0"/>
+                                  </p:stCondLst>
+                                  <p:childTnLst>
+                                    <p:set>
+                                      <p:cBhvr>
+                                        <p:cTn id="26" dur="1" fill="hold">
+                                          <p:stCondLst>
+                                            <p:cond delay="0"/>
+                                          </p:stCondLst>
+                                        </p:cTn>
+                                        <p:tgtEl>
+                                          <p:spTgt spid="22"/>
+                                        </p:tgtEl>
+                                        <p:attrNameLst>
+                                          <p:attrName>style.visibility</p:attrName>
+                                        </p:attrNameLst>
+                                      </p:cBhvr>
+                                      <p:to>
+                                        <p:strVal val="visible"/>
+                                      </p:to>
+                                    </p:set>
+                                    <p:animEffect transition="in" filter="blinds(horizontal)">
+                                      <p:cBhvr>
+                                        <p:cTn id="27" dur="500"/>
+                                        <p:tgtEl>
+                                          <p:spTgt spid="22"/>
+                                        </p:tgtEl>
+                                      </p:cBhvr>
+                                    </p:animEffect>
+                                  </p:childTnLst>
+                                </p:cTn>
+                              </p:par>
+                              <p:par>
+                                <p:cTn id="28" presetID="3" presetClass="entr" presetSubtype="10" fill="hold" grpId="0" nodeType="withEffect">
+                                  <p:stCondLst>
+                                    <p:cond delay="0"/>
+                                  </p:stCondLst>
+                                  <p:childTnLst>
+                                    <p:set>
+                                      <p:cBhvr>
+                                        <p:cTn id="29" dur="1" fill="hold">
+                                          <p:stCondLst>
+                                            <p:cond delay="0"/>
+                                          </p:stCondLst>
+                                        </p:cTn>
+                                        <p:tgtEl>
+                                          <p:spTgt spid="19"/>
+                                        </p:tgtEl>
+                                        <p:attrNameLst>
+                                          <p:attrName>style.visibility</p:attrName>
+                                        </p:attrNameLst>
+                                      </p:cBhvr>
+                                      <p:to>
+                                        <p:strVal val="visible"/>
+                                      </p:to>
+                                    </p:set>
+                                    <p:animEffect transition="in" filter="blinds(horizontal)">
+                                      <p:cBhvr>
+                                        <p:cTn id="30" dur="500"/>
+                                        <p:tgtEl>
+                                          <p:spTgt spid="19"/>
+                                        </p:tgtEl>
+                                      </p:cBhvr>
+                                    </p:animEffect>
+                                  </p:childTnLst>
+                                </p:cTn>
+                              </p:par>
+                            </p:childTnLst>
+                          </p:cTn>
+                        </p:par>
+                      </p:childTnLst>
+                    </p:cTn>
+                  </p:par>
+                  <p:par>
+                    <p:cTn id="31" fill="hold">
+                      <p:stCondLst>
+                        <p:cond delay="indefinite"/>
+                      </p:stCondLst>
+                      <p:childTnLst>
+                        <p:par>
+                          <p:cTn id="32" fill="hold">
+                            <p:stCondLst>
+                              <p:cond delay="0"/>
+                            </p:stCondLst>
+                            <p:childTnLst>
+                              <p:par>
+                                <p:cTn id="33" presetID="3" presetClass="entr" presetSubtype="10" fill="hold" grpId="0" nodeType="clickEffect">
+                                  <p:stCondLst>
+                                    <p:cond delay="0"/>
+                                  </p:stCondLst>
+                                  <p:childTnLst>
+                                    <p:set>
+                                      <p:cBhvr>
+                                        <p:cTn id="34" dur="1" fill="hold">
+                                          <p:stCondLst>
+                                            <p:cond delay="0"/>
+                                          </p:stCondLst>
+                                        </p:cTn>
+                                        <p:tgtEl>
+                                          <p:spTgt spid="7"/>
+                                        </p:tgtEl>
+                                        <p:attrNameLst>
+                                          <p:attrName>style.visibility</p:attrName>
+                                        </p:attrNameLst>
+                                      </p:cBhvr>
+                                      <p:to>
+                                        <p:strVal val="visible"/>
+                                      </p:to>
+                                    </p:set>
+                                    <p:animEffect transition="in" filter="blinds(horizontal)">
+                                      <p:cBhvr>
+                                        <p:cTn id="35" dur="500"/>
+                                        <p:tgtEl>
+                                          <p:spTgt spid="7"/>
+                                        </p:tgtEl>
+                                      </p:cBhvr>
+                                    </p:animEffect>
+                                  </p:childTnLst>
+                                </p:cTn>
+                              </p:par>
+                            </p:childTnLst>
+                          </p:cTn>
+                        </p:par>
+                      </p:childTnLst>
+                    </p:cTn>
+                  </p:par>
+                  <p:par>
+                    <p:cTn id="36" fill="hold">
+                      <p:stCondLst>
+                        <p:cond delay="indefinite"/>
+                      </p:stCondLst>
+                      <p:childTnLst>
+                        <p:par>
+                          <p:cTn id="37" fill="hold">
+                            <p:stCondLst>
+                              <p:cond delay="0"/>
+                            </p:stCondLst>
+                            <p:childTnLst>
+                              <p:par>
+                                <p:cTn id="38" presetID="3" presetClass="entr" presetSubtype="10" fill="hold" nodeType="clickEffect">
+                                  <p:stCondLst>
+                                    <p:cond delay="0"/>
+                                  </p:stCondLst>
+                                  <p:childTnLst>
+                                    <p:set>
+                                      <p:cBhvr>
+                                        <p:cTn id="39" dur="1" fill="hold">
+                                          <p:stCondLst>
+                                            <p:cond delay="0"/>
+                                          </p:stCondLst>
+                                        </p:cTn>
+                                        <p:tgtEl>
+                                          <p:spTgt spid="10"/>
+                                        </p:tgtEl>
+                                        <p:attrNameLst>
+                                          <p:attrName>style.visibility</p:attrName>
+                                        </p:attrNameLst>
+                                      </p:cBhvr>
+                                      <p:to>
+                                        <p:strVal val="visible"/>
+                                      </p:to>
+                                    </p:set>
+                                    <p:animEffect transition="in" filter="blinds(horizontal)">
+                                      <p:cBhvr>
+                                        <p:cTn id="40" dur="500"/>
+                                        <p:tgtEl>
+                                          <p:spTgt spid="10"/>
+                                        </p:tgtEl>
+                                      </p:cBhvr>
+                                    </p:animEffect>
+                                  </p:childTnLst>
+                                </p:cTn>
+                              </p:par>
+                            </p:childTnLst>
+                          </p:cTn>
+                        </p:par>
+                      </p:childTnLst>
+                    </p:cTn>
+                  </p:par>
                 </p:childTnLst>
               </p:cTn>
               <p:prevCondLst>
@@ -32664,11 +32681,16 @@
         </p:cTn>
       </p:par>
     </p:tnLst>
+    <p:bldLst>
+      <p:bldP spid="6" grpId="0" animBg="1"/>
+      <p:bldP spid="7" grpId="0" animBg="1"/>
+      <p:bldP spid="19" grpId="0" animBg="1"/>
+    </p:bldLst>
   </p:timing>
 </p:sld>
 </file>
 
-<file path=ppt/slides/slide46.xml><?xml version="1.0" encoding="utf-8"?>
+<file path=ppt/slides/slide45.xml><?xml version="1.0" encoding="utf-8"?>
 <p:sld xmlns:a="http://schemas.openxmlformats.org/drawingml/2006/main" xmlns:r="http://schemas.openxmlformats.org/officeDocument/2006/relationships" xmlns:p="http://schemas.openxmlformats.org/presentationml/2006/main">
   <p:cSld>
     <p:spTree>
@@ -35322,6 +35344,216 @@
                                   </p:childTnLst>
                                 </p:cTn>
                               </p:par>
+                              <p:par>
+                                <p:cTn id="47" presetID="3" presetClass="entr" presetSubtype="10" fill="hold" grpId="0" nodeType="withEffect">
+                                  <p:stCondLst>
+                                    <p:cond delay="0"/>
+                                  </p:stCondLst>
+                                  <p:childTnLst>
+                                    <p:set>
+                                      <p:cBhvr>
+                                        <p:cTn id="48" dur="1" fill="hold">
+                                          <p:stCondLst>
+                                            <p:cond delay="0"/>
+                                          </p:stCondLst>
+                                        </p:cTn>
+                                        <p:tgtEl>
+                                          <p:spTgt spid="15"/>
+                                        </p:tgtEl>
+                                        <p:attrNameLst>
+                                          <p:attrName>style.visibility</p:attrName>
+                                        </p:attrNameLst>
+                                      </p:cBhvr>
+                                      <p:to>
+                                        <p:strVal val="visible"/>
+                                      </p:to>
+                                    </p:set>
+                                    <p:animEffect transition="in" filter="blinds(horizontal)">
+                                      <p:cBhvr>
+                                        <p:cTn id="49" dur="500"/>
+                                        <p:tgtEl>
+                                          <p:spTgt spid="15"/>
+                                        </p:tgtEl>
+                                      </p:cBhvr>
+                                    </p:animEffect>
+                                  </p:childTnLst>
+                                </p:cTn>
+                              </p:par>
+                              <p:par>
+                                <p:cTn id="50" presetID="3" presetClass="entr" presetSubtype="10" fill="hold" grpId="0" nodeType="withEffect">
+                                  <p:stCondLst>
+                                    <p:cond delay="0"/>
+                                  </p:stCondLst>
+                                  <p:childTnLst>
+                                    <p:set>
+                                      <p:cBhvr>
+                                        <p:cTn id="51" dur="1" fill="hold">
+                                          <p:stCondLst>
+                                            <p:cond delay="0"/>
+                                          </p:stCondLst>
+                                        </p:cTn>
+                                        <p:tgtEl>
+                                          <p:spTgt spid="17"/>
+                                        </p:tgtEl>
+                                        <p:attrNameLst>
+                                          <p:attrName>style.visibility</p:attrName>
+                                        </p:attrNameLst>
+                                      </p:cBhvr>
+                                      <p:to>
+                                        <p:strVal val="visible"/>
+                                      </p:to>
+                                    </p:set>
+                                    <p:animEffect transition="in" filter="blinds(horizontal)">
+                                      <p:cBhvr>
+                                        <p:cTn id="52" dur="500"/>
+                                        <p:tgtEl>
+                                          <p:spTgt spid="17"/>
+                                        </p:tgtEl>
+                                      </p:cBhvr>
+                                    </p:animEffect>
+                                  </p:childTnLst>
+                                </p:cTn>
+                              </p:par>
+                              <p:par>
+                                <p:cTn id="53" presetID="3" presetClass="entr" presetSubtype="10" fill="hold" grpId="0" nodeType="withEffect">
+                                  <p:stCondLst>
+                                    <p:cond delay="0"/>
+                                  </p:stCondLst>
+                                  <p:childTnLst>
+                                    <p:set>
+                                      <p:cBhvr>
+                                        <p:cTn id="54" dur="1" fill="hold">
+                                          <p:stCondLst>
+                                            <p:cond delay="0"/>
+                                          </p:stCondLst>
+                                        </p:cTn>
+                                        <p:tgtEl>
+                                          <p:spTgt spid="19"/>
+                                        </p:tgtEl>
+                                        <p:attrNameLst>
+                                          <p:attrName>style.visibility</p:attrName>
+                                        </p:attrNameLst>
+                                      </p:cBhvr>
+                                      <p:to>
+                                        <p:strVal val="visible"/>
+                                      </p:to>
+                                    </p:set>
+                                    <p:animEffect transition="in" filter="blinds(horizontal)">
+                                      <p:cBhvr>
+                                        <p:cTn id="55" dur="500"/>
+                                        <p:tgtEl>
+                                          <p:spTgt spid="19"/>
+                                        </p:tgtEl>
+                                      </p:cBhvr>
+                                    </p:animEffect>
+                                  </p:childTnLst>
+                                </p:cTn>
+                              </p:par>
+                              <p:par>
+                                <p:cTn id="56" presetID="3" presetClass="entr" presetSubtype="10" fill="hold" grpId="0" nodeType="withEffect">
+                                  <p:stCondLst>
+                                    <p:cond delay="0"/>
+                                  </p:stCondLst>
+                                  <p:childTnLst>
+                                    <p:set>
+                                      <p:cBhvr>
+                                        <p:cTn id="57" dur="1" fill="hold">
+                                          <p:stCondLst>
+                                            <p:cond delay="0"/>
+                                          </p:stCondLst>
+                                        </p:cTn>
+                                        <p:tgtEl>
+                                          <p:spTgt spid="18"/>
+                                        </p:tgtEl>
+                                        <p:attrNameLst>
+                                          <p:attrName>style.visibility</p:attrName>
+                                        </p:attrNameLst>
+                                      </p:cBhvr>
+                                      <p:to>
+                                        <p:strVal val="visible"/>
+                                      </p:to>
+                                    </p:set>
+                                    <p:animEffect transition="in" filter="blinds(horizontal)">
+                                      <p:cBhvr>
+                                        <p:cTn id="58" dur="500"/>
+                                        <p:tgtEl>
+                                          <p:spTgt spid="18"/>
+                                        </p:tgtEl>
+                                      </p:cBhvr>
+                                    </p:animEffect>
+                                  </p:childTnLst>
+                                </p:cTn>
+                              </p:par>
+                              <p:par>
+                                <p:cTn id="59" presetID="3" presetClass="entr" presetSubtype="10" fill="hold" grpId="0" nodeType="withEffect">
+                                  <p:stCondLst>
+                                    <p:cond delay="0"/>
+                                  </p:stCondLst>
+                                  <p:childTnLst>
+                                    <p:set>
+                                      <p:cBhvr>
+                                        <p:cTn id="60" dur="1" fill="hold">
+                                          <p:stCondLst>
+                                            <p:cond delay="0"/>
+                                          </p:stCondLst>
+                                        </p:cTn>
+                                        <p:tgtEl>
+                                          <p:spTgt spid="20"/>
+                                        </p:tgtEl>
+                                        <p:attrNameLst>
+                                          <p:attrName>style.visibility</p:attrName>
+                                        </p:attrNameLst>
+                                      </p:cBhvr>
+                                      <p:to>
+                                        <p:strVal val="visible"/>
+                                      </p:to>
+                                    </p:set>
+                                    <p:animEffect transition="in" filter="blinds(horizontal)">
+                                      <p:cBhvr>
+                                        <p:cTn id="61" dur="500"/>
+                                        <p:tgtEl>
+                                          <p:spTgt spid="20"/>
+                                        </p:tgtEl>
+                                      </p:cBhvr>
+                                    </p:animEffect>
+                                  </p:childTnLst>
+                                </p:cTn>
+                              </p:par>
+                              <p:par>
+                                <p:cTn id="62" presetID="3" presetClass="entr" presetSubtype="10" fill="hold" grpId="0" nodeType="withEffect">
+                                  <p:stCondLst>
+                                    <p:cond delay="0"/>
+                                  </p:stCondLst>
+                                  <p:childTnLst>
+                                    <p:set>
+                                      <p:cBhvr>
+                                        <p:cTn id="63" dur="1" fill="hold">
+                                          <p:stCondLst>
+                                            <p:cond delay="0"/>
+                                          </p:stCondLst>
+                                        </p:cTn>
+                                        <p:tgtEl>
+                                          <p:spTgt spid="16"/>
+                                        </p:tgtEl>
+                                        <p:attrNameLst>
+                                          <p:attrName>style.visibility</p:attrName>
+                                        </p:attrNameLst>
+                                      </p:cBhvr>
+                                      <p:to>
+                                        <p:strVal val="visible"/>
+                                      </p:to>
+                                    </p:set>
+                                    <p:animEffect transition="in" filter="blinds(horizontal)">
+                                      <p:cBhvr>
+                                        <p:cTn id="64" dur="500"/>
+                                        <p:tgtEl>
+                                          <p:spTgt spid="16"/>
+                                        </p:tgtEl>
+                                      </p:cBhvr>
+                                    </p:animEffect>
+                                  </p:childTnLst>
+                                </p:cTn>
+                              </p:par>
                             </p:childTnLst>
                           </p:cTn>
                         </p:par>
@@ -35329,26 +35561,26 @@
                     </p:cTn>
                   </p:par>
                   <p:par>
-                    <p:cTn id="47" fill="hold">
+                    <p:cTn id="65" fill="hold">
                       <p:stCondLst>
                         <p:cond delay="indefinite"/>
                       </p:stCondLst>
                       <p:childTnLst>
                         <p:par>
-                          <p:cTn id="48" fill="hold">
+                          <p:cTn id="66" fill="hold">
                             <p:stCondLst>
                               <p:cond delay="0"/>
                             </p:stCondLst>
                             <p:childTnLst>
                               <p:par>
-                                <p:cTn id="49" presetID="3" presetClass="entr" presetSubtype="10" fill="hold" nodeType="clickEffect">
+                                <p:cTn id="67" presetID="3" presetClass="entr" presetSubtype="10" fill="hold" nodeType="clickEffect">
                                   <p:stCondLst>
                                     <p:cond delay="0"/>
                                   </p:stCondLst>
                                   <p:childTnLst>
                                     <p:set>
                                       <p:cBhvr>
-                                        <p:cTn id="50" dur="1" fill="hold">
+                                        <p:cTn id="68" dur="1" fill="hold">
                                           <p:stCondLst>
                                             <p:cond delay="0"/>
                                           </p:stCondLst>
@@ -35370,7 +35602,7 @@
                                     </p:set>
                                     <p:animEffect transition="in" filter="blinds(horizontal)">
                                       <p:cBhvr>
-                                        <p:cTn id="51" dur="500"/>
+                                        <p:cTn id="69" dur="500"/>
                                         <p:tgtEl>
                                           <p:spTgt spid="6">
                                             <p:txEl>
@@ -35384,14 +35616,14 @@
                                 </p:cTn>
                               </p:par>
                               <p:par>
-                                <p:cTn id="52" presetID="3" presetClass="entr" presetSubtype="10" fill="hold" grpId="0" nodeType="withEffect">
+                                <p:cTn id="70" presetID="3" presetClass="entr" presetSubtype="10" fill="hold" grpId="0" nodeType="withEffect">
                                   <p:stCondLst>
                                     <p:cond delay="0"/>
                                   </p:stCondLst>
                                   <p:childTnLst>
                                     <p:set>
                                       <p:cBhvr>
-                                        <p:cTn id="53" dur="1" fill="hold">
+                                        <p:cTn id="71" dur="1" fill="hold">
                                           <p:stCondLst>
                                             <p:cond delay="0"/>
                                           </p:stCondLst>
@@ -35409,7 +35641,7 @@
                                     </p:set>
                                     <p:animEffect transition="in" filter="blinds(horizontal)">
                                       <p:cBhvr>
-                                        <p:cTn id="54" dur="500"/>
+                                        <p:cTn id="72" dur="500"/>
                                         <p:tgtEl>
                                           <p:spTgt spid="11"/>
                                         </p:tgtEl>
@@ -35419,14 +35651,14 @@
                                 </p:cTn>
                               </p:par>
                               <p:par>
-                                <p:cTn id="55" presetID="3" presetClass="entr" presetSubtype="10" fill="hold" grpId="0" nodeType="withEffect">
+                                <p:cTn id="73" presetID="3" presetClass="entr" presetSubtype="10" fill="hold" grpId="0" nodeType="withEffect">
                                   <p:stCondLst>
                                     <p:cond delay="0"/>
                                   </p:stCondLst>
                                   <p:childTnLst>
                                     <p:set>
                                       <p:cBhvr>
-                                        <p:cTn id="56" dur="1" fill="hold">
+                                        <p:cTn id="74" dur="1" fill="hold">
                                           <p:stCondLst>
                                             <p:cond delay="0"/>
                                           </p:stCondLst>
@@ -35444,272 +35676,9 @@
                                     </p:set>
                                     <p:animEffect transition="in" filter="blinds(horizontal)">
                                       <p:cBhvr>
-                                        <p:cTn id="57" dur="500"/>
+                                        <p:cTn id="75" dur="500"/>
                                         <p:tgtEl>
                                           <p:spTgt spid="12"/>
-                                        </p:tgtEl>
-                                      </p:cBhvr>
-                                    </p:animEffect>
-                                  </p:childTnLst>
-                                </p:cTn>
-                              </p:par>
-                            </p:childTnLst>
-                          </p:cTn>
-                        </p:par>
-                      </p:childTnLst>
-                    </p:cTn>
-                  </p:par>
-                  <p:par>
-                    <p:cTn id="58" fill="hold">
-                      <p:stCondLst>
-                        <p:cond delay="indefinite"/>
-                      </p:stCondLst>
-                      <p:childTnLst>
-                        <p:par>
-                          <p:cTn id="59" fill="hold">
-                            <p:stCondLst>
-                              <p:cond delay="0"/>
-                            </p:stCondLst>
-                            <p:childTnLst>
-                              <p:par>
-                                <p:cTn id="60" presetID="3" presetClass="entr" presetSubtype="10" fill="hold" grpId="0" nodeType="clickEffect">
-                                  <p:stCondLst>
-                                    <p:cond delay="0"/>
-                                  </p:stCondLst>
-                                  <p:childTnLst>
-                                    <p:set>
-                                      <p:cBhvr>
-                                        <p:cTn id="61" dur="1" fill="hold">
-                                          <p:stCondLst>
-                                            <p:cond delay="0"/>
-                                          </p:stCondLst>
-                                        </p:cTn>
-                                        <p:tgtEl>
-                                          <p:spTgt spid="16"/>
-                                        </p:tgtEl>
-                                        <p:attrNameLst>
-                                          <p:attrName>style.visibility</p:attrName>
-                                        </p:attrNameLst>
-                                      </p:cBhvr>
-                                      <p:to>
-                                        <p:strVal val="visible"/>
-                                      </p:to>
-                                    </p:set>
-                                    <p:animEffect transition="in" filter="blinds(horizontal)">
-                                      <p:cBhvr>
-                                        <p:cTn id="62" dur="500"/>
-                                        <p:tgtEl>
-                                          <p:spTgt spid="16"/>
-                                        </p:tgtEl>
-                                      </p:cBhvr>
-                                    </p:animEffect>
-                                  </p:childTnLst>
-                                </p:cTn>
-                              </p:par>
-                              <p:par>
-                                <p:cTn id="63" presetID="3" presetClass="entr" presetSubtype="10" fill="hold" grpId="0" nodeType="withEffect">
-                                  <p:stCondLst>
-                                    <p:cond delay="0"/>
-                                  </p:stCondLst>
-                                  <p:childTnLst>
-                                    <p:set>
-                                      <p:cBhvr>
-                                        <p:cTn id="64" dur="1" fill="hold">
-                                          <p:stCondLst>
-                                            <p:cond delay="0"/>
-                                          </p:stCondLst>
-                                        </p:cTn>
-                                        <p:tgtEl>
-                                          <p:spTgt spid="15"/>
-                                        </p:tgtEl>
-                                        <p:attrNameLst>
-                                          <p:attrName>style.visibility</p:attrName>
-                                        </p:attrNameLst>
-                                      </p:cBhvr>
-                                      <p:to>
-                                        <p:strVal val="visible"/>
-                                      </p:to>
-                                    </p:set>
-                                    <p:animEffect transition="in" filter="blinds(horizontal)">
-                                      <p:cBhvr>
-                                        <p:cTn id="65" dur="500"/>
-                                        <p:tgtEl>
-                                          <p:spTgt spid="15"/>
-                                        </p:tgtEl>
-                                      </p:cBhvr>
-                                    </p:animEffect>
-                                  </p:childTnLst>
-                                </p:cTn>
-                              </p:par>
-                              <p:par>
-                                <p:cTn id="66" presetID="3" presetClass="entr" presetSubtype="10" fill="hold" grpId="0" nodeType="withEffect">
-                                  <p:stCondLst>
-                                    <p:cond delay="0"/>
-                                  </p:stCondLst>
-                                  <p:childTnLst>
-                                    <p:set>
-                                      <p:cBhvr>
-                                        <p:cTn id="67" dur="1" fill="hold">
-                                          <p:stCondLst>
-                                            <p:cond delay="0"/>
-                                          </p:stCondLst>
-                                        </p:cTn>
-                                        <p:tgtEl>
-                                          <p:spTgt spid="13"/>
-                                        </p:tgtEl>
-                                        <p:attrNameLst>
-                                          <p:attrName>style.visibility</p:attrName>
-                                        </p:attrNameLst>
-                                      </p:cBhvr>
-                                      <p:to>
-                                        <p:strVal val="visible"/>
-                                      </p:to>
-                                    </p:set>
-                                    <p:animEffect transition="in" filter="blinds(horizontal)">
-                                      <p:cBhvr>
-                                        <p:cTn id="68" dur="500"/>
-                                        <p:tgtEl>
-                                          <p:spTgt spid="13"/>
-                                        </p:tgtEl>
-                                      </p:cBhvr>
-                                    </p:animEffect>
-                                  </p:childTnLst>
-                                </p:cTn>
-                              </p:par>
-                              <p:par>
-                                <p:cTn id="69" presetID="3" presetClass="entr" presetSubtype="10" fill="hold" grpId="0" nodeType="withEffect">
-                                  <p:stCondLst>
-                                    <p:cond delay="0"/>
-                                  </p:stCondLst>
-                                  <p:childTnLst>
-                                    <p:set>
-                                      <p:cBhvr>
-                                        <p:cTn id="70" dur="1" fill="hold">
-                                          <p:stCondLst>
-                                            <p:cond delay="0"/>
-                                          </p:stCondLst>
-                                        </p:cTn>
-                                        <p:tgtEl>
-                                          <p:spTgt spid="17"/>
-                                        </p:tgtEl>
-                                        <p:attrNameLst>
-                                          <p:attrName>style.visibility</p:attrName>
-                                        </p:attrNameLst>
-                                      </p:cBhvr>
-                                      <p:to>
-                                        <p:strVal val="visible"/>
-                                      </p:to>
-                                    </p:set>
-                                    <p:animEffect transition="in" filter="blinds(horizontal)">
-                                      <p:cBhvr>
-                                        <p:cTn id="71" dur="500"/>
-                                        <p:tgtEl>
-                                          <p:spTgt spid="17"/>
-                                        </p:tgtEl>
-                                      </p:cBhvr>
-                                    </p:animEffect>
-                                  </p:childTnLst>
-                                </p:cTn>
-                              </p:par>
-                              <p:par>
-                                <p:cTn id="72" presetID="3" presetClass="entr" presetSubtype="10" fill="hold" grpId="0" nodeType="withEffect">
-                                  <p:stCondLst>
-                                    <p:cond delay="0"/>
-                                  </p:stCondLst>
-                                  <p:childTnLst>
-                                    <p:set>
-                                      <p:cBhvr>
-                                        <p:cTn id="73" dur="1" fill="hold">
-                                          <p:stCondLst>
-                                            <p:cond delay="0"/>
-                                          </p:stCondLst>
-                                        </p:cTn>
-                                        <p:tgtEl>
-                                          <p:spTgt spid="18"/>
-                                        </p:tgtEl>
-                                        <p:attrNameLst>
-                                          <p:attrName>style.visibility</p:attrName>
-                                        </p:attrNameLst>
-                                      </p:cBhvr>
-                                      <p:to>
-                                        <p:strVal val="visible"/>
-                                      </p:to>
-                                    </p:set>
-                                    <p:animEffect transition="in" filter="blinds(horizontal)">
-                                      <p:cBhvr>
-                                        <p:cTn id="74" dur="500"/>
-                                        <p:tgtEl>
-                                          <p:spTgt spid="18"/>
-                                        </p:tgtEl>
-                                      </p:cBhvr>
-                                    </p:animEffect>
-                                  </p:childTnLst>
-                                </p:cTn>
-                              </p:par>
-                              <p:par>
-                                <p:cTn id="75" presetID="3" presetClass="entr" presetSubtype="10" fill="hold" grpId="0" nodeType="withEffect">
-                                  <p:stCondLst>
-                                    <p:cond delay="0"/>
-                                  </p:stCondLst>
-                                  <p:childTnLst>
-                                    <p:set>
-                                      <p:cBhvr>
-                                        <p:cTn id="76" dur="1" fill="hold">
-                                          <p:stCondLst>
-                                            <p:cond delay="0"/>
-                                          </p:stCondLst>
-                                        </p:cTn>
-                                        <p:tgtEl>
-                                          <p:spTgt spid="20"/>
-                                        </p:tgtEl>
-                                        <p:attrNameLst>
-                                          <p:attrName>style.visibility</p:attrName>
-                                        </p:attrNameLst>
-                                      </p:cBhvr>
-                                      <p:to>
-                                        <p:strVal val="visible"/>
-                                      </p:to>
-                                    </p:set>
-                                    <p:animEffect transition="in" filter="blinds(horizontal)">
-                                      <p:cBhvr>
-                                        <p:cTn id="77" dur="500"/>
-                                        <p:tgtEl>
-                                          <p:spTgt spid="20"/>
-                                        </p:tgtEl>
-                                      </p:cBhvr>
-                                    </p:animEffect>
-                                  </p:childTnLst>
-                                </p:cTn>
-                              </p:par>
-                              <p:par>
-                                <p:cTn id="78" presetID="3" presetClass="entr" presetSubtype="10" fill="hold" grpId="0" nodeType="withEffect">
-                                  <p:stCondLst>
-                                    <p:cond delay="0"/>
-                                  </p:stCondLst>
-                                  <p:childTnLst>
-                                    <p:set>
-                                      <p:cBhvr>
-                                        <p:cTn id="79" dur="1" fill="hold">
-                                          <p:stCondLst>
-                                            <p:cond delay="0"/>
-                                          </p:stCondLst>
-                                        </p:cTn>
-                                        <p:tgtEl>
-                                          <p:spTgt spid="19"/>
-                                        </p:tgtEl>
-                                        <p:attrNameLst>
-                                          <p:attrName>style.visibility</p:attrName>
-                                        </p:attrNameLst>
-                                      </p:cBhvr>
-                                      <p:to>
-                                        <p:strVal val="visible"/>
-                                      </p:to>
-                                    </p:set>
-                                    <p:animEffect transition="in" filter="blinds(horizontal)">
-                                      <p:cBhvr>
-                                        <p:cTn id="80" dur="500"/>
-                                        <p:tgtEl>
-                                          <p:spTgt spid="19"/>
                                         </p:tgtEl>
                                       </p:cBhvr>
                                     </p:animEffect>
@@ -35748,7 +35717,6 @@
       <p:bldP spid="10" grpId="0" animBg="1"/>
       <p:bldP spid="11" grpId="0" animBg="1"/>
       <p:bldP spid="12" grpId="0" animBg="1"/>
-      <p:bldP spid="13" grpId="0" animBg="1"/>
       <p:bldP spid="15" grpId="0"/>
       <p:bldP spid="16" grpId="0" animBg="1"/>
       <p:bldP spid="17" grpId="0"/>
@@ -35760,7 +35728,7 @@
 </p:sld>
 </file>
 
-<file path=ppt/slides/slide47.xml><?xml version="1.0" encoding="utf-8"?>
+<file path=ppt/slides/slide46.xml><?xml version="1.0" encoding="utf-8"?>
 <p:sld xmlns:a="http://schemas.openxmlformats.org/drawingml/2006/main" xmlns:r="http://schemas.openxmlformats.org/officeDocument/2006/relationships" xmlns:p="http://schemas.openxmlformats.org/presentationml/2006/main">
   <p:cSld>
     <p:spTree>
@@ -37550,7 +37518,7 @@
 </p:sld>
 </file>
 
-<file path=ppt/slides/slide48.xml><?xml version="1.0" encoding="utf-8"?>
+<file path=ppt/slides/slide47.xml><?xml version="1.0" encoding="utf-8"?>
 <p:sld xmlns:a="http://schemas.openxmlformats.org/drawingml/2006/main" xmlns:r="http://schemas.openxmlformats.org/officeDocument/2006/relationships" xmlns:p="http://schemas.openxmlformats.org/presentationml/2006/main">
   <p:cSld>
     <p:spTree>
@@ -38472,17 +38440,7 @@
                 <a:latin typeface="Calibri" pitchFamily="34" charset="0"/>
                 <a:cs typeface="Arial" charset="0"/>
               </a:rPr>
-              <a:t>myOutputAttr</a:t>
-            </a:r>
-            <a:r>
-              <a:rPr lang="en-US" sz="1400" dirty="0" smtClean="0">
-                <a:solidFill>
-                  <a:srgbClr val="FFFF00"/>
-                </a:solidFill>
-                <a:latin typeface="Calibri" pitchFamily="34" charset="0"/>
-                <a:cs typeface="Arial" charset="0"/>
-              </a:rPr>
-              <a:t> Two</a:t>
+              <a:t>myOutputAttrTwo</a:t>
             </a:r>
             <a:r>
               <a:rPr kumimoji="1" lang="en-US" sz="1400" dirty="0" smtClean="0">
@@ -39153,8 +39111,8 @@
         </p:nvSpPr>
         <p:spPr bwMode="auto">
           <a:xfrm>
-            <a:off x="1371600" y="6336392"/>
-            <a:ext cx="2286000" cy="398691"/>
+            <a:off x="1219200" y="6336392"/>
+            <a:ext cx="2362200" cy="398691"/>
           </a:xfrm>
           <a:prstGeom prst="roundRect">
             <a:avLst>
@@ -40098,6 +40056,96 @@
 </p:sld>
 </file>
 
+<file path=ppt/slides/slide48.xml><?xml version="1.0" encoding="utf-8"?>
+<p:sld xmlns:a="http://schemas.openxmlformats.org/drawingml/2006/main" xmlns:r="http://schemas.openxmlformats.org/officeDocument/2006/relationships" xmlns:p="http://schemas.openxmlformats.org/presentationml/2006/main">
+  <p:cSld>
+    <p:spTree>
+      <p:nvGrpSpPr>
+        <p:cNvPr id="1" name=""/>
+        <p:cNvGrpSpPr/>
+        <p:nvPr/>
+      </p:nvGrpSpPr>
+      <p:grpSpPr>
+        <a:xfrm>
+          <a:off x="0" y="0"/>
+          <a:ext cx="0" cy="0"/>
+          <a:chOff x="0" y="0"/>
+          <a:chExt cx="0" cy="0"/>
+        </a:xfrm>
+      </p:grpSpPr>
+      <p:sp>
+        <p:nvSpPr>
+          <p:cNvPr id="38914" name="Title 1"/>
+          <p:cNvSpPr>
+            <a:spLocks noGrp="1"/>
+          </p:cNvSpPr>
+          <p:nvPr>
+            <p:ph type="title"/>
+          </p:nvPr>
+        </p:nvSpPr>
+        <p:spPr/>
+        <p:txBody>
+          <a:bodyPr/>
+          <a:lstStyle/>
+          <a:p>
+            <a:r>
+              <a:rPr lang="en-US" dirty="0" smtClean="0"/>
+              <a:t>Example: </a:t>
+            </a:r>
+            <a:r>
+              <a:rPr lang="en-US" dirty="0" err="1" smtClean="0"/>
+              <a:t>simpleNode</a:t>
+            </a:r>
+            <a:endParaRPr lang="en-US" dirty="0" smtClean="0"/>
+          </a:p>
+        </p:txBody>
+      </p:sp>
+      <p:sp>
+        <p:nvSpPr>
+          <p:cNvPr id="38915" name="Content Placeholder 2"/>
+          <p:cNvSpPr>
+            <a:spLocks noGrp="1"/>
+          </p:cNvSpPr>
+          <p:nvPr>
+            <p:ph idx="1"/>
+          </p:nvPr>
+        </p:nvSpPr>
+        <p:spPr/>
+        <p:txBody>
+          <a:bodyPr/>
+          <a:lstStyle/>
+          <a:p>
+            <a:pPr lvl="1">
+              <a:buNone/>
+            </a:pPr>
+            <a:r>
+              <a:rPr lang="en-US" sz="2400" dirty="0" smtClean="0"/>
+              <a:t>   In this example, we implement a custom node with two attributes: “input”, ”output”. Whenever the “input” attribute value changes, the “output” attribute will always be the input value multiplied by 2.</a:t>
+            </a:r>
+          </a:p>
+          <a:p>
+            <a:endParaRPr lang="en-US" dirty="0" smtClean="0"/>
+          </a:p>
+        </p:txBody>
+      </p:sp>
+    </p:spTree>
+  </p:cSld>
+  <p:clrMapOvr>
+    <a:masterClrMapping/>
+  </p:clrMapOvr>
+  <p:transition spd="med">
+    <p:fade/>
+  </p:transition>
+  <p:timing>
+    <p:tnLst>
+      <p:par>
+        <p:cTn id="1" dur="indefinite" restart="never" nodeType="tmRoot"/>
+      </p:par>
+    </p:tnLst>
+  </p:timing>
+</p:sld>
+</file>
+
 <file path=ppt/slides/slide49.xml><?xml version="1.0" encoding="utf-8"?>
 <p:sld xmlns:a="http://schemas.openxmlformats.org/drawingml/2006/main" xmlns:r="http://schemas.openxmlformats.org/officeDocument/2006/relationships" xmlns:p="http://schemas.openxmlformats.org/presentationml/2006/main">
   <p:cSld>
@@ -40117,7 +40165,7 @@
       </p:grpSpPr>
       <p:sp>
         <p:nvSpPr>
-          <p:cNvPr id="38914" name="Title 1"/>
+          <p:cNvPr id="53250" name="Title 1"/>
           <p:cNvSpPr>
             <a:spLocks noGrp="1"/>
           </p:cNvSpPr>
@@ -40125,56 +40173,21 @@
             <p:ph type="title"/>
           </p:nvPr>
         </p:nvSpPr>
-        <p:spPr/>
+        <p:spPr>
+          <a:xfrm>
+            <a:off x="565150" y="2855913"/>
+            <a:ext cx="8083550" cy="995362"/>
+          </a:xfrm>
+        </p:spPr>
         <p:txBody>
           <a:bodyPr/>
           <a:lstStyle/>
           <a:p>
-            <a:r>
-              <a:rPr lang="en-US" dirty="0" smtClean="0"/>
-              <a:t>Example: </a:t>
-            </a:r>
-            <a:r>
-              <a:rPr lang="en-US" dirty="0" err="1" smtClean="0"/>
-              <a:t>simpleNode</a:t>
-            </a:r>
-            <a:endParaRPr lang="en-US" dirty="0" smtClean="0"/>
-          </a:p>
-        </p:txBody>
-      </p:sp>
-      <p:sp>
-        <p:nvSpPr>
-          <p:cNvPr id="38915" name="Content Placeholder 2"/>
-          <p:cNvSpPr>
-            <a:spLocks noGrp="1"/>
-          </p:cNvSpPr>
-          <p:nvPr>
-            <p:ph idx="1"/>
-          </p:nvPr>
-        </p:nvSpPr>
-        <p:spPr/>
-        <p:txBody>
-          <a:bodyPr/>
-          <a:lstStyle/>
-          <a:p>
-            <a:pPr lvl="1">
-              <a:buNone/>
-            </a:pPr>
-            <a:r>
-              <a:rPr lang="en-US" sz="2400" dirty="0" smtClean="0"/>
-              <a:t>   In this example, we implement a custom node with three attributes: “input”, ”output” , “</a:t>
-            </a:r>
-            <a:r>
-              <a:rPr lang="en-US" sz="2400" dirty="0" err="1" smtClean="0"/>
-              <a:t>descString</a:t>
-            </a:r>
-            <a:r>
-              <a:rPr lang="en-US" sz="2400" dirty="0" smtClean="0"/>
-              <a:t>”. Whenever the “input” attribute value changes, the “output” attribute will always be the input value multiplied by 2.</a:t>
-            </a:r>
-          </a:p>
-          <a:p>
-            <a:endParaRPr lang="en-US" dirty="0" smtClean="0"/>
+            <a:pPr algn="ctr" eaLnBrk="1" hangingPunct="1"/>
+            <a:r>
+              <a:rPr lang="en-US" sz="9700" dirty="0" smtClean="0"/>
+              <a:t>Q &amp; A</a:t>
+            </a:r>
           </a:p>
         </p:txBody>
       </p:sp>
@@ -40316,7 +40329,7 @@
           <p:nvPr/>
         </p:nvPicPr>
         <p:blipFill>
-          <a:blip r:embed="rId3"/>
+          <a:blip r:embed="rId3" cstate="print"/>
           <a:srcRect/>
           <a:stretch>
             <a:fillRect/>
@@ -40652,204 +40665,6 @@
       </p:grpSpPr>
       <p:sp>
         <p:nvSpPr>
-          <p:cNvPr id="66562" name="Title 1"/>
-          <p:cNvSpPr>
-            <a:spLocks noGrp="1"/>
-          </p:cNvSpPr>
-          <p:nvPr>
-            <p:ph type="title"/>
-          </p:nvPr>
-        </p:nvSpPr>
-        <p:spPr/>
-        <p:txBody>
-          <a:bodyPr/>
-          <a:lstStyle/>
-          <a:p>
-            <a:r>
-              <a:rPr lang="en-US" dirty="0" smtClean="0"/>
-              <a:t>Example: </a:t>
-            </a:r>
-            <a:r>
-              <a:rPr lang="en-US" dirty="0" err="1" smtClean="0"/>
-              <a:t>transCircleNode</a:t>
-            </a:r>
-            <a:r>
-              <a:rPr lang="en-US" dirty="0" smtClean="0"/>
-              <a:t> </a:t>
-            </a:r>
-          </a:p>
-        </p:txBody>
-      </p:sp>
-      <p:sp>
-        <p:nvSpPr>
-          <p:cNvPr id="66563" name="Content Placeholder 2"/>
-          <p:cNvSpPr>
-            <a:spLocks noGrp="1"/>
-          </p:cNvSpPr>
-          <p:nvPr>
-            <p:ph idx="1"/>
-          </p:nvPr>
-        </p:nvSpPr>
-        <p:spPr/>
-        <p:txBody>
-          <a:bodyPr/>
-          <a:lstStyle/>
-          <a:p>
-            <a:pPr>
-              <a:buFontTx/>
-              <a:buNone/>
-            </a:pPr>
-            <a:r>
-              <a:rPr lang="en-US" dirty="0" smtClean="0"/>
-              <a:t> 	In this example, we implement a custom node </a:t>
-            </a:r>
-            <a:r>
-              <a:rPr lang="en-US" dirty="0" err="1" smtClean="0"/>
-              <a:t>transCircleNode</a:t>
-            </a:r>
-            <a:r>
-              <a:rPr lang="en-US" dirty="0" smtClean="0"/>
-              <a:t>, it  takes in a compound input translate attribute “</a:t>
-            </a:r>
-            <a:r>
-              <a:rPr lang="en-US" dirty="0" err="1" smtClean="0"/>
-              <a:t>inputTranslate</a:t>
-            </a:r>
-            <a:r>
-              <a:rPr lang="en-US" dirty="0" smtClean="0"/>
-              <a:t>”, and output a compound translate attribute “</a:t>
-            </a:r>
-            <a:r>
-              <a:rPr lang="en-US" dirty="0" err="1" smtClean="0"/>
-              <a:t>outputTranslate</a:t>
-            </a:r>
-            <a:r>
-              <a:rPr lang="en-US" dirty="0" smtClean="0"/>
-              <a:t>”, the value of </a:t>
-            </a:r>
-            <a:r>
-              <a:rPr lang="en-US" dirty="0" err="1" smtClean="0"/>
-              <a:t>outputTranslate</a:t>
-            </a:r>
-            <a:r>
-              <a:rPr lang="en-US" dirty="0" smtClean="0"/>
-              <a:t> is the value of </a:t>
-            </a:r>
-            <a:r>
-              <a:rPr lang="en-US" dirty="0" err="1" smtClean="0"/>
-              <a:t>inputTranslate</a:t>
-            </a:r>
-            <a:r>
-              <a:rPr lang="en-US" dirty="0" smtClean="0"/>
-              <a:t> plus the value of a circular movement based on current time frame. </a:t>
-            </a:r>
-            <a:endParaRPr lang="en-US" sz="2000" dirty="0" smtClean="0"/>
-          </a:p>
-          <a:p>
-            <a:endParaRPr lang="en-US" dirty="0" smtClean="0"/>
-          </a:p>
-        </p:txBody>
-      </p:sp>
-    </p:spTree>
-  </p:cSld>
-  <p:clrMapOvr>
-    <a:masterClrMapping/>
-  </p:clrMapOvr>
-  <p:transition spd="med">
-    <p:fade/>
-  </p:transition>
-  <p:timing>
-    <p:tnLst>
-      <p:par>
-        <p:cTn id="1" dur="indefinite" restart="never" nodeType="tmRoot"/>
-      </p:par>
-    </p:tnLst>
-  </p:timing>
-</p:sld>
-</file>
-
-<file path=ppt/slides/slide51.xml><?xml version="1.0" encoding="utf-8"?>
-<p:sld xmlns:a="http://schemas.openxmlformats.org/drawingml/2006/main" xmlns:r="http://schemas.openxmlformats.org/officeDocument/2006/relationships" xmlns:p="http://schemas.openxmlformats.org/presentationml/2006/main">
-  <p:cSld>
-    <p:spTree>
-      <p:nvGrpSpPr>
-        <p:cNvPr id="1" name=""/>
-        <p:cNvGrpSpPr/>
-        <p:nvPr/>
-      </p:nvGrpSpPr>
-      <p:grpSpPr>
-        <a:xfrm>
-          <a:off x="0" y="0"/>
-          <a:ext cx="0" cy="0"/>
-          <a:chOff x="0" y="0"/>
-          <a:chExt cx="0" cy="0"/>
-        </a:xfrm>
-      </p:grpSpPr>
-      <p:sp>
-        <p:nvSpPr>
-          <p:cNvPr id="53250" name="Title 1"/>
-          <p:cNvSpPr>
-            <a:spLocks noGrp="1"/>
-          </p:cNvSpPr>
-          <p:nvPr>
-            <p:ph type="title"/>
-          </p:nvPr>
-        </p:nvSpPr>
-        <p:spPr>
-          <a:xfrm>
-            <a:off x="565150" y="2855913"/>
-            <a:ext cx="8083550" cy="995362"/>
-          </a:xfrm>
-        </p:spPr>
-        <p:txBody>
-          <a:bodyPr/>
-          <a:lstStyle/>
-          <a:p>
-            <a:pPr algn="ctr" eaLnBrk="1" hangingPunct="1"/>
-            <a:r>
-              <a:rPr lang="en-US" sz="9700" dirty="0" smtClean="0"/>
-              <a:t>Q &amp; A</a:t>
-            </a:r>
-          </a:p>
-        </p:txBody>
-      </p:sp>
-    </p:spTree>
-  </p:cSld>
-  <p:clrMapOvr>
-    <a:masterClrMapping/>
-  </p:clrMapOvr>
-  <p:transition spd="med">
-    <p:fade/>
-  </p:transition>
-  <p:timing>
-    <p:tnLst>
-      <p:par>
-        <p:cTn id="1" dur="indefinite" restart="never" nodeType="tmRoot"/>
-      </p:par>
-    </p:tnLst>
-  </p:timing>
-</p:sld>
-</file>
-
-<file path=ppt/slides/slide52.xml><?xml version="1.0" encoding="utf-8"?>
-<p:sld xmlns:a="http://schemas.openxmlformats.org/drawingml/2006/main" xmlns:r="http://schemas.openxmlformats.org/officeDocument/2006/relationships" xmlns:p="http://schemas.openxmlformats.org/presentationml/2006/main">
-  <p:cSld>
-    <p:spTree>
-      <p:nvGrpSpPr>
-        <p:cNvPr id="1" name=""/>
-        <p:cNvGrpSpPr/>
-        <p:nvPr/>
-      </p:nvGrpSpPr>
-      <p:grpSpPr>
-        <a:xfrm>
-          <a:off x="0" y="0"/>
-          <a:ext cx="0" cy="0"/>
-          <a:chOff x="0" y="0"/>
-          <a:chExt cx="0" cy="0"/>
-        </a:xfrm>
-      </p:grpSpPr>
-      <p:sp>
-        <p:nvSpPr>
           <p:cNvPr id="2" name="Title 1"/>
           <p:cNvSpPr>
             <a:spLocks noGrp="1"/>
@@ -43556,7 +43371,7 @@
           <p:nvPr/>
         </p:nvPicPr>
         <p:blipFill>
-          <a:blip r:embed="rId3"/>
+          <a:blip r:embed="rId3" cstate="print"/>
           <a:srcRect/>
           <a:stretch>
             <a:fillRect/>
@@ -43581,6 +43396,45 @@
           </a:ln>
         </p:spPr>
       </p:pic>
+      <p:sp>
+        <p:nvSpPr>
+          <p:cNvPr id="5" name="AutoShape 7"/>
+          <p:cNvSpPr>
+            <a:spLocks noChangeArrowheads="1"/>
+          </p:cNvSpPr>
+          <p:nvPr/>
+        </p:nvSpPr>
+        <p:spPr bwMode="auto">
+          <a:xfrm>
+            <a:off x="540469" y="2866345"/>
+            <a:ext cx="5860331" cy="398691"/>
+          </a:xfrm>
+          <a:prstGeom prst="roundRect">
+            <a:avLst>
+              <a:gd name="adj" fmla="val 16667"/>
+            </a:avLst>
+          </a:prstGeom>
+          <a:noFill/>
+          <a:ln w="28575">
+            <a:solidFill>
+              <a:schemeClr val="accent2"/>
+            </a:solidFill>
+            <a:round/>
+            <a:headEnd/>
+            <a:tailEnd/>
+          </a:ln>
+          <a:effectLst/>
+        </p:spPr>
+        <p:txBody>
+          <a:bodyPr wrap="square" lIns="82550" tIns="41275" rIns="82550" bIns="41275" anchor="ctr">
+            <a:spAutoFit/>
+          </a:bodyPr>
+          <a:lstStyle/>
+          <a:p>
+            <a:endParaRPr lang="en-US" dirty="0" smtClean="0"/>
+          </a:p>
+        </p:txBody>
+      </p:sp>
     </p:spTree>
   </p:cSld>
   <p:clrMapOvr>
@@ -43841,6 +43695,59 @@
                       </p:childTnLst>
                     </p:cTn>
                   </p:par>
+                  <p:par>
+                    <p:cTn id="23" fill="hold">
+                      <p:stCondLst>
+                        <p:cond delay="indefinite"/>
+                      </p:stCondLst>
+                      <p:childTnLst>
+                        <p:par>
+                          <p:cTn id="24" fill="hold">
+                            <p:stCondLst>
+                              <p:cond delay="0"/>
+                            </p:stCondLst>
+                            <p:childTnLst>
+                              <p:par>
+                                <p:cTn id="25" presetID="3" presetClass="entr" presetSubtype="10" fill="hold" grpId="0" nodeType="clickEffect">
+                                  <p:stCondLst>
+                                    <p:cond delay="0"/>
+                                  </p:stCondLst>
+                                  <p:childTnLst>
+                                    <p:set>
+                                      <p:cBhvr>
+                                        <p:cTn id="26" dur="1" fill="hold">
+                                          <p:stCondLst>
+                                            <p:cond delay="0"/>
+                                          </p:stCondLst>
+                                        </p:cTn>
+                                        <p:tgtEl>
+                                          <p:spTgt spid="5"/>
+                                        </p:tgtEl>
+                                        <p:attrNameLst>
+                                          <p:attrName>style.visibility</p:attrName>
+                                        </p:attrNameLst>
+                                      </p:cBhvr>
+                                      <p:to>
+                                        <p:strVal val="visible"/>
+                                      </p:to>
+                                    </p:set>
+                                    <p:animEffect transition="in" filter="blinds(horizontal)">
+                                      <p:cBhvr>
+                                        <p:cTn id="27" dur="500"/>
+                                        <p:tgtEl>
+                                          <p:spTgt spid="5"/>
+                                        </p:tgtEl>
+                                      </p:cBhvr>
+                                    </p:animEffect>
+                                  </p:childTnLst>
+                                </p:cTn>
+                              </p:par>
+                            </p:childTnLst>
+                          </p:cTn>
+                        </p:par>
+                      </p:childTnLst>
+                    </p:cTn>
+                  </p:par>
                 </p:childTnLst>
               </p:cTn>
               <p:prevCondLst>
@@ -43862,6 +43769,9 @@
         </p:cTn>
       </p:par>
     </p:tnLst>
+    <p:bldLst>
+      <p:bldP spid="5" grpId="0" animBg="1"/>
+    </p:bldLst>
   </p:timing>
 </p:sld>
 </file>
